--- a/Web Development.pptx
+++ b/Web Development.pptx
@@ -9173,7 +9173,7 @@
           <a:p>
             <a:fld id="{053CC2CE-D3B4-46D9-9110-0924D035A318}" type="datetimeFigureOut">
               <a:rPr lang="en-US" smtClean="0"/>
-              <a:t>16-Oct-25</a:t>
+              <a:t>17-Oct-25</a:t>
             </a:fld>
             <a:endParaRPr lang="en-US"/>
           </a:p>
@@ -9371,7 +9371,7 @@
           <a:p>
             <a:fld id="{053CC2CE-D3B4-46D9-9110-0924D035A318}" type="datetimeFigureOut">
               <a:rPr lang="en-US" smtClean="0"/>
-              <a:t>16-Oct-25</a:t>
+              <a:t>17-Oct-25</a:t>
             </a:fld>
             <a:endParaRPr lang="en-US"/>
           </a:p>
@@ -9579,7 +9579,7 @@
           <a:p>
             <a:fld id="{053CC2CE-D3B4-46D9-9110-0924D035A318}" type="datetimeFigureOut">
               <a:rPr lang="en-US" smtClean="0"/>
-              <a:t>16-Oct-25</a:t>
+              <a:t>17-Oct-25</a:t>
             </a:fld>
             <a:endParaRPr lang="en-US"/>
           </a:p>
@@ -9777,7 +9777,7 @@
           <a:p>
             <a:fld id="{053CC2CE-D3B4-46D9-9110-0924D035A318}" type="datetimeFigureOut">
               <a:rPr lang="en-US" smtClean="0"/>
-              <a:t>16-Oct-25</a:t>
+              <a:t>17-Oct-25</a:t>
             </a:fld>
             <a:endParaRPr lang="en-US"/>
           </a:p>
@@ -10052,7 +10052,7 @@
           <a:p>
             <a:fld id="{053CC2CE-D3B4-46D9-9110-0924D035A318}" type="datetimeFigureOut">
               <a:rPr lang="en-US" smtClean="0"/>
-              <a:t>16-Oct-25</a:t>
+              <a:t>17-Oct-25</a:t>
             </a:fld>
             <a:endParaRPr lang="en-US"/>
           </a:p>
@@ -10317,7 +10317,7 @@
           <a:p>
             <a:fld id="{053CC2CE-D3B4-46D9-9110-0924D035A318}" type="datetimeFigureOut">
               <a:rPr lang="en-US" smtClean="0"/>
-              <a:t>16-Oct-25</a:t>
+              <a:t>17-Oct-25</a:t>
             </a:fld>
             <a:endParaRPr lang="en-US"/>
           </a:p>
@@ -10729,7 +10729,7 @@
           <a:p>
             <a:fld id="{053CC2CE-D3B4-46D9-9110-0924D035A318}" type="datetimeFigureOut">
               <a:rPr lang="en-US" smtClean="0"/>
-              <a:t>16-Oct-25</a:t>
+              <a:t>17-Oct-25</a:t>
             </a:fld>
             <a:endParaRPr lang="en-US"/>
           </a:p>
@@ -10870,7 +10870,7 @@
           <a:p>
             <a:fld id="{053CC2CE-D3B4-46D9-9110-0924D035A318}" type="datetimeFigureOut">
               <a:rPr lang="en-US" smtClean="0"/>
-              <a:t>16-Oct-25</a:t>
+              <a:t>17-Oct-25</a:t>
             </a:fld>
             <a:endParaRPr lang="en-US"/>
           </a:p>
@@ -10983,7 +10983,7 @@
           <a:p>
             <a:fld id="{053CC2CE-D3B4-46D9-9110-0924D035A318}" type="datetimeFigureOut">
               <a:rPr lang="en-US" smtClean="0"/>
-              <a:t>16-Oct-25</a:t>
+              <a:t>17-Oct-25</a:t>
             </a:fld>
             <a:endParaRPr lang="en-US"/>
           </a:p>
@@ -11294,7 +11294,7 @@
           <a:p>
             <a:fld id="{053CC2CE-D3B4-46D9-9110-0924D035A318}" type="datetimeFigureOut">
               <a:rPr lang="en-US" smtClean="0"/>
-              <a:t>16-Oct-25</a:t>
+              <a:t>17-Oct-25</a:t>
             </a:fld>
             <a:endParaRPr lang="en-US"/>
           </a:p>
@@ -11582,7 +11582,7 @@
           <a:p>
             <a:fld id="{053CC2CE-D3B4-46D9-9110-0924D035A318}" type="datetimeFigureOut">
               <a:rPr lang="en-US" smtClean="0"/>
-              <a:t>16-Oct-25</a:t>
+              <a:t>17-Oct-25</a:t>
             </a:fld>
             <a:endParaRPr lang="en-US"/>
           </a:p>
@@ -11823,7 +11823,7 @@
           <a:p>
             <a:fld id="{053CC2CE-D3B4-46D9-9110-0924D035A318}" type="datetimeFigureOut">
               <a:rPr lang="en-US" smtClean="0"/>
-              <a:t>16-Oct-25</a:t>
+              <a:t>17-Oct-25</a:t>
             </a:fld>
             <a:endParaRPr lang="en-US"/>
           </a:p>
@@ -17153,7 +17153,7 @@
                             </p:stCondLst>
                             <p:childTnLst>
                               <p:par>
-                                <p:cTn id="20" presetID="16" presetClass="entr" presetSubtype="21" fill="hold" grpId="0" nodeType="clickEffect">
+                                <p:cTn id="20" presetID="22" presetClass="entr" presetSubtype="8" fill="hold" nodeType="clickEffect">
                                   <p:stCondLst>
                                     <p:cond delay="0"/>
                                   </p:stCondLst>
@@ -17166,7 +17166,7 @@
                                           </p:stCondLst>
                                         </p:cTn>
                                         <p:tgtEl>
-                                          <p:spTgt spid="8"/>
+                                          <p:spTgt spid="3"/>
                                         </p:tgtEl>
                                         <p:attrNameLst>
                                           <p:attrName>style.visibility</p:attrName>
@@ -17176,11 +17176,11 @@
                                         <p:strVal val="visible"/>
                                       </p:to>
                                     </p:set>
-                                    <p:animEffect transition="in" filter="barn(inVertical)">
+                                    <p:animEffect transition="in" filter="wipe(left)">
                                       <p:cBhvr>
                                         <p:cTn id="22" dur="500"/>
                                         <p:tgtEl>
-                                          <p:spTgt spid="8"/>
+                                          <p:spTgt spid="3"/>
                                         </p:tgtEl>
                                       </p:cBhvr>
                                     </p:animEffect>
@@ -17206,7 +17206,7 @@
                             </p:stCondLst>
                             <p:childTnLst>
                               <p:par>
-                                <p:cTn id="25" presetID="22" presetClass="entr" presetSubtype="8" fill="hold" nodeType="clickEffect">
+                                <p:cTn id="25" presetID="16" presetClass="entr" presetSubtype="21" fill="hold" grpId="0" nodeType="clickEffect">
                                   <p:stCondLst>
                                     <p:cond delay="0"/>
                                   </p:stCondLst>
@@ -17219,7 +17219,7 @@
                                           </p:stCondLst>
                                         </p:cTn>
                                         <p:tgtEl>
-                                          <p:spTgt spid="47"/>
+                                          <p:spTgt spid="8"/>
                                         </p:tgtEl>
                                         <p:attrNameLst>
                                           <p:attrName>style.visibility</p:attrName>
@@ -17229,11 +17229,11 @@
                                         <p:strVal val="visible"/>
                                       </p:to>
                                     </p:set>
-                                    <p:animEffect transition="in" filter="wipe(left)">
+                                    <p:animEffect transition="in" filter="barn(inVertical)">
                                       <p:cBhvr>
                                         <p:cTn id="27" dur="500"/>
                                         <p:tgtEl>
-                                          <p:spTgt spid="47"/>
+                                          <p:spTgt spid="8"/>
                                         </p:tgtEl>
                                       </p:cBhvr>
                                     </p:animEffect>
@@ -17259,7 +17259,7 @@
                             </p:stCondLst>
                             <p:childTnLst>
                               <p:par>
-                                <p:cTn id="30" presetID="16" presetClass="entr" presetSubtype="21" fill="hold" grpId="0" nodeType="clickEffect">
+                                <p:cTn id="30" presetID="22" presetClass="entr" presetSubtype="8" fill="hold" nodeType="clickEffect">
                                   <p:stCondLst>
                                     <p:cond delay="0"/>
                                   </p:stCondLst>
@@ -17272,7 +17272,7 @@
                                           </p:stCondLst>
                                         </p:cTn>
                                         <p:tgtEl>
-                                          <p:spTgt spid="10"/>
+                                          <p:spTgt spid="47"/>
                                         </p:tgtEl>
                                         <p:attrNameLst>
                                           <p:attrName>style.visibility</p:attrName>
@@ -17282,11 +17282,11 @@
                                         <p:strVal val="visible"/>
                                       </p:to>
                                     </p:set>
-                                    <p:animEffect transition="in" filter="barn(inVertical)">
+                                    <p:animEffect transition="in" filter="wipe(left)">
                                       <p:cBhvr>
                                         <p:cTn id="32" dur="500"/>
                                         <p:tgtEl>
-                                          <p:spTgt spid="10"/>
+                                          <p:spTgt spid="47"/>
                                         </p:tgtEl>
                                       </p:cBhvr>
                                     </p:animEffect>
@@ -17312,7 +17312,7 @@
                             </p:stCondLst>
                             <p:childTnLst>
                               <p:par>
-                                <p:cTn id="35" presetID="22" presetClass="entr" presetSubtype="8" fill="hold" nodeType="clickEffect">
+                                <p:cTn id="35" presetID="16" presetClass="entr" presetSubtype="21" fill="hold" grpId="0" nodeType="clickEffect">
                                   <p:stCondLst>
                                     <p:cond delay="0"/>
                                   </p:stCondLst>
@@ -17325,7 +17325,7 @@
                                           </p:stCondLst>
                                         </p:cTn>
                                         <p:tgtEl>
-                                          <p:spTgt spid="49"/>
+                                          <p:spTgt spid="10"/>
                                         </p:tgtEl>
                                         <p:attrNameLst>
                                           <p:attrName>style.visibility</p:attrName>
@@ -17335,11 +17335,11 @@
                                         <p:strVal val="visible"/>
                                       </p:to>
                                     </p:set>
-                                    <p:animEffect transition="in" filter="wipe(left)">
+                                    <p:animEffect transition="in" filter="barn(inVertical)">
                                       <p:cBhvr>
                                         <p:cTn id="37" dur="500"/>
                                         <p:tgtEl>
-                                          <p:spTgt spid="49"/>
+                                          <p:spTgt spid="10"/>
                                         </p:tgtEl>
                                       </p:cBhvr>
                                     </p:animEffect>
@@ -17365,7 +17365,7 @@
                             </p:stCondLst>
                             <p:childTnLst>
                               <p:par>
-                                <p:cTn id="40" presetID="16" presetClass="entr" presetSubtype="21" fill="hold" grpId="0" nodeType="clickEffect">
+                                <p:cTn id="40" presetID="22" presetClass="entr" presetSubtype="8" fill="hold" nodeType="clickEffect">
                                   <p:stCondLst>
                                     <p:cond delay="0"/>
                                   </p:stCondLst>
@@ -17378,7 +17378,7 @@
                                           </p:stCondLst>
                                         </p:cTn>
                                         <p:tgtEl>
-                                          <p:spTgt spid="9"/>
+                                          <p:spTgt spid="49"/>
                                         </p:tgtEl>
                                         <p:attrNameLst>
                                           <p:attrName>style.visibility</p:attrName>
@@ -17388,11 +17388,11 @@
                                         <p:strVal val="visible"/>
                                       </p:to>
                                     </p:set>
-                                    <p:animEffect transition="in" filter="barn(inVertical)">
+                                    <p:animEffect transition="in" filter="wipe(left)">
                                       <p:cBhvr>
                                         <p:cTn id="42" dur="500"/>
                                         <p:tgtEl>
-                                          <p:spTgt spid="9"/>
+                                          <p:spTgt spid="49"/>
                                         </p:tgtEl>
                                       </p:cBhvr>
                                     </p:animEffect>
@@ -17418,7 +17418,7 @@
                             </p:stCondLst>
                             <p:childTnLst>
                               <p:par>
-                                <p:cTn id="45" presetID="22" presetClass="entr" presetSubtype="8" fill="hold" nodeType="clickEffect">
+                                <p:cTn id="45" presetID="16" presetClass="entr" presetSubtype="21" fill="hold" grpId="0" nodeType="clickEffect">
                                   <p:stCondLst>
                                     <p:cond delay="0"/>
                                   </p:stCondLst>
@@ -17431,7 +17431,7 @@
                                           </p:stCondLst>
                                         </p:cTn>
                                         <p:tgtEl>
-                                          <p:spTgt spid="51"/>
+                                          <p:spTgt spid="9"/>
                                         </p:tgtEl>
                                         <p:attrNameLst>
                                           <p:attrName>style.visibility</p:attrName>
@@ -17441,11 +17441,11 @@
                                         <p:strVal val="visible"/>
                                       </p:to>
                                     </p:set>
-                                    <p:animEffect transition="in" filter="wipe(left)">
+                                    <p:animEffect transition="in" filter="barn(inVertical)">
                                       <p:cBhvr>
                                         <p:cTn id="47" dur="500"/>
                                         <p:tgtEl>
-                                          <p:spTgt spid="51"/>
+                                          <p:spTgt spid="9"/>
                                         </p:tgtEl>
                                       </p:cBhvr>
                                     </p:animEffect>
@@ -17471,7 +17471,7 @@
                             </p:stCondLst>
                             <p:childTnLst>
                               <p:par>
-                                <p:cTn id="50" presetID="16" presetClass="entr" presetSubtype="21" fill="hold" grpId="0" nodeType="clickEffect">
+                                <p:cTn id="50" presetID="22" presetClass="entr" presetSubtype="8" fill="hold" nodeType="clickEffect">
                                   <p:stCondLst>
                                     <p:cond delay="0"/>
                                   </p:stCondLst>
@@ -17484,7 +17484,7 @@
                                           </p:stCondLst>
                                         </p:cTn>
                                         <p:tgtEl>
-                                          <p:spTgt spid="12"/>
+                                          <p:spTgt spid="51"/>
                                         </p:tgtEl>
                                         <p:attrNameLst>
                                           <p:attrName>style.visibility</p:attrName>
@@ -17494,11 +17494,11 @@
                                         <p:strVal val="visible"/>
                                       </p:to>
                                     </p:set>
-                                    <p:animEffect transition="in" filter="barn(inVertical)">
+                                    <p:animEffect transition="in" filter="wipe(left)">
                                       <p:cBhvr>
                                         <p:cTn id="52" dur="500"/>
                                         <p:tgtEl>
-                                          <p:spTgt spid="12"/>
+                                          <p:spTgt spid="51"/>
                                         </p:tgtEl>
                                       </p:cBhvr>
                                     </p:animEffect>
@@ -17524,7 +17524,7 @@
                             </p:stCondLst>
                             <p:childTnLst>
                               <p:par>
-                                <p:cTn id="55" presetID="22" presetClass="entr" presetSubtype="1" fill="hold" nodeType="clickEffect">
+                                <p:cTn id="55" presetID="16" presetClass="entr" presetSubtype="21" fill="hold" grpId="0" nodeType="clickEffect">
                                   <p:stCondLst>
                                     <p:cond delay="0"/>
                                   </p:stCondLst>
@@ -17537,7 +17537,7 @@
                                           </p:stCondLst>
                                         </p:cTn>
                                         <p:tgtEl>
-                                          <p:spTgt spid="61"/>
+                                          <p:spTgt spid="12"/>
                                         </p:tgtEl>
                                         <p:attrNameLst>
                                           <p:attrName>style.visibility</p:attrName>
@@ -17547,11 +17547,11 @@
                                         <p:strVal val="visible"/>
                                       </p:to>
                                     </p:set>
-                                    <p:animEffect transition="in" filter="wipe(up)">
+                                    <p:animEffect transition="in" filter="barn(inVertical)">
                                       <p:cBhvr>
                                         <p:cTn id="57" dur="500"/>
                                         <p:tgtEl>
-                                          <p:spTgt spid="61"/>
+                                          <p:spTgt spid="12"/>
                                         </p:tgtEl>
                                       </p:cBhvr>
                                     </p:animEffect>
@@ -17577,7 +17577,7 @@
                             </p:stCondLst>
                             <p:childTnLst>
                               <p:par>
-                                <p:cTn id="60" presetID="16" presetClass="entr" presetSubtype="21" fill="hold" grpId="0" nodeType="clickEffect">
+                                <p:cTn id="60" presetID="22" presetClass="entr" presetSubtype="1" fill="hold" nodeType="clickEffect">
                                   <p:stCondLst>
                                     <p:cond delay="0"/>
                                   </p:stCondLst>
@@ -17590,7 +17590,7 @@
                                           </p:stCondLst>
                                         </p:cTn>
                                         <p:tgtEl>
-                                          <p:spTgt spid="7"/>
+                                          <p:spTgt spid="61"/>
                                         </p:tgtEl>
                                         <p:attrNameLst>
                                           <p:attrName>style.visibility</p:attrName>
@@ -17600,11 +17600,11 @@
                                         <p:strVal val="visible"/>
                                       </p:to>
                                     </p:set>
-                                    <p:animEffect transition="in" filter="barn(inVertical)">
+                                    <p:animEffect transition="in" filter="wipe(up)">
                                       <p:cBhvr>
                                         <p:cTn id="62" dur="500"/>
                                         <p:tgtEl>
-                                          <p:spTgt spid="7"/>
+                                          <p:spTgt spid="61"/>
                                         </p:tgtEl>
                                       </p:cBhvr>
                                     </p:animEffect>
@@ -17630,7 +17630,7 @@
                             </p:stCondLst>
                             <p:childTnLst>
                               <p:par>
-                                <p:cTn id="65" presetID="22" presetClass="entr" presetSubtype="2" fill="hold" nodeType="clickEffect">
+                                <p:cTn id="65" presetID="16" presetClass="entr" presetSubtype="21" fill="hold" grpId="0" nodeType="clickEffect">
                                   <p:stCondLst>
                                     <p:cond delay="0"/>
                                   </p:stCondLst>
@@ -17643,7 +17643,7 @@
                                           </p:stCondLst>
                                         </p:cTn>
                                         <p:tgtEl>
-                                          <p:spTgt spid="53"/>
+                                          <p:spTgt spid="7"/>
                                         </p:tgtEl>
                                         <p:attrNameLst>
                                           <p:attrName>style.visibility</p:attrName>
@@ -17653,11 +17653,11 @@
                                         <p:strVal val="visible"/>
                                       </p:to>
                                     </p:set>
-                                    <p:animEffect transition="in" filter="wipe(right)">
+                                    <p:animEffect transition="in" filter="barn(inVertical)">
                                       <p:cBhvr>
                                         <p:cTn id="67" dur="500"/>
                                         <p:tgtEl>
-                                          <p:spTgt spid="53"/>
+                                          <p:spTgt spid="7"/>
                                         </p:tgtEl>
                                       </p:cBhvr>
                                     </p:animEffect>
@@ -17683,7 +17683,7 @@
                             </p:stCondLst>
                             <p:childTnLst>
                               <p:par>
-                                <p:cTn id="70" presetID="16" presetClass="entr" presetSubtype="21" fill="hold" grpId="0" nodeType="clickEffect">
+                                <p:cTn id="70" presetID="22" presetClass="entr" presetSubtype="2" fill="hold" nodeType="clickEffect">
                                   <p:stCondLst>
                                     <p:cond delay="0"/>
                                   </p:stCondLst>
@@ -17696,7 +17696,7 @@
                                           </p:stCondLst>
                                         </p:cTn>
                                         <p:tgtEl>
-                                          <p:spTgt spid="11"/>
+                                          <p:spTgt spid="53"/>
                                         </p:tgtEl>
                                         <p:attrNameLst>
                                           <p:attrName>style.visibility</p:attrName>
@@ -17706,11 +17706,11 @@
                                         <p:strVal val="visible"/>
                                       </p:to>
                                     </p:set>
-                                    <p:animEffect transition="in" filter="barn(inVertical)">
+                                    <p:animEffect transition="in" filter="wipe(right)">
                                       <p:cBhvr>
                                         <p:cTn id="72" dur="500"/>
                                         <p:tgtEl>
-                                          <p:spTgt spid="11"/>
+                                          <p:spTgt spid="53"/>
                                         </p:tgtEl>
                                       </p:cBhvr>
                                     </p:animEffect>
@@ -17736,7 +17736,7 @@
                             </p:stCondLst>
                             <p:childTnLst>
                               <p:par>
-                                <p:cTn id="75" presetID="22" presetClass="entr" presetSubtype="2" fill="hold" nodeType="clickEffect">
+                                <p:cTn id="75" presetID="16" presetClass="entr" presetSubtype="21" fill="hold" grpId="0" nodeType="clickEffect">
                                   <p:stCondLst>
                                     <p:cond delay="0"/>
                                   </p:stCondLst>
@@ -17749,7 +17749,7 @@
                                           </p:stCondLst>
                                         </p:cTn>
                                         <p:tgtEl>
-                                          <p:spTgt spid="55"/>
+                                          <p:spTgt spid="11"/>
                                         </p:tgtEl>
                                         <p:attrNameLst>
                                           <p:attrName>style.visibility</p:attrName>
@@ -17759,11 +17759,11 @@
                                         <p:strVal val="visible"/>
                                       </p:to>
                                     </p:set>
-                                    <p:animEffect transition="in" filter="wipe(right)">
+                                    <p:animEffect transition="in" filter="barn(inVertical)">
                                       <p:cBhvr>
                                         <p:cTn id="77" dur="500"/>
                                         <p:tgtEl>
-                                          <p:spTgt spid="55"/>
+                                          <p:spTgt spid="11"/>
                                         </p:tgtEl>
                                       </p:cBhvr>
                                     </p:animEffect>
@@ -17789,7 +17789,7 @@
                             </p:stCondLst>
                             <p:childTnLst>
                               <p:par>
-                                <p:cTn id="80" presetID="16" presetClass="entr" presetSubtype="21" fill="hold" grpId="0" nodeType="clickEffect">
+                                <p:cTn id="80" presetID="22" presetClass="entr" presetSubtype="2" fill="hold" nodeType="clickEffect">
                                   <p:stCondLst>
                                     <p:cond delay="0"/>
                                   </p:stCondLst>
@@ -17802,7 +17802,7 @@
                                           </p:stCondLst>
                                         </p:cTn>
                                         <p:tgtEl>
-                                          <p:spTgt spid="13"/>
+                                          <p:spTgt spid="55"/>
                                         </p:tgtEl>
                                         <p:attrNameLst>
                                           <p:attrName>style.visibility</p:attrName>
@@ -17812,11 +17812,11 @@
                                         <p:strVal val="visible"/>
                                       </p:to>
                                     </p:set>
-                                    <p:animEffect transition="in" filter="barn(inVertical)">
+                                    <p:animEffect transition="in" filter="wipe(right)">
                                       <p:cBhvr>
                                         <p:cTn id="82" dur="500"/>
                                         <p:tgtEl>
-                                          <p:spTgt spid="13"/>
+                                          <p:spTgt spid="55"/>
                                         </p:tgtEl>
                                       </p:cBhvr>
                                     </p:animEffect>
@@ -17842,7 +17842,7 @@
                             </p:stCondLst>
                             <p:childTnLst>
                               <p:par>
-                                <p:cTn id="85" presetID="22" presetClass="entr" presetSubtype="2" fill="hold" nodeType="clickEffect">
+                                <p:cTn id="85" presetID="16" presetClass="entr" presetSubtype="21" fill="hold" grpId="0" nodeType="clickEffect">
                                   <p:stCondLst>
                                     <p:cond delay="0"/>
                                   </p:stCondLst>
@@ -17855,7 +17855,7 @@
                                           </p:stCondLst>
                                         </p:cTn>
                                         <p:tgtEl>
-                                          <p:spTgt spid="57"/>
+                                          <p:spTgt spid="13"/>
                                         </p:tgtEl>
                                         <p:attrNameLst>
                                           <p:attrName>style.visibility</p:attrName>
@@ -17865,11 +17865,11 @@
                                         <p:strVal val="visible"/>
                                       </p:to>
                                     </p:set>
-                                    <p:animEffect transition="in" filter="wipe(right)">
+                                    <p:animEffect transition="in" filter="barn(inVertical)">
                                       <p:cBhvr>
                                         <p:cTn id="87" dur="500"/>
                                         <p:tgtEl>
-                                          <p:spTgt spid="57"/>
+                                          <p:spTgt spid="13"/>
                                         </p:tgtEl>
                                       </p:cBhvr>
                                     </p:animEffect>
@@ -17895,7 +17895,7 @@
                             </p:stCondLst>
                             <p:childTnLst>
                               <p:par>
-                                <p:cTn id="90" presetID="16" presetClass="entr" presetSubtype="21" fill="hold" grpId="0" nodeType="clickEffect">
+                                <p:cTn id="90" presetID="22" presetClass="entr" presetSubtype="2" fill="hold" nodeType="clickEffect">
                                   <p:stCondLst>
                                     <p:cond delay="0"/>
                                   </p:stCondLst>
@@ -17908,7 +17908,7 @@
                                           </p:stCondLst>
                                         </p:cTn>
                                         <p:tgtEl>
-                                          <p:spTgt spid="15"/>
+                                          <p:spTgt spid="57"/>
                                         </p:tgtEl>
                                         <p:attrNameLst>
                                           <p:attrName>style.visibility</p:attrName>
@@ -17918,11 +17918,11 @@
                                         <p:strVal val="visible"/>
                                       </p:to>
                                     </p:set>
-                                    <p:animEffect transition="in" filter="barn(inVertical)">
+                                    <p:animEffect transition="in" filter="wipe(right)">
                                       <p:cBhvr>
                                         <p:cTn id="92" dur="500"/>
                                         <p:tgtEl>
-                                          <p:spTgt spid="15"/>
+                                          <p:spTgt spid="57"/>
                                         </p:tgtEl>
                                       </p:cBhvr>
                                     </p:animEffect>
@@ -17948,7 +17948,7 @@
                             </p:stCondLst>
                             <p:childTnLst>
                               <p:par>
-                                <p:cTn id="95" presetID="22" presetClass="entr" presetSubtype="1" fill="hold" nodeType="clickEffect">
+                                <p:cTn id="95" presetID="16" presetClass="entr" presetSubtype="21" fill="hold" grpId="0" nodeType="clickEffect">
                                   <p:stCondLst>
                                     <p:cond delay="0"/>
                                   </p:stCondLst>
@@ -17961,7 +17961,7 @@
                                           </p:stCondLst>
                                         </p:cTn>
                                         <p:tgtEl>
-                                          <p:spTgt spid="64"/>
+                                          <p:spTgt spid="15"/>
                                         </p:tgtEl>
                                         <p:attrNameLst>
                                           <p:attrName>style.visibility</p:attrName>
@@ -17971,11 +17971,11 @@
                                         <p:strVal val="visible"/>
                                       </p:to>
                                     </p:set>
-                                    <p:animEffect transition="in" filter="wipe(up)">
+                                    <p:animEffect transition="in" filter="barn(inVertical)">
                                       <p:cBhvr>
                                         <p:cTn id="97" dur="500"/>
                                         <p:tgtEl>
-                                          <p:spTgt spid="64"/>
+                                          <p:spTgt spid="15"/>
                                         </p:tgtEl>
                                       </p:cBhvr>
                                     </p:animEffect>
@@ -18001,7 +18001,7 @@
                             </p:stCondLst>
                             <p:childTnLst>
                               <p:par>
-                                <p:cTn id="100" presetID="16" presetClass="entr" presetSubtype="21" fill="hold" grpId="0" nodeType="clickEffect">
+                                <p:cTn id="100" presetID="22" presetClass="entr" presetSubtype="1" fill="hold" nodeType="clickEffect">
                                   <p:stCondLst>
                                     <p:cond delay="0"/>
                                   </p:stCondLst>
@@ -18014,7 +18014,7 @@
                                           </p:stCondLst>
                                         </p:cTn>
                                         <p:tgtEl>
-                                          <p:spTgt spid="14"/>
+                                          <p:spTgt spid="64"/>
                                         </p:tgtEl>
                                         <p:attrNameLst>
                                           <p:attrName>style.visibility</p:attrName>
@@ -18024,11 +18024,11 @@
                                         <p:strVal val="visible"/>
                                       </p:to>
                                     </p:set>
-                                    <p:animEffect transition="in" filter="barn(inVertical)">
+                                    <p:animEffect transition="in" filter="wipe(up)">
                                       <p:cBhvr>
                                         <p:cTn id="102" dur="500"/>
                                         <p:tgtEl>
-                                          <p:spTgt spid="14"/>
+                                          <p:spTgt spid="64"/>
                                         </p:tgtEl>
                                       </p:cBhvr>
                                     </p:animEffect>
@@ -18054,7 +18054,7 @@
                             </p:stCondLst>
                             <p:childTnLst>
                               <p:par>
-                                <p:cTn id="105" presetID="22" presetClass="entr" presetSubtype="8" fill="hold" nodeType="clickEffect">
+                                <p:cTn id="105" presetID="16" presetClass="entr" presetSubtype="21" fill="hold" grpId="0" nodeType="clickEffect">
                                   <p:stCondLst>
                                     <p:cond delay="0"/>
                                   </p:stCondLst>
@@ -18067,7 +18067,7 @@
                                           </p:stCondLst>
                                         </p:cTn>
                                         <p:tgtEl>
-                                          <p:spTgt spid="59"/>
+                                          <p:spTgt spid="14"/>
                                         </p:tgtEl>
                                         <p:attrNameLst>
                                           <p:attrName>style.visibility</p:attrName>
@@ -18077,11 +18077,11 @@
                                         <p:strVal val="visible"/>
                                       </p:to>
                                     </p:set>
-                                    <p:animEffect transition="in" filter="wipe(left)">
+                                    <p:animEffect transition="in" filter="barn(inVertical)">
                                       <p:cBhvr>
                                         <p:cTn id="107" dur="500"/>
                                         <p:tgtEl>
-                                          <p:spTgt spid="59"/>
+                                          <p:spTgt spid="14"/>
                                         </p:tgtEl>
                                       </p:cBhvr>
                                     </p:animEffect>
@@ -18120,7 +18120,7 @@
                                           </p:stCondLst>
                                         </p:cTn>
                                         <p:tgtEl>
-                                          <p:spTgt spid="3"/>
+                                          <p:spTgt spid="59"/>
                                         </p:tgtEl>
                                         <p:attrNameLst>
                                           <p:attrName>style.visibility</p:attrName>
@@ -18134,7 +18134,7 @@
                                       <p:cBhvr>
                                         <p:cTn id="112" dur="500"/>
                                         <p:tgtEl>
-                                          <p:spTgt spid="3"/>
+                                          <p:spTgt spid="59"/>
                                         </p:tgtEl>
                                       </p:cBhvr>
                                     </p:animEffect>
@@ -26006,6 +26006,418 @@
                       </p:childTnLst>
                     </p:cTn>
                   </p:par>
+                  <p:par>
+                    <p:cTn id="21" fill="hold">
+                      <p:stCondLst>
+                        <p:cond delay="indefinite"/>
+                      </p:stCondLst>
+                      <p:childTnLst>
+                        <p:par>
+                          <p:cTn id="22" fill="hold">
+                            <p:stCondLst>
+                              <p:cond delay="0"/>
+                            </p:stCondLst>
+                            <p:childTnLst>
+                              <p:par>
+                                <p:cTn id="23" presetID="2" presetClass="entr" presetSubtype="4" fill="hold" nodeType="clickEffect">
+                                  <p:stCondLst>
+                                    <p:cond delay="0"/>
+                                  </p:stCondLst>
+                                  <p:childTnLst>
+                                    <p:set>
+                                      <p:cBhvr>
+                                        <p:cTn id="24" dur="1" fill="hold">
+                                          <p:stCondLst>
+                                            <p:cond delay="0"/>
+                                          </p:stCondLst>
+                                        </p:cTn>
+                                        <p:tgtEl>
+                                          <p:spTgt spid="3">
+                                            <p:txEl>
+                                              <p:pRg st="1" end="1"/>
+                                            </p:txEl>
+                                          </p:spTgt>
+                                        </p:tgtEl>
+                                        <p:attrNameLst>
+                                          <p:attrName>style.visibility</p:attrName>
+                                        </p:attrNameLst>
+                                      </p:cBhvr>
+                                      <p:to>
+                                        <p:strVal val="visible"/>
+                                      </p:to>
+                                    </p:set>
+                                    <p:anim calcmode="lin" valueType="num">
+                                      <p:cBhvr additive="base">
+                                        <p:cTn id="25" dur="500" fill="hold"/>
+                                        <p:tgtEl>
+                                          <p:spTgt spid="3">
+                                            <p:txEl>
+                                              <p:pRg st="1" end="1"/>
+                                            </p:txEl>
+                                          </p:spTgt>
+                                        </p:tgtEl>
+                                        <p:attrNameLst>
+                                          <p:attrName>ppt_x</p:attrName>
+                                        </p:attrNameLst>
+                                      </p:cBhvr>
+                                      <p:tavLst>
+                                        <p:tav tm="0">
+                                          <p:val>
+                                            <p:strVal val="#ppt_x"/>
+                                          </p:val>
+                                        </p:tav>
+                                        <p:tav tm="100000">
+                                          <p:val>
+                                            <p:strVal val="#ppt_x"/>
+                                          </p:val>
+                                        </p:tav>
+                                      </p:tavLst>
+                                    </p:anim>
+                                    <p:anim calcmode="lin" valueType="num">
+                                      <p:cBhvr additive="base">
+                                        <p:cTn id="26" dur="500" fill="hold"/>
+                                        <p:tgtEl>
+                                          <p:spTgt spid="3">
+                                            <p:txEl>
+                                              <p:pRg st="1" end="1"/>
+                                            </p:txEl>
+                                          </p:spTgt>
+                                        </p:tgtEl>
+                                        <p:attrNameLst>
+                                          <p:attrName>ppt_y</p:attrName>
+                                        </p:attrNameLst>
+                                      </p:cBhvr>
+                                      <p:tavLst>
+                                        <p:tav tm="0">
+                                          <p:val>
+                                            <p:strVal val="1+#ppt_h/2"/>
+                                          </p:val>
+                                        </p:tav>
+                                        <p:tav tm="100000">
+                                          <p:val>
+                                            <p:strVal val="#ppt_y"/>
+                                          </p:val>
+                                        </p:tav>
+                                      </p:tavLst>
+                                    </p:anim>
+                                  </p:childTnLst>
+                                </p:cTn>
+                              </p:par>
+                            </p:childTnLst>
+                          </p:cTn>
+                        </p:par>
+                      </p:childTnLst>
+                    </p:cTn>
+                  </p:par>
+                  <p:par>
+                    <p:cTn id="27" fill="hold">
+                      <p:stCondLst>
+                        <p:cond delay="indefinite"/>
+                      </p:stCondLst>
+                      <p:childTnLst>
+                        <p:par>
+                          <p:cTn id="28" fill="hold">
+                            <p:stCondLst>
+                              <p:cond delay="0"/>
+                            </p:stCondLst>
+                            <p:childTnLst>
+                              <p:par>
+                                <p:cTn id="29" presetID="2" presetClass="entr" presetSubtype="4" fill="hold" nodeType="clickEffect">
+                                  <p:stCondLst>
+                                    <p:cond delay="0"/>
+                                  </p:stCondLst>
+                                  <p:childTnLst>
+                                    <p:set>
+                                      <p:cBhvr>
+                                        <p:cTn id="30" dur="1" fill="hold">
+                                          <p:stCondLst>
+                                            <p:cond delay="0"/>
+                                          </p:stCondLst>
+                                        </p:cTn>
+                                        <p:tgtEl>
+                                          <p:spTgt spid="3">
+                                            <p:txEl>
+                                              <p:pRg st="2" end="2"/>
+                                            </p:txEl>
+                                          </p:spTgt>
+                                        </p:tgtEl>
+                                        <p:attrNameLst>
+                                          <p:attrName>style.visibility</p:attrName>
+                                        </p:attrNameLst>
+                                      </p:cBhvr>
+                                      <p:to>
+                                        <p:strVal val="visible"/>
+                                      </p:to>
+                                    </p:set>
+                                    <p:anim calcmode="lin" valueType="num">
+                                      <p:cBhvr additive="base">
+                                        <p:cTn id="31" dur="500" fill="hold"/>
+                                        <p:tgtEl>
+                                          <p:spTgt spid="3">
+                                            <p:txEl>
+                                              <p:pRg st="2" end="2"/>
+                                            </p:txEl>
+                                          </p:spTgt>
+                                        </p:tgtEl>
+                                        <p:attrNameLst>
+                                          <p:attrName>ppt_x</p:attrName>
+                                        </p:attrNameLst>
+                                      </p:cBhvr>
+                                      <p:tavLst>
+                                        <p:tav tm="0">
+                                          <p:val>
+                                            <p:strVal val="#ppt_x"/>
+                                          </p:val>
+                                        </p:tav>
+                                        <p:tav tm="100000">
+                                          <p:val>
+                                            <p:strVal val="#ppt_x"/>
+                                          </p:val>
+                                        </p:tav>
+                                      </p:tavLst>
+                                    </p:anim>
+                                    <p:anim calcmode="lin" valueType="num">
+                                      <p:cBhvr additive="base">
+                                        <p:cTn id="32" dur="500" fill="hold"/>
+                                        <p:tgtEl>
+                                          <p:spTgt spid="3">
+                                            <p:txEl>
+                                              <p:pRg st="2" end="2"/>
+                                            </p:txEl>
+                                          </p:spTgt>
+                                        </p:tgtEl>
+                                        <p:attrNameLst>
+                                          <p:attrName>ppt_y</p:attrName>
+                                        </p:attrNameLst>
+                                      </p:cBhvr>
+                                      <p:tavLst>
+                                        <p:tav tm="0">
+                                          <p:val>
+                                            <p:strVal val="1+#ppt_h/2"/>
+                                          </p:val>
+                                        </p:tav>
+                                        <p:tav tm="100000">
+                                          <p:val>
+                                            <p:strVal val="#ppt_y"/>
+                                          </p:val>
+                                        </p:tav>
+                                      </p:tavLst>
+                                    </p:anim>
+                                  </p:childTnLst>
+                                </p:cTn>
+                              </p:par>
+                            </p:childTnLst>
+                          </p:cTn>
+                        </p:par>
+                      </p:childTnLst>
+                    </p:cTn>
+                  </p:par>
+                  <p:par>
+                    <p:cTn id="33" fill="hold">
+                      <p:stCondLst>
+                        <p:cond delay="indefinite"/>
+                      </p:stCondLst>
+                      <p:childTnLst>
+                        <p:par>
+                          <p:cTn id="34" fill="hold">
+                            <p:stCondLst>
+                              <p:cond delay="0"/>
+                            </p:stCondLst>
+                            <p:childTnLst>
+                              <p:par>
+                                <p:cTn id="35" presetID="2" presetClass="entr" presetSubtype="4" fill="hold" nodeType="clickEffect">
+                                  <p:stCondLst>
+                                    <p:cond delay="0"/>
+                                  </p:stCondLst>
+                                  <p:childTnLst>
+                                    <p:set>
+                                      <p:cBhvr>
+                                        <p:cTn id="36" dur="1" fill="hold">
+                                          <p:stCondLst>
+                                            <p:cond delay="0"/>
+                                          </p:stCondLst>
+                                        </p:cTn>
+                                        <p:tgtEl>
+                                          <p:spTgt spid="3">
+                                            <p:txEl>
+                                              <p:pRg st="3" end="3"/>
+                                            </p:txEl>
+                                          </p:spTgt>
+                                        </p:tgtEl>
+                                        <p:attrNameLst>
+                                          <p:attrName>style.visibility</p:attrName>
+                                        </p:attrNameLst>
+                                      </p:cBhvr>
+                                      <p:to>
+                                        <p:strVal val="visible"/>
+                                      </p:to>
+                                    </p:set>
+                                    <p:anim calcmode="lin" valueType="num">
+                                      <p:cBhvr additive="base">
+                                        <p:cTn id="37" dur="500" fill="hold"/>
+                                        <p:tgtEl>
+                                          <p:spTgt spid="3">
+                                            <p:txEl>
+                                              <p:pRg st="3" end="3"/>
+                                            </p:txEl>
+                                          </p:spTgt>
+                                        </p:tgtEl>
+                                        <p:attrNameLst>
+                                          <p:attrName>ppt_x</p:attrName>
+                                        </p:attrNameLst>
+                                      </p:cBhvr>
+                                      <p:tavLst>
+                                        <p:tav tm="0">
+                                          <p:val>
+                                            <p:strVal val="#ppt_x"/>
+                                          </p:val>
+                                        </p:tav>
+                                        <p:tav tm="100000">
+                                          <p:val>
+                                            <p:strVal val="#ppt_x"/>
+                                          </p:val>
+                                        </p:tav>
+                                      </p:tavLst>
+                                    </p:anim>
+                                    <p:anim calcmode="lin" valueType="num">
+                                      <p:cBhvr additive="base">
+                                        <p:cTn id="38" dur="500" fill="hold"/>
+                                        <p:tgtEl>
+                                          <p:spTgt spid="3">
+                                            <p:txEl>
+                                              <p:pRg st="3" end="3"/>
+                                            </p:txEl>
+                                          </p:spTgt>
+                                        </p:tgtEl>
+                                        <p:attrNameLst>
+                                          <p:attrName>ppt_y</p:attrName>
+                                        </p:attrNameLst>
+                                      </p:cBhvr>
+                                      <p:tavLst>
+                                        <p:tav tm="0">
+                                          <p:val>
+                                            <p:strVal val="1+#ppt_h/2"/>
+                                          </p:val>
+                                        </p:tav>
+                                        <p:tav tm="100000">
+                                          <p:val>
+                                            <p:strVal val="#ppt_y"/>
+                                          </p:val>
+                                        </p:tav>
+                                      </p:tavLst>
+                                    </p:anim>
+                                  </p:childTnLst>
+                                </p:cTn>
+                              </p:par>
+                            </p:childTnLst>
+                          </p:cTn>
+                        </p:par>
+                      </p:childTnLst>
+                    </p:cTn>
+                  </p:par>
+                  <p:par>
+                    <p:cTn id="39" fill="hold">
+                      <p:stCondLst>
+                        <p:cond delay="indefinite"/>
+                      </p:stCondLst>
+                      <p:childTnLst>
+                        <p:par>
+                          <p:cTn id="40" fill="hold">
+                            <p:stCondLst>
+                              <p:cond delay="0"/>
+                            </p:stCondLst>
+                            <p:childTnLst>
+                              <p:par>
+                                <p:cTn id="41" presetID="2" presetClass="entr" presetSubtype="4" fill="hold" nodeType="clickEffect">
+                                  <p:stCondLst>
+                                    <p:cond delay="0"/>
+                                  </p:stCondLst>
+                                  <p:childTnLst>
+                                    <p:set>
+                                      <p:cBhvr>
+                                        <p:cTn id="42" dur="1" fill="hold">
+                                          <p:stCondLst>
+                                            <p:cond delay="0"/>
+                                          </p:stCondLst>
+                                        </p:cTn>
+                                        <p:tgtEl>
+                                          <p:spTgt spid="3">
+                                            <p:txEl>
+                                              <p:pRg st="4" end="4"/>
+                                            </p:txEl>
+                                          </p:spTgt>
+                                        </p:tgtEl>
+                                        <p:attrNameLst>
+                                          <p:attrName>style.visibility</p:attrName>
+                                        </p:attrNameLst>
+                                      </p:cBhvr>
+                                      <p:to>
+                                        <p:strVal val="visible"/>
+                                      </p:to>
+                                    </p:set>
+                                    <p:anim calcmode="lin" valueType="num">
+                                      <p:cBhvr additive="base">
+                                        <p:cTn id="43" dur="500" fill="hold"/>
+                                        <p:tgtEl>
+                                          <p:spTgt spid="3">
+                                            <p:txEl>
+                                              <p:pRg st="4" end="4"/>
+                                            </p:txEl>
+                                          </p:spTgt>
+                                        </p:tgtEl>
+                                        <p:attrNameLst>
+                                          <p:attrName>ppt_x</p:attrName>
+                                        </p:attrNameLst>
+                                      </p:cBhvr>
+                                      <p:tavLst>
+                                        <p:tav tm="0">
+                                          <p:val>
+                                            <p:strVal val="#ppt_x"/>
+                                          </p:val>
+                                        </p:tav>
+                                        <p:tav tm="100000">
+                                          <p:val>
+                                            <p:strVal val="#ppt_x"/>
+                                          </p:val>
+                                        </p:tav>
+                                      </p:tavLst>
+                                    </p:anim>
+                                    <p:anim calcmode="lin" valueType="num">
+                                      <p:cBhvr additive="base">
+                                        <p:cTn id="44" dur="500" fill="hold"/>
+                                        <p:tgtEl>
+                                          <p:spTgt spid="3">
+                                            <p:txEl>
+                                              <p:pRg st="4" end="4"/>
+                                            </p:txEl>
+                                          </p:spTgt>
+                                        </p:tgtEl>
+                                        <p:attrNameLst>
+                                          <p:attrName>ppt_y</p:attrName>
+                                        </p:attrNameLst>
+                                      </p:cBhvr>
+                                      <p:tavLst>
+                                        <p:tav tm="0">
+                                          <p:val>
+                                            <p:strVal val="1+#ppt_h/2"/>
+                                          </p:val>
+                                        </p:tav>
+                                        <p:tav tm="100000">
+                                          <p:val>
+                                            <p:strVal val="#ppt_y"/>
+                                          </p:val>
+                                        </p:tav>
+                                      </p:tavLst>
+                                    </p:anim>
+                                  </p:childTnLst>
+                                </p:cTn>
+                              </p:par>
+                            </p:childTnLst>
+                          </p:cTn>
+                        </p:par>
+                      </p:childTnLst>
+                    </p:cTn>
+                  </p:par>
                 </p:childTnLst>
               </p:cTn>
               <p:prevCondLst>
@@ -27421,7 +27833,11 @@
                                           </p:stCondLst>
                                         </p:cTn>
                                         <p:tgtEl>
-                                          <p:spTgt spid="2"/>
+                                          <p:spTgt spid="3">
+                                            <p:txEl>
+                                              <p:pRg st="0" end="0"/>
+                                            </p:txEl>
+                                          </p:spTgt>
                                         </p:tgtEl>
                                         <p:attrNameLst>
                                           <p:attrName>style.visibility</p:attrName>
@@ -27435,7 +27851,11 @@
                                       <p:cBhvr additive="base">
                                         <p:cTn id="7" dur="500" fill="hold"/>
                                         <p:tgtEl>
-                                          <p:spTgt spid="2"/>
+                                          <p:spTgt spid="3">
+                                            <p:txEl>
+                                              <p:pRg st="0" end="0"/>
+                                            </p:txEl>
+                                          </p:spTgt>
                                         </p:tgtEl>
                                         <p:attrNameLst>
                                           <p:attrName>ppt_x</p:attrName>
@@ -27457,196 +27877,6 @@
                                     <p:anim calcmode="lin" valueType="num">
                                       <p:cBhvr additive="base">
                                         <p:cTn id="8" dur="500" fill="hold"/>
-                                        <p:tgtEl>
-                                          <p:spTgt spid="2"/>
-                                        </p:tgtEl>
-                                        <p:attrNameLst>
-                                          <p:attrName>ppt_y</p:attrName>
-                                        </p:attrNameLst>
-                                      </p:cBhvr>
-                                      <p:tavLst>
-                                        <p:tav tm="0">
-                                          <p:val>
-                                            <p:strVal val="1+#ppt_h/2"/>
-                                          </p:val>
-                                        </p:tav>
-                                        <p:tav tm="100000">
-                                          <p:val>
-                                            <p:strVal val="#ppt_y"/>
-                                          </p:val>
-                                        </p:tav>
-                                      </p:tavLst>
-                                    </p:anim>
-                                  </p:childTnLst>
-                                </p:cTn>
-                              </p:par>
-                            </p:childTnLst>
-                          </p:cTn>
-                        </p:par>
-                      </p:childTnLst>
-                    </p:cTn>
-                  </p:par>
-                  <p:par>
-                    <p:cTn id="9" fill="hold">
-                      <p:stCondLst>
-                        <p:cond delay="indefinite"/>
-                      </p:stCondLst>
-                      <p:childTnLst>
-                        <p:par>
-                          <p:cTn id="10" fill="hold">
-                            <p:stCondLst>
-                              <p:cond delay="0"/>
-                            </p:stCondLst>
-                            <p:childTnLst>
-                              <p:par>
-                                <p:cTn id="11" presetID="2" presetClass="entr" presetSubtype="4" fill="hold" nodeType="clickEffect">
-                                  <p:stCondLst>
-                                    <p:cond delay="0"/>
-                                  </p:stCondLst>
-                                  <p:childTnLst>
-                                    <p:set>
-                                      <p:cBhvr>
-                                        <p:cTn id="12" dur="1" fill="hold">
-                                          <p:stCondLst>
-                                            <p:cond delay="0"/>
-                                          </p:stCondLst>
-                                        </p:cTn>
-                                        <p:tgtEl>
-                                          <p:spTgt spid="5"/>
-                                        </p:tgtEl>
-                                        <p:attrNameLst>
-                                          <p:attrName>style.visibility</p:attrName>
-                                        </p:attrNameLst>
-                                      </p:cBhvr>
-                                      <p:to>
-                                        <p:strVal val="visible"/>
-                                      </p:to>
-                                    </p:set>
-                                    <p:anim calcmode="lin" valueType="num">
-                                      <p:cBhvr additive="base">
-                                        <p:cTn id="13" dur="500" fill="hold"/>
-                                        <p:tgtEl>
-                                          <p:spTgt spid="5"/>
-                                        </p:tgtEl>
-                                        <p:attrNameLst>
-                                          <p:attrName>ppt_x</p:attrName>
-                                        </p:attrNameLst>
-                                      </p:cBhvr>
-                                      <p:tavLst>
-                                        <p:tav tm="0">
-                                          <p:val>
-                                            <p:strVal val="#ppt_x"/>
-                                          </p:val>
-                                        </p:tav>
-                                        <p:tav tm="100000">
-                                          <p:val>
-                                            <p:strVal val="#ppt_x"/>
-                                          </p:val>
-                                        </p:tav>
-                                      </p:tavLst>
-                                    </p:anim>
-                                    <p:anim calcmode="lin" valueType="num">
-                                      <p:cBhvr additive="base">
-                                        <p:cTn id="14" dur="500" fill="hold"/>
-                                        <p:tgtEl>
-                                          <p:spTgt spid="5"/>
-                                        </p:tgtEl>
-                                        <p:attrNameLst>
-                                          <p:attrName>ppt_y</p:attrName>
-                                        </p:attrNameLst>
-                                      </p:cBhvr>
-                                      <p:tavLst>
-                                        <p:tav tm="0">
-                                          <p:val>
-                                            <p:strVal val="1+#ppt_h/2"/>
-                                          </p:val>
-                                        </p:tav>
-                                        <p:tav tm="100000">
-                                          <p:val>
-                                            <p:strVal val="#ppt_y"/>
-                                          </p:val>
-                                        </p:tav>
-                                      </p:tavLst>
-                                    </p:anim>
-                                  </p:childTnLst>
-                                </p:cTn>
-                              </p:par>
-                            </p:childTnLst>
-                          </p:cTn>
-                        </p:par>
-                      </p:childTnLst>
-                    </p:cTn>
-                  </p:par>
-                  <p:par>
-                    <p:cTn id="15" fill="hold">
-                      <p:stCondLst>
-                        <p:cond delay="indefinite"/>
-                      </p:stCondLst>
-                      <p:childTnLst>
-                        <p:par>
-                          <p:cTn id="16" fill="hold">
-                            <p:stCondLst>
-                              <p:cond delay="0"/>
-                            </p:stCondLst>
-                            <p:childTnLst>
-                              <p:par>
-                                <p:cTn id="17" presetID="2" presetClass="entr" presetSubtype="4" fill="hold" grpId="0" nodeType="clickEffect">
-                                  <p:stCondLst>
-                                    <p:cond delay="0"/>
-                                  </p:stCondLst>
-                                  <p:childTnLst>
-                                    <p:set>
-                                      <p:cBhvr>
-                                        <p:cTn id="18" dur="1" fill="hold">
-                                          <p:stCondLst>
-                                            <p:cond delay="0"/>
-                                          </p:stCondLst>
-                                        </p:cTn>
-                                        <p:tgtEl>
-                                          <p:spTgt spid="3">
-                                            <p:txEl>
-                                              <p:pRg st="0" end="0"/>
-                                            </p:txEl>
-                                          </p:spTgt>
-                                        </p:tgtEl>
-                                        <p:attrNameLst>
-                                          <p:attrName>style.visibility</p:attrName>
-                                        </p:attrNameLst>
-                                      </p:cBhvr>
-                                      <p:to>
-                                        <p:strVal val="visible"/>
-                                      </p:to>
-                                    </p:set>
-                                    <p:anim calcmode="lin" valueType="num">
-                                      <p:cBhvr additive="base">
-                                        <p:cTn id="19" dur="500" fill="hold"/>
-                                        <p:tgtEl>
-                                          <p:spTgt spid="3">
-                                            <p:txEl>
-                                              <p:pRg st="0" end="0"/>
-                                            </p:txEl>
-                                          </p:spTgt>
-                                        </p:tgtEl>
-                                        <p:attrNameLst>
-                                          <p:attrName>ppt_x</p:attrName>
-                                        </p:attrNameLst>
-                                      </p:cBhvr>
-                                      <p:tavLst>
-                                        <p:tav tm="0">
-                                          <p:val>
-                                            <p:strVal val="#ppt_x"/>
-                                          </p:val>
-                                        </p:tav>
-                                        <p:tav tm="100000">
-                                          <p:val>
-                                            <p:strVal val="#ppt_x"/>
-                                          </p:val>
-                                        </p:tav>
-                                      </p:tavLst>
-                                    </p:anim>
-                                    <p:anim calcmode="lin" valueType="num">
-                                      <p:cBhvr additive="base">
-                                        <p:cTn id="20" dur="500" fill="hold"/>
                                         <p:tgtEl>
                                           <p:spTgt spid="3">
                                             <p:txEl>
@@ -27702,7 +27932,6 @@
       </p:par>
     </p:tnLst>
     <p:bldLst>
-      <p:bldP spid="2" grpId="0"/>
       <p:bldP spid="3" grpId="0" build="p"/>
     </p:bldLst>
   </p:timing>

--- a/Web Development.pptx
+++ b/Web Development.pptx
@@ -21,13 +21,12 @@
     <p:sldId id="280" r:id="rId15"/>
     <p:sldId id="265" r:id="rId16"/>
     <p:sldId id="279" r:id="rId17"/>
-    <p:sldId id="267" r:id="rId18"/>
-    <p:sldId id="266" r:id="rId19"/>
-    <p:sldId id="268" r:id="rId20"/>
-    <p:sldId id="269" r:id="rId21"/>
-    <p:sldId id="270" r:id="rId22"/>
-    <p:sldId id="271" r:id="rId23"/>
-    <p:sldId id="281" r:id="rId24"/>
+    <p:sldId id="266" r:id="rId18"/>
+    <p:sldId id="268" r:id="rId19"/>
+    <p:sldId id="269" r:id="rId20"/>
+    <p:sldId id="270" r:id="rId21"/>
+    <p:sldId id="271" r:id="rId22"/>
+    <p:sldId id="281" r:id="rId23"/>
   </p:sldIdLst>
   <p:sldSz cx="12192000" cy="6858000"/>
   <p:notesSz cx="6858000" cy="9144000"/>
@@ -9173,7 +9172,7 @@
           <a:p>
             <a:fld id="{053CC2CE-D3B4-46D9-9110-0924D035A318}" type="datetimeFigureOut">
               <a:rPr lang="en-US" smtClean="0"/>
-              <a:t>17-Oct-25</a:t>
+              <a:t>30-Nov-25</a:t>
             </a:fld>
             <a:endParaRPr lang="en-US"/>
           </a:p>
@@ -9371,7 +9370,7 @@
           <a:p>
             <a:fld id="{053CC2CE-D3B4-46D9-9110-0924D035A318}" type="datetimeFigureOut">
               <a:rPr lang="en-US" smtClean="0"/>
-              <a:t>17-Oct-25</a:t>
+              <a:t>30-Nov-25</a:t>
             </a:fld>
             <a:endParaRPr lang="en-US"/>
           </a:p>
@@ -9579,7 +9578,7 @@
           <a:p>
             <a:fld id="{053CC2CE-D3B4-46D9-9110-0924D035A318}" type="datetimeFigureOut">
               <a:rPr lang="en-US" smtClean="0"/>
-              <a:t>17-Oct-25</a:t>
+              <a:t>30-Nov-25</a:t>
             </a:fld>
             <a:endParaRPr lang="en-US"/>
           </a:p>
@@ -9777,7 +9776,7 @@
           <a:p>
             <a:fld id="{053CC2CE-D3B4-46D9-9110-0924D035A318}" type="datetimeFigureOut">
               <a:rPr lang="en-US" smtClean="0"/>
-              <a:t>17-Oct-25</a:t>
+              <a:t>30-Nov-25</a:t>
             </a:fld>
             <a:endParaRPr lang="en-US"/>
           </a:p>
@@ -10052,7 +10051,7 @@
           <a:p>
             <a:fld id="{053CC2CE-D3B4-46D9-9110-0924D035A318}" type="datetimeFigureOut">
               <a:rPr lang="en-US" smtClean="0"/>
-              <a:t>17-Oct-25</a:t>
+              <a:t>30-Nov-25</a:t>
             </a:fld>
             <a:endParaRPr lang="en-US"/>
           </a:p>
@@ -10317,7 +10316,7 @@
           <a:p>
             <a:fld id="{053CC2CE-D3B4-46D9-9110-0924D035A318}" type="datetimeFigureOut">
               <a:rPr lang="en-US" smtClean="0"/>
-              <a:t>17-Oct-25</a:t>
+              <a:t>30-Nov-25</a:t>
             </a:fld>
             <a:endParaRPr lang="en-US"/>
           </a:p>
@@ -10729,7 +10728,7 @@
           <a:p>
             <a:fld id="{053CC2CE-D3B4-46D9-9110-0924D035A318}" type="datetimeFigureOut">
               <a:rPr lang="en-US" smtClean="0"/>
-              <a:t>17-Oct-25</a:t>
+              <a:t>30-Nov-25</a:t>
             </a:fld>
             <a:endParaRPr lang="en-US"/>
           </a:p>
@@ -10870,7 +10869,7 @@
           <a:p>
             <a:fld id="{053CC2CE-D3B4-46D9-9110-0924D035A318}" type="datetimeFigureOut">
               <a:rPr lang="en-US" smtClean="0"/>
-              <a:t>17-Oct-25</a:t>
+              <a:t>30-Nov-25</a:t>
             </a:fld>
             <a:endParaRPr lang="en-US"/>
           </a:p>
@@ -10983,7 +10982,7 @@
           <a:p>
             <a:fld id="{053CC2CE-D3B4-46D9-9110-0924D035A318}" type="datetimeFigureOut">
               <a:rPr lang="en-US" smtClean="0"/>
-              <a:t>17-Oct-25</a:t>
+              <a:t>30-Nov-25</a:t>
             </a:fld>
             <a:endParaRPr lang="en-US"/>
           </a:p>
@@ -11294,7 +11293,7 @@
           <a:p>
             <a:fld id="{053CC2CE-D3B4-46D9-9110-0924D035A318}" type="datetimeFigureOut">
               <a:rPr lang="en-US" smtClean="0"/>
-              <a:t>17-Oct-25</a:t>
+              <a:t>30-Nov-25</a:t>
             </a:fld>
             <a:endParaRPr lang="en-US"/>
           </a:p>
@@ -11582,7 +11581,7 @@
           <a:p>
             <a:fld id="{053CC2CE-D3B4-46D9-9110-0924D035A318}" type="datetimeFigureOut">
               <a:rPr lang="en-US" smtClean="0"/>
-              <a:t>17-Oct-25</a:t>
+              <a:t>30-Nov-25</a:t>
             </a:fld>
             <a:endParaRPr lang="en-US"/>
           </a:p>
@@ -11823,7 +11822,7 @@
           <a:p>
             <a:fld id="{053CC2CE-D3B4-46D9-9110-0924D035A318}" type="datetimeFigureOut">
               <a:rPr lang="en-US" smtClean="0"/>
-              <a:t>17-Oct-25</a:t>
+              <a:t>30-Nov-25</a:t>
             </a:fld>
             <a:endParaRPr lang="en-US"/>
           </a:p>
@@ -15258,7 +15257,7 @@
         </p:nvSpPr>
         <p:spPr>
           <a:xfrm>
-            <a:off x="6292336" y="3622315"/>
+            <a:off x="9309856" y="3738754"/>
             <a:ext cx="1907458" cy="1297858"/>
           </a:xfrm>
           <a:prstGeom prst="ellipse">
@@ -15398,7 +15397,7 @@
         </p:nvSpPr>
         <p:spPr>
           <a:xfrm>
-            <a:off x="8947352" y="1836021"/>
+            <a:off x="6274001" y="1825623"/>
             <a:ext cx="1907458" cy="1297858"/>
           </a:xfrm>
           <a:prstGeom prst="ellipse">
@@ -15456,146 +15455,6 @@
       </p:sp>
       <p:sp>
         <p:nvSpPr>
-          <p:cNvPr id="10" name="Oval 9">
-            <a:extLst>
-              <a:ext uri="{FF2B5EF4-FFF2-40B4-BE49-F238E27FC236}">
-                <a16:creationId xmlns:a16="http://schemas.microsoft.com/office/drawing/2014/main" id="{D228D8B9-0D6F-0733-2CD1-06D25E8FABFD}"/>
-              </a:ext>
-            </a:extLst>
-          </p:cNvPr>
-          <p:cNvSpPr/>
-          <p:nvPr/>
-        </p:nvSpPr>
-        <p:spPr>
-          <a:xfrm>
-            <a:off x="6292336" y="1836021"/>
-            <a:ext cx="1907458" cy="1297858"/>
-          </a:xfrm>
-          <a:prstGeom prst="ellipse">
-            <a:avLst/>
-          </a:prstGeom>
-          <a:ln>
-            <a:noFill/>
-          </a:ln>
-          <a:effectLst>
-            <a:outerShdw blurRad="190500" dist="228600" dir="2700000" algn="ctr">
-              <a:srgbClr val="000000">
-                <a:alpha val="30000"/>
-              </a:srgbClr>
-            </a:outerShdw>
-          </a:effectLst>
-          <a:scene3d>
-            <a:camera prst="orthographicFront">
-              <a:rot lat="0" lon="0" rev="0"/>
-            </a:camera>
-            <a:lightRig rig="glow" dir="t">
-              <a:rot lat="0" lon="0" rev="4800000"/>
-            </a:lightRig>
-          </a:scene3d>
-          <a:sp3d prstMaterial="matte">
-            <a:bevelT w="127000" h="63500"/>
-          </a:sp3d>
-        </p:spPr>
-        <p:style>
-          <a:lnRef idx="2">
-            <a:schemeClr val="accent1">
-              <a:shade val="15000"/>
-            </a:schemeClr>
-          </a:lnRef>
-          <a:fillRef idx="1">
-            <a:schemeClr val="accent1"/>
-          </a:fillRef>
-          <a:effectRef idx="0">
-            <a:schemeClr val="accent1"/>
-          </a:effectRef>
-          <a:fontRef idx="minor">
-            <a:schemeClr val="lt1"/>
-          </a:fontRef>
-        </p:style>
-        <p:txBody>
-          <a:bodyPr rtlCol="0" anchor="ctr"/>
-          <a:lstStyle/>
-          <a:p>
-            <a:pPr algn="ctr"/>
-            <a:r>
-              <a:rPr lang="en-US" dirty="0"/>
-              <a:t>JavaScript</a:t>
-            </a:r>
-          </a:p>
-        </p:txBody>
-      </p:sp>
-      <p:sp>
-        <p:nvSpPr>
-          <p:cNvPr id="11" name="Oval 10">
-            <a:extLst>
-              <a:ext uri="{FF2B5EF4-FFF2-40B4-BE49-F238E27FC236}">
-                <a16:creationId xmlns:a16="http://schemas.microsoft.com/office/drawing/2014/main" id="{1CF72B1D-2051-767A-E273-3F132611F0EE}"/>
-              </a:ext>
-            </a:extLst>
-          </p:cNvPr>
-          <p:cNvSpPr/>
-          <p:nvPr/>
-        </p:nvSpPr>
-        <p:spPr>
-          <a:xfrm>
-            <a:off x="3637320" y="3622315"/>
-            <a:ext cx="1907458" cy="1297858"/>
-          </a:xfrm>
-          <a:prstGeom prst="ellipse">
-            <a:avLst/>
-          </a:prstGeom>
-          <a:ln>
-            <a:noFill/>
-          </a:ln>
-          <a:effectLst>
-            <a:outerShdw blurRad="190500" dist="228600" dir="2700000" algn="ctr">
-              <a:srgbClr val="000000">
-                <a:alpha val="30000"/>
-              </a:srgbClr>
-            </a:outerShdw>
-          </a:effectLst>
-          <a:scene3d>
-            <a:camera prst="orthographicFront">
-              <a:rot lat="0" lon="0" rev="0"/>
-            </a:camera>
-            <a:lightRig rig="glow" dir="t">
-              <a:rot lat="0" lon="0" rev="4800000"/>
-            </a:lightRig>
-          </a:scene3d>
-          <a:sp3d prstMaterial="matte">
-            <a:bevelT w="127000" h="63500"/>
-          </a:sp3d>
-        </p:spPr>
-        <p:style>
-          <a:lnRef idx="2">
-            <a:schemeClr val="accent1">
-              <a:shade val="15000"/>
-            </a:schemeClr>
-          </a:lnRef>
-          <a:fillRef idx="1">
-            <a:schemeClr val="accent1"/>
-          </a:fillRef>
-          <a:effectRef idx="0">
-            <a:schemeClr val="accent1"/>
-          </a:effectRef>
-          <a:fontRef idx="minor">
-            <a:schemeClr val="lt1"/>
-          </a:fontRef>
-        </p:style>
-        <p:txBody>
-          <a:bodyPr rtlCol="0" anchor="ctr"/>
-          <a:lstStyle/>
-          <a:p>
-            <a:pPr algn="ctr"/>
-            <a:r>
-              <a:rPr lang="en-US" dirty="0"/>
-              <a:t>Route</a:t>
-            </a:r>
-          </a:p>
-        </p:txBody>
-      </p:sp>
-      <p:sp>
-        <p:nvSpPr>
           <p:cNvPr id="12" name="Oval 11">
             <a:extLst>
               <a:ext uri="{FF2B5EF4-FFF2-40B4-BE49-F238E27FC236}">
@@ -15608,7 +15467,7 @@
         </p:nvSpPr>
         <p:spPr>
           <a:xfrm>
-            <a:off x="8947352" y="3622315"/>
+            <a:off x="9446342" y="1821388"/>
             <a:ext cx="1907458" cy="1297858"/>
           </a:xfrm>
           <a:prstGeom prst="ellipse">
@@ -15666,76 +15525,6 @@
       </p:sp>
       <p:sp>
         <p:nvSpPr>
-          <p:cNvPr id="13" name="Oval 12">
-            <a:extLst>
-              <a:ext uri="{FF2B5EF4-FFF2-40B4-BE49-F238E27FC236}">
-                <a16:creationId xmlns:a16="http://schemas.microsoft.com/office/drawing/2014/main" id="{2CC7AC7A-BBE7-84A0-53C0-2097516E83D2}"/>
-              </a:ext>
-            </a:extLst>
-          </p:cNvPr>
-          <p:cNvSpPr/>
-          <p:nvPr/>
-        </p:nvSpPr>
-        <p:spPr>
-          <a:xfrm>
-            <a:off x="838200" y="3622315"/>
-            <a:ext cx="1907458" cy="1297858"/>
-          </a:xfrm>
-          <a:prstGeom prst="ellipse">
-            <a:avLst/>
-          </a:prstGeom>
-          <a:ln>
-            <a:noFill/>
-          </a:ln>
-          <a:effectLst>
-            <a:outerShdw blurRad="190500" dist="228600" dir="2700000" algn="ctr">
-              <a:srgbClr val="000000">
-                <a:alpha val="30000"/>
-              </a:srgbClr>
-            </a:outerShdw>
-          </a:effectLst>
-          <a:scene3d>
-            <a:camera prst="orthographicFront">
-              <a:rot lat="0" lon="0" rev="0"/>
-            </a:camera>
-            <a:lightRig rig="glow" dir="t">
-              <a:rot lat="0" lon="0" rev="4800000"/>
-            </a:lightRig>
-          </a:scene3d>
-          <a:sp3d prstMaterial="matte">
-            <a:bevelT w="127000" h="63500"/>
-          </a:sp3d>
-        </p:spPr>
-        <p:style>
-          <a:lnRef idx="2">
-            <a:schemeClr val="accent1">
-              <a:shade val="15000"/>
-            </a:schemeClr>
-          </a:lnRef>
-          <a:fillRef idx="1">
-            <a:schemeClr val="accent1"/>
-          </a:fillRef>
-          <a:effectRef idx="0">
-            <a:schemeClr val="accent1"/>
-          </a:effectRef>
-          <a:fontRef idx="minor">
-            <a:schemeClr val="lt1"/>
-          </a:fontRef>
-        </p:style>
-        <p:txBody>
-          <a:bodyPr rtlCol="0" anchor="ctr"/>
-          <a:lstStyle/>
-          <a:p>
-            <a:pPr algn="ctr"/>
-            <a:r>
-              <a:rPr lang="en-US" dirty="0"/>
-              <a:t>DBMS Connection with Project</a:t>
-            </a:r>
-          </a:p>
-        </p:txBody>
-      </p:sp>
-      <p:sp>
-        <p:nvSpPr>
           <p:cNvPr id="14" name="Oval 13">
             <a:extLst>
               <a:ext uri="{FF2B5EF4-FFF2-40B4-BE49-F238E27FC236}">
@@ -15748,7 +15537,7 @@
         </p:nvSpPr>
         <p:spPr>
           <a:xfrm>
-            <a:off x="3598608" y="5328344"/>
+            <a:off x="6362021" y="3734518"/>
             <a:ext cx="1907458" cy="1297858"/>
           </a:xfrm>
           <a:prstGeom prst="ellipse">
@@ -15800,76 +15589,6 @@
             <a:r>
               <a:rPr lang="en-US" dirty="0"/>
               <a:t>API</a:t>
-            </a:r>
-          </a:p>
-        </p:txBody>
-      </p:sp>
-      <p:sp>
-        <p:nvSpPr>
-          <p:cNvPr id="15" name="Oval 14">
-            <a:extLst>
-              <a:ext uri="{FF2B5EF4-FFF2-40B4-BE49-F238E27FC236}">
-                <a16:creationId xmlns:a16="http://schemas.microsoft.com/office/drawing/2014/main" id="{16B5A1A8-9C6D-ADF9-5B94-855DD759F38D}"/>
-              </a:ext>
-            </a:extLst>
-          </p:cNvPr>
-          <p:cNvSpPr/>
-          <p:nvPr/>
-        </p:nvSpPr>
-        <p:spPr>
-          <a:xfrm>
-            <a:off x="838200" y="5328344"/>
-            <a:ext cx="1907458" cy="1297858"/>
-          </a:xfrm>
-          <a:prstGeom prst="ellipse">
-            <a:avLst/>
-          </a:prstGeom>
-          <a:ln>
-            <a:noFill/>
-          </a:ln>
-          <a:effectLst>
-            <a:outerShdw blurRad="190500" dist="228600" dir="2700000" algn="ctr">
-              <a:srgbClr val="000000">
-                <a:alpha val="30000"/>
-              </a:srgbClr>
-            </a:outerShdw>
-          </a:effectLst>
-          <a:scene3d>
-            <a:camera prst="orthographicFront">
-              <a:rot lat="0" lon="0" rev="0"/>
-            </a:camera>
-            <a:lightRig rig="glow" dir="t">
-              <a:rot lat="0" lon="0" rev="4800000"/>
-            </a:lightRig>
-          </a:scene3d>
-          <a:sp3d prstMaterial="matte">
-            <a:bevelT w="127000" h="63500"/>
-          </a:sp3d>
-        </p:spPr>
-        <p:style>
-          <a:lnRef idx="2">
-            <a:schemeClr val="accent1">
-              <a:shade val="15000"/>
-            </a:schemeClr>
-          </a:lnRef>
-          <a:fillRef idx="1">
-            <a:schemeClr val="accent1"/>
-          </a:fillRef>
-          <a:effectRef idx="0">
-            <a:schemeClr val="accent1"/>
-          </a:effectRef>
-          <a:fontRef idx="minor">
-            <a:schemeClr val="lt1"/>
-          </a:fontRef>
-        </p:style>
-        <p:txBody>
-          <a:bodyPr rtlCol="0" anchor="ctr"/>
-          <a:lstStyle/>
-          <a:p>
-            <a:pPr algn="ctr"/>
-            <a:r>
-              <a:rPr lang="en-US" dirty="0"/>
-              <a:t>Authentication</a:t>
             </a:r>
           </a:p>
         </p:txBody>
@@ -16015,8 +15734,8 @@
             </a:extLst>
           </p:cNvPr>
           <p:cNvCxnSpPr>
+            <a:cxnSpLocks/>
             <a:stCxn id="8" idx="6"/>
-            <a:endCxn id="10" idx="2"/>
           </p:cNvCxnSpPr>
           <p:nvPr/>
         </p:nvCxnSpPr>
@@ -16076,14 +15795,14 @@
             </a:extLst>
           </p:cNvPr>
           <p:cNvCxnSpPr>
-            <a:stCxn id="10" idx="6"/>
+            <a:cxnSpLocks/>
             <a:endCxn id="9" idx="2"/>
           </p:cNvCxnSpPr>
           <p:nvPr/>
         </p:nvCxnSpPr>
         <p:spPr>
           <a:xfrm>
-            <a:off x="8199794" y="2484950"/>
+            <a:off x="5526443" y="2474552"/>
             <a:ext cx="747558" cy="0"/>
           </a:xfrm>
           <a:prstGeom prst="straightConnector1">
@@ -16143,13 +15862,15 @@
           <p:nvPr/>
         </p:nvCxnSpPr>
         <p:spPr>
-          <a:xfrm>
-            <a:off x="10854810" y="2484950"/>
-            <a:ext cx="12700" cy="1786294"/>
+          <a:xfrm flipV="1">
+            <a:off x="8181459" y="2470317"/>
+            <a:ext cx="3172341" cy="4235"/>
           </a:xfrm>
-          <a:prstGeom prst="curvedConnector3">
+          <a:prstGeom prst="curvedConnector5">
             <a:avLst>
-              <a:gd name="adj1" fmla="val 6072535"/>
+              <a:gd name="adj1" fmla="val 19936"/>
+              <a:gd name="adj2" fmla="val 20820874"/>
+              <a:gd name="adj3" fmla="val 107206"/>
             </a:avLst>
           </a:prstGeom>
           <a:ln>
@@ -16206,131 +15927,9 @@
           <p:nvPr/>
         </p:nvCxnSpPr>
         <p:spPr>
-          <a:xfrm flipH="1">
-            <a:off x="8199794" y="4271244"/>
-            <a:ext cx="747558" cy="0"/>
-          </a:xfrm>
-          <a:prstGeom prst="straightConnector1">
-            <a:avLst/>
-          </a:prstGeom>
-          <a:ln>
-            <a:noFill/>
-            <a:tailEnd type="triangle"/>
-          </a:ln>
-          <a:effectLst>
-            <a:outerShdw blurRad="190500" dist="228600" dir="2700000" algn="ctr">
-              <a:srgbClr val="000000">
-                <a:alpha val="30000"/>
-              </a:srgbClr>
-            </a:outerShdw>
-          </a:effectLst>
-          <a:scene3d>
-            <a:camera prst="orthographicFront">
-              <a:rot lat="0" lon="0" rev="0"/>
-            </a:camera>
-            <a:lightRig rig="glow" dir="t">
-              <a:rot lat="0" lon="0" rev="4800000"/>
-            </a:lightRig>
-          </a:scene3d>
-          <a:sp3d prstMaterial="matte">
-            <a:bevelT w="127000" h="63500"/>
-          </a:sp3d>
-        </p:spPr>
-        <p:style>
-          <a:lnRef idx="2">
-            <a:schemeClr val="accent1"/>
-          </a:lnRef>
-          <a:fillRef idx="0">
-            <a:schemeClr val="accent1"/>
-          </a:fillRef>
-          <a:effectRef idx="1">
-            <a:schemeClr val="accent1"/>
-          </a:effectRef>
-          <a:fontRef idx="minor">
-            <a:schemeClr val="tx1"/>
-          </a:fontRef>
-        </p:style>
-      </p:cxnSp>
-      <p:cxnSp>
-        <p:nvCxnSpPr>
-          <p:cNvPr id="33" name="Straight Arrow Connector 32">
-            <a:extLst>
-              <a:ext uri="{FF2B5EF4-FFF2-40B4-BE49-F238E27FC236}">
-                <a16:creationId xmlns:a16="http://schemas.microsoft.com/office/drawing/2014/main" id="{FFC039C8-7941-93D7-704D-416457249B78}"/>
-              </a:ext>
-            </a:extLst>
-          </p:cNvPr>
-          <p:cNvCxnSpPr>
-            <a:stCxn id="7" idx="2"/>
-            <a:endCxn id="11" idx="6"/>
-          </p:cNvCxnSpPr>
-          <p:nvPr/>
-        </p:nvCxnSpPr>
-        <p:spPr>
-          <a:xfrm flipH="1">
-            <a:off x="5544778" y="4271244"/>
-            <a:ext cx="747558" cy="0"/>
-          </a:xfrm>
-          <a:prstGeom prst="straightConnector1">
-            <a:avLst/>
-          </a:prstGeom>
-          <a:ln>
-            <a:noFill/>
-            <a:tailEnd type="triangle"/>
-          </a:ln>
-          <a:effectLst>
-            <a:outerShdw blurRad="190500" dist="228600" dir="2700000" algn="ctr">
-              <a:srgbClr val="000000">
-                <a:alpha val="30000"/>
-              </a:srgbClr>
-            </a:outerShdw>
-          </a:effectLst>
-          <a:scene3d>
-            <a:camera prst="orthographicFront">
-              <a:rot lat="0" lon="0" rev="0"/>
-            </a:camera>
-            <a:lightRig rig="glow" dir="t">
-              <a:rot lat="0" lon="0" rev="4800000"/>
-            </a:lightRig>
-          </a:scene3d>
-          <a:sp3d prstMaterial="matte">
-            <a:bevelT w="127000" h="63500"/>
-          </a:sp3d>
-        </p:spPr>
-        <p:style>
-          <a:lnRef idx="2">
-            <a:schemeClr val="accent1"/>
-          </a:lnRef>
-          <a:fillRef idx="0">
-            <a:schemeClr val="accent1"/>
-          </a:fillRef>
-          <a:effectRef idx="1">
-            <a:schemeClr val="accent1"/>
-          </a:effectRef>
-          <a:fontRef idx="minor">
-            <a:schemeClr val="tx1"/>
-          </a:fontRef>
-        </p:style>
-      </p:cxnSp>
-      <p:cxnSp>
-        <p:nvCxnSpPr>
-          <p:cNvPr id="35" name="Straight Arrow Connector 34">
-            <a:extLst>
-              <a:ext uri="{FF2B5EF4-FFF2-40B4-BE49-F238E27FC236}">
-                <a16:creationId xmlns:a16="http://schemas.microsoft.com/office/drawing/2014/main" id="{65111721-EBE7-1889-1EE2-697B0D045AD3}"/>
-              </a:ext>
-            </a:extLst>
-          </p:cNvPr>
-          <p:cNvCxnSpPr>
-            <a:stCxn id="11" idx="2"/>
-            <a:endCxn id="13" idx="6"/>
-          </p:cNvCxnSpPr>
-          <p:nvPr/>
-        </p:nvCxnSpPr>
-        <p:spPr>
-          <a:xfrm flipH="1">
-            <a:off x="2745658" y="4271244"/>
-            <a:ext cx="891662" cy="0"/>
+          <a:xfrm>
+            <a:off x="9446342" y="2470317"/>
+            <a:ext cx="1770972" cy="1917366"/>
           </a:xfrm>
           <a:prstGeom prst="straightConnector1">
             <a:avLst/>
@@ -16384,19 +15983,19 @@
           </p:cNvPr>
           <p:cNvCxnSpPr>
             <a:cxnSpLocks/>
-            <a:stCxn id="13" idx="2"/>
-            <a:endCxn id="15" idx="2"/>
           </p:cNvCxnSpPr>
           <p:nvPr/>
         </p:nvCxnSpPr>
         <p:spPr>
-          <a:xfrm rot="10800000" flipV="1">
-            <a:off x="838200" y="4271243"/>
-            <a:ext cx="12700" cy="1706029"/>
+          <a:xfrm rot="10800000">
+            <a:off x="622016" y="4383447"/>
+            <a:ext cx="2736992" cy="12700"/>
           </a:xfrm>
-          <a:prstGeom prst="curvedConnector3">
+          <a:prstGeom prst="curvedConnector5">
             <a:avLst>
-              <a:gd name="adj1" fmla="val 4727472"/>
+              <a:gd name="adj1" fmla="val 15154"/>
+              <a:gd name="adj2" fmla="val 6909677"/>
+              <a:gd name="adj3" fmla="val 108352"/>
             </a:avLst>
           </a:prstGeom>
           <a:ln>
@@ -16447,15 +16046,15 @@
             </a:extLst>
           </p:cNvPr>
           <p:cNvCxnSpPr>
-            <a:stCxn id="15" idx="6"/>
+            <a:cxnSpLocks/>
             <a:endCxn id="14" idx="2"/>
           </p:cNvCxnSpPr>
           <p:nvPr/>
         </p:nvCxnSpPr>
         <p:spPr>
-          <a:xfrm>
-            <a:off x="2745658" y="5977273"/>
-            <a:ext cx="852950" cy="0"/>
+          <a:xfrm flipH="1">
+            <a:off x="6362021" y="2749553"/>
+            <a:ext cx="1907458" cy="1633894"/>
           </a:xfrm>
           <a:prstGeom prst="straightConnector1">
             <a:avLst/>
@@ -16584,48 +16183,6 @@
       </p:cxnSp>
       <p:cxnSp>
         <p:nvCxnSpPr>
-          <p:cNvPr id="49" name="Straight Arrow Connector 48">
-            <a:extLst>
-              <a:ext uri="{FF2B5EF4-FFF2-40B4-BE49-F238E27FC236}">
-                <a16:creationId xmlns:a16="http://schemas.microsoft.com/office/drawing/2014/main" id="{36D7DD5C-07E2-123C-BF14-91CD3E8B185A}"/>
-              </a:ext>
-            </a:extLst>
-          </p:cNvPr>
-          <p:cNvCxnSpPr>
-            <a:stCxn id="8" idx="6"/>
-            <a:endCxn id="10" idx="2"/>
-          </p:cNvCxnSpPr>
-          <p:nvPr/>
-        </p:nvCxnSpPr>
-        <p:spPr>
-          <a:xfrm>
-            <a:off x="5544778" y="2474553"/>
-            <a:ext cx="747558" cy="10397"/>
-          </a:xfrm>
-          <a:prstGeom prst="straightConnector1">
-            <a:avLst/>
-          </a:prstGeom>
-          <a:ln>
-            <a:tailEnd type="triangle"/>
-          </a:ln>
-        </p:spPr>
-        <p:style>
-          <a:lnRef idx="2">
-            <a:schemeClr val="accent1"/>
-          </a:lnRef>
-          <a:fillRef idx="0">
-            <a:schemeClr val="accent1"/>
-          </a:fillRef>
-          <a:effectRef idx="1">
-            <a:schemeClr val="accent1"/>
-          </a:effectRef>
-          <a:fontRef idx="minor">
-            <a:schemeClr val="tx1"/>
-          </a:fontRef>
-        </p:style>
-      </p:cxnSp>
-      <p:cxnSp>
-        <p:nvCxnSpPr>
           <p:cNvPr id="51" name="Straight Arrow Connector 50">
             <a:extLst>
               <a:ext uri="{FF2B5EF4-FFF2-40B4-BE49-F238E27FC236}">
@@ -16634,183 +16191,16 @@
             </a:extLst>
           </p:cNvPr>
           <p:cNvCxnSpPr>
-            <a:stCxn id="10" idx="6"/>
+            <a:cxnSpLocks/>
+            <a:stCxn id="8" idx="6"/>
             <a:endCxn id="9" idx="2"/>
           </p:cNvCxnSpPr>
           <p:nvPr/>
         </p:nvCxnSpPr>
         <p:spPr>
-          <a:xfrm>
-            <a:off x="8199794" y="2484950"/>
-            <a:ext cx="747558" cy="0"/>
-          </a:xfrm>
-          <a:prstGeom prst="straightConnector1">
-            <a:avLst/>
-          </a:prstGeom>
-          <a:ln>
-            <a:tailEnd type="triangle"/>
-          </a:ln>
-        </p:spPr>
-        <p:style>
-          <a:lnRef idx="2">
-            <a:schemeClr val="accent1"/>
-          </a:lnRef>
-          <a:fillRef idx="0">
-            <a:schemeClr val="accent1"/>
-          </a:fillRef>
-          <a:effectRef idx="1">
-            <a:schemeClr val="accent1"/>
-          </a:effectRef>
-          <a:fontRef idx="minor">
-            <a:schemeClr val="tx1"/>
-          </a:fontRef>
-        </p:style>
-      </p:cxnSp>
-      <p:cxnSp>
-        <p:nvCxnSpPr>
-          <p:cNvPr id="53" name="Straight Arrow Connector 52">
-            <a:extLst>
-              <a:ext uri="{FF2B5EF4-FFF2-40B4-BE49-F238E27FC236}">
-                <a16:creationId xmlns:a16="http://schemas.microsoft.com/office/drawing/2014/main" id="{82D134BD-DB1D-2B8B-0C4A-D9BFC064DB2D}"/>
-              </a:ext>
-            </a:extLst>
-          </p:cNvPr>
-          <p:cNvCxnSpPr>
-            <a:stCxn id="12" idx="2"/>
-            <a:endCxn id="7" idx="6"/>
-          </p:cNvCxnSpPr>
-          <p:nvPr/>
-        </p:nvCxnSpPr>
-        <p:spPr>
-          <a:xfrm flipH="1">
-            <a:off x="8199794" y="4271244"/>
-            <a:ext cx="747558" cy="0"/>
-          </a:xfrm>
-          <a:prstGeom prst="straightConnector1">
-            <a:avLst/>
-          </a:prstGeom>
-          <a:ln>
-            <a:tailEnd type="triangle"/>
-          </a:ln>
-        </p:spPr>
-        <p:style>
-          <a:lnRef idx="2">
-            <a:schemeClr val="accent1"/>
-          </a:lnRef>
-          <a:fillRef idx="0">
-            <a:schemeClr val="accent1"/>
-          </a:fillRef>
-          <a:effectRef idx="1">
-            <a:schemeClr val="accent1"/>
-          </a:effectRef>
-          <a:fontRef idx="minor">
-            <a:schemeClr val="tx1"/>
-          </a:fontRef>
-        </p:style>
-      </p:cxnSp>
-      <p:cxnSp>
-        <p:nvCxnSpPr>
-          <p:cNvPr id="55" name="Straight Arrow Connector 54">
-            <a:extLst>
-              <a:ext uri="{FF2B5EF4-FFF2-40B4-BE49-F238E27FC236}">
-                <a16:creationId xmlns:a16="http://schemas.microsoft.com/office/drawing/2014/main" id="{E011F088-576E-6890-E325-766EE125529E}"/>
-              </a:ext>
-            </a:extLst>
-          </p:cNvPr>
-          <p:cNvCxnSpPr>
-            <a:stCxn id="7" idx="2"/>
-            <a:endCxn id="11" idx="6"/>
-          </p:cNvCxnSpPr>
-          <p:nvPr/>
-        </p:nvCxnSpPr>
-        <p:spPr>
-          <a:xfrm flipH="1">
-            <a:off x="5544778" y="4271244"/>
-            <a:ext cx="747558" cy="0"/>
-          </a:xfrm>
-          <a:prstGeom prst="straightConnector1">
-            <a:avLst/>
-          </a:prstGeom>
-          <a:ln>
-            <a:tailEnd type="triangle"/>
-          </a:ln>
-        </p:spPr>
-        <p:style>
-          <a:lnRef idx="2">
-            <a:schemeClr val="accent1"/>
-          </a:lnRef>
-          <a:fillRef idx="0">
-            <a:schemeClr val="accent1"/>
-          </a:fillRef>
-          <a:effectRef idx="1">
-            <a:schemeClr val="accent1"/>
-          </a:effectRef>
-          <a:fontRef idx="minor">
-            <a:schemeClr val="tx1"/>
-          </a:fontRef>
-        </p:style>
-      </p:cxnSp>
-      <p:cxnSp>
-        <p:nvCxnSpPr>
-          <p:cNvPr id="57" name="Straight Arrow Connector 56">
-            <a:extLst>
-              <a:ext uri="{FF2B5EF4-FFF2-40B4-BE49-F238E27FC236}">
-                <a16:creationId xmlns:a16="http://schemas.microsoft.com/office/drawing/2014/main" id="{0BF83FD1-97A5-E773-CB5C-A3A9F35B006A}"/>
-              </a:ext>
-            </a:extLst>
-          </p:cNvPr>
-          <p:cNvCxnSpPr>
-            <a:stCxn id="11" idx="2"/>
-            <a:endCxn id="13" idx="6"/>
-          </p:cNvCxnSpPr>
-          <p:nvPr/>
-        </p:nvCxnSpPr>
-        <p:spPr>
-          <a:xfrm flipH="1">
-            <a:off x="2745658" y="4271244"/>
-            <a:ext cx="891662" cy="0"/>
-          </a:xfrm>
-          <a:prstGeom prst="straightConnector1">
-            <a:avLst/>
-          </a:prstGeom>
-          <a:ln>
-            <a:tailEnd type="triangle"/>
-          </a:ln>
-        </p:spPr>
-        <p:style>
-          <a:lnRef idx="2">
-            <a:schemeClr val="accent1"/>
-          </a:lnRef>
-          <a:fillRef idx="0">
-            <a:schemeClr val="accent1"/>
-          </a:fillRef>
-          <a:effectRef idx="1">
-            <a:schemeClr val="accent1"/>
-          </a:effectRef>
-          <a:fontRef idx="minor">
-            <a:schemeClr val="tx1"/>
-          </a:fontRef>
-        </p:style>
-      </p:cxnSp>
-      <p:cxnSp>
-        <p:nvCxnSpPr>
-          <p:cNvPr id="59" name="Straight Arrow Connector 58">
-            <a:extLst>
-              <a:ext uri="{FF2B5EF4-FFF2-40B4-BE49-F238E27FC236}">
-                <a16:creationId xmlns:a16="http://schemas.microsoft.com/office/drawing/2014/main" id="{C4A6E25B-AA0C-FB00-D49D-493B2DB935C2}"/>
-              </a:ext>
-            </a:extLst>
-          </p:cNvPr>
-          <p:cNvCxnSpPr>
-            <a:stCxn id="15" idx="6"/>
-            <a:endCxn id="14" idx="2"/>
-          </p:cNvCxnSpPr>
-          <p:nvPr/>
-        </p:nvCxnSpPr>
-        <p:spPr>
-          <a:xfrm>
-            <a:off x="2745658" y="5977273"/>
-            <a:ext cx="852950" cy="0"/>
+          <a:xfrm flipV="1">
+            <a:off x="5544778" y="2474552"/>
+            <a:ext cx="729223" cy="1"/>
           </a:xfrm>
           <a:prstGeom prst="straightConnector1">
             <a:avLst/>
@@ -16844,63 +16234,20 @@
             </a:extLst>
           </p:cNvPr>
           <p:cNvCxnSpPr>
+            <a:cxnSpLocks/>
             <a:stCxn id="9" idx="6"/>
-            <a:endCxn id="12" idx="6"/>
+            <a:endCxn id="12" idx="2"/>
           </p:cNvCxnSpPr>
           <p:nvPr/>
         </p:nvCxnSpPr>
         <p:spPr>
-          <a:xfrm>
-            <a:off x="10854810" y="2484950"/>
-            <a:ext cx="12700" cy="1786294"/>
+          <a:xfrm flipV="1">
+            <a:off x="8181459" y="2470317"/>
+            <a:ext cx="1264883" cy="4235"/>
           </a:xfrm>
           <a:prstGeom prst="curvedConnector3">
             <a:avLst>
-              <a:gd name="adj1" fmla="val 7654945"/>
-            </a:avLst>
-          </a:prstGeom>
-          <a:ln>
-            <a:tailEnd type="triangle"/>
-          </a:ln>
-        </p:spPr>
-        <p:style>
-          <a:lnRef idx="2">
-            <a:schemeClr val="accent1"/>
-          </a:lnRef>
-          <a:fillRef idx="0">
-            <a:schemeClr val="accent1"/>
-          </a:fillRef>
-          <a:effectRef idx="1">
-            <a:schemeClr val="accent1"/>
-          </a:effectRef>
-          <a:fontRef idx="minor">
-            <a:schemeClr val="tx1"/>
-          </a:fontRef>
-        </p:style>
-      </p:cxnSp>
-      <p:cxnSp>
-        <p:nvCxnSpPr>
-          <p:cNvPr id="64" name="Connector: Curved 63">
-            <a:extLst>
-              <a:ext uri="{FF2B5EF4-FFF2-40B4-BE49-F238E27FC236}">
-                <a16:creationId xmlns:a16="http://schemas.microsoft.com/office/drawing/2014/main" id="{4E9425C4-DB8D-1312-860C-1CB6CF2BA3BF}"/>
-              </a:ext>
-            </a:extLst>
-          </p:cNvPr>
-          <p:cNvCxnSpPr>
-            <a:stCxn id="13" idx="2"/>
-            <a:endCxn id="15" idx="2"/>
-          </p:cNvCxnSpPr>
-          <p:nvPr/>
-        </p:nvCxnSpPr>
-        <p:spPr>
-          <a:xfrm rot="10800000" flipV="1">
-            <a:off x="838200" y="4271243"/>
-            <a:ext cx="12700" cy="1706029"/>
-          </a:xfrm>
-          <a:prstGeom prst="curvedConnector3">
-            <a:avLst>
-              <a:gd name="adj1" fmla="val 5202197"/>
+              <a:gd name="adj1" fmla="val 50000"/>
             </a:avLst>
           </a:prstGeom>
           <a:ln>
@@ -16940,6 +16287,92 @@
           <a:xfrm>
             <a:off x="250640" y="2474553"/>
             <a:ext cx="600260" cy="0"/>
+          </a:xfrm>
+          <a:prstGeom prst="straightConnector1">
+            <a:avLst/>
+          </a:prstGeom>
+          <a:ln>
+            <a:tailEnd type="triangle"/>
+          </a:ln>
+        </p:spPr>
+        <p:style>
+          <a:lnRef idx="2">
+            <a:schemeClr val="accent1"/>
+          </a:lnRef>
+          <a:fillRef idx="0">
+            <a:schemeClr val="accent1"/>
+          </a:fillRef>
+          <a:effectRef idx="1">
+            <a:schemeClr val="accent1"/>
+          </a:effectRef>
+          <a:fontRef idx="minor">
+            <a:schemeClr val="tx1"/>
+          </a:fontRef>
+        </p:style>
+      </p:cxnSp>
+      <p:cxnSp>
+        <p:nvCxnSpPr>
+          <p:cNvPr id="100" name="Connector: Curved 99">
+            <a:extLst>
+              <a:ext uri="{FF2B5EF4-FFF2-40B4-BE49-F238E27FC236}">
+                <a16:creationId xmlns:a16="http://schemas.microsoft.com/office/drawing/2014/main" id="{A6155218-E41A-6462-CC62-E239F5F1D47B}"/>
+              </a:ext>
+            </a:extLst>
+          </p:cNvPr>
+          <p:cNvCxnSpPr>
+            <a:stCxn id="12" idx="6"/>
+            <a:endCxn id="7" idx="6"/>
+          </p:cNvCxnSpPr>
+          <p:nvPr/>
+        </p:nvCxnSpPr>
+        <p:spPr>
+          <a:xfrm flipH="1">
+            <a:off x="11217314" y="2470317"/>
+            <a:ext cx="136486" cy="1917366"/>
+          </a:xfrm>
+          <a:prstGeom prst="curvedConnector3">
+            <a:avLst>
+              <a:gd name="adj1" fmla="val -472693"/>
+            </a:avLst>
+          </a:prstGeom>
+          <a:ln>
+            <a:tailEnd type="triangle"/>
+          </a:ln>
+        </p:spPr>
+        <p:style>
+          <a:lnRef idx="2">
+            <a:schemeClr val="accent1"/>
+          </a:lnRef>
+          <a:fillRef idx="0">
+            <a:schemeClr val="accent1"/>
+          </a:fillRef>
+          <a:effectRef idx="1">
+            <a:schemeClr val="accent1"/>
+          </a:effectRef>
+          <a:fontRef idx="minor">
+            <a:schemeClr val="tx1"/>
+          </a:fontRef>
+        </p:style>
+      </p:cxnSp>
+      <p:cxnSp>
+        <p:nvCxnSpPr>
+          <p:cNvPr id="123" name="Straight Arrow Connector 122">
+            <a:extLst>
+              <a:ext uri="{FF2B5EF4-FFF2-40B4-BE49-F238E27FC236}">
+                <a16:creationId xmlns:a16="http://schemas.microsoft.com/office/drawing/2014/main" id="{5BEF2E93-1C00-7BFD-4A65-9E48AEEA4540}"/>
+              </a:ext>
+            </a:extLst>
+          </p:cNvPr>
+          <p:cNvCxnSpPr>
+            <a:stCxn id="7" idx="2"/>
+            <a:endCxn id="14" idx="6"/>
+          </p:cNvCxnSpPr>
+          <p:nvPr/>
+        </p:nvCxnSpPr>
+        <p:spPr>
+          <a:xfrm flipH="1" flipV="1">
+            <a:off x="8269479" y="4383447"/>
+            <a:ext cx="1040377" cy="4236"/>
           </a:xfrm>
           <a:prstGeom prst="straightConnector1">
             <a:avLst/>
@@ -17325,7 +16758,7 @@
                                           </p:stCondLst>
                                         </p:cTn>
                                         <p:tgtEl>
-                                          <p:spTgt spid="10"/>
+                                          <p:spTgt spid="9"/>
                                         </p:tgtEl>
                                         <p:attrNameLst>
                                           <p:attrName>style.visibility</p:attrName>
@@ -17339,7 +16772,7 @@
                                       <p:cBhvr>
                                         <p:cTn id="37" dur="500"/>
                                         <p:tgtEl>
-                                          <p:spTgt spid="10"/>
+                                          <p:spTgt spid="9"/>
                                         </p:tgtEl>
                                       </p:cBhvr>
                                     </p:animEffect>
@@ -17378,7 +16811,7 @@
                                           </p:stCondLst>
                                         </p:cTn>
                                         <p:tgtEl>
-                                          <p:spTgt spid="49"/>
+                                          <p:spTgt spid="51"/>
                                         </p:tgtEl>
                                         <p:attrNameLst>
                                           <p:attrName>style.visibility</p:attrName>
@@ -17392,7 +16825,7 @@
                                       <p:cBhvr>
                                         <p:cTn id="42" dur="500"/>
                                         <p:tgtEl>
-                                          <p:spTgt spid="49"/>
+                                          <p:spTgt spid="51"/>
                                         </p:tgtEl>
                                       </p:cBhvr>
                                     </p:animEffect>
@@ -17431,7 +16864,7 @@
                                           </p:stCondLst>
                                         </p:cTn>
                                         <p:tgtEl>
-                                          <p:spTgt spid="9"/>
+                                          <p:spTgt spid="12"/>
                                         </p:tgtEl>
                                         <p:attrNameLst>
                                           <p:attrName>style.visibility</p:attrName>
@@ -17445,7 +16878,7 @@
                                       <p:cBhvr>
                                         <p:cTn id="47" dur="500"/>
                                         <p:tgtEl>
-                                          <p:spTgt spid="9"/>
+                                          <p:spTgt spid="12"/>
                                         </p:tgtEl>
                                       </p:cBhvr>
                                     </p:animEffect>
@@ -17471,7 +16904,7 @@
                             </p:stCondLst>
                             <p:childTnLst>
                               <p:par>
-                                <p:cTn id="50" presetID="22" presetClass="entr" presetSubtype="8" fill="hold" nodeType="clickEffect">
+                                <p:cTn id="50" presetID="22" presetClass="entr" presetSubtype="1" fill="hold" nodeType="clickEffect">
                                   <p:stCondLst>
                                     <p:cond delay="0"/>
                                   </p:stCondLst>
@@ -17484,7 +16917,7 @@
                                           </p:stCondLst>
                                         </p:cTn>
                                         <p:tgtEl>
-                                          <p:spTgt spid="51"/>
+                                          <p:spTgt spid="61"/>
                                         </p:tgtEl>
                                         <p:attrNameLst>
                                           <p:attrName>style.visibility</p:attrName>
@@ -17494,11 +16927,11 @@
                                         <p:strVal val="visible"/>
                                       </p:to>
                                     </p:set>
-                                    <p:animEffect transition="in" filter="wipe(left)">
+                                    <p:animEffect transition="in" filter="wipe(up)">
                                       <p:cBhvr>
                                         <p:cTn id="52" dur="500"/>
                                         <p:tgtEl>
-                                          <p:spTgt spid="51"/>
+                                          <p:spTgt spid="61"/>
                                         </p:tgtEl>
                                       </p:cBhvr>
                                     </p:animEffect>
@@ -17537,7 +16970,7 @@
                                           </p:stCondLst>
                                         </p:cTn>
                                         <p:tgtEl>
-                                          <p:spTgt spid="12"/>
+                                          <p:spTgt spid="7"/>
                                         </p:tgtEl>
                                         <p:attrNameLst>
                                           <p:attrName>style.visibility</p:attrName>
@@ -17551,7 +16984,7 @@
                                       <p:cBhvr>
                                         <p:cTn id="57" dur="500"/>
                                         <p:tgtEl>
-                                          <p:spTgt spid="12"/>
+                                          <p:spTgt spid="7"/>
                                         </p:tgtEl>
                                       </p:cBhvr>
                                     </p:animEffect>
@@ -17577,7 +17010,7 @@
                             </p:stCondLst>
                             <p:childTnLst>
                               <p:par>
-                                <p:cTn id="60" presetID="22" presetClass="entr" presetSubtype="1" fill="hold" nodeType="clickEffect">
+                                <p:cTn id="60" presetID="16" presetClass="entr" presetSubtype="21" fill="hold" grpId="0" nodeType="clickEffect">
                                   <p:stCondLst>
                                     <p:cond delay="0"/>
                                   </p:stCondLst>
@@ -17590,60 +17023,7 @@
                                           </p:stCondLst>
                                         </p:cTn>
                                         <p:tgtEl>
-                                          <p:spTgt spid="61"/>
-                                        </p:tgtEl>
-                                        <p:attrNameLst>
-                                          <p:attrName>style.visibility</p:attrName>
-                                        </p:attrNameLst>
-                                      </p:cBhvr>
-                                      <p:to>
-                                        <p:strVal val="visible"/>
-                                      </p:to>
-                                    </p:set>
-                                    <p:animEffect transition="in" filter="wipe(up)">
-                                      <p:cBhvr>
-                                        <p:cTn id="62" dur="500"/>
-                                        <p:tgtEl>
-                                          <p:spTgt spid="61"/>
-                                        </p:tgtEl>
-                                      </p:cBhvr>
-                                    </p:animEffect>
-                                  </p:childTnLst>
-                                </p:cTn>
-                              </p:par>
-                            </p:childTnLst>
-                          </p:cTn>
-                        </p:par>
-                      </p:childTnLst>
-                    </p:cTn>
-                  </p:par>
-                  <p:par>
-                    <p:cTn id="63" fill="hold">
-                      <p:stCondLst>
-                        <p:cond delay="indefinite"/>
-                      </p:stCondLst>
-                      <p:childTnLst>
-                        <p:par>
-                          <p:cTn id="64" fill="hold">
-                            <p:stCondLst>
-                              <p:cond delay="0"/>
-                            </p:stCondLst>
-                            <p:childTnLst>
-                              <p:par>
-                                <p:cTn id="65" presetID="16" presetClass="entr" presetSubtype="21" fill="hold" grpId="0" nodeType="clickEffect">
-                                  <p:stCondLst>
-                                    <p:cond delay="0"/>
-                                  </p:stCondLst>
-                                  <p:childTnLst>
-                                    <p:set>
-                                      <p:cBhvr>
-                                        <p:cTn id="66" dur="1" fill="hold">
-                                          <p:stCondLst>
-                                            <p:cond delay="0"/>
-                                          </p:stCondLst>
-                                        </p:cTn>
-                                        <p:tgtEl>
-                                          <p:spTgt spid="7"/>
+                                          <p:spTgt spid="14"/>
                                         </p:tgtEl>
                                         <p:attrNameLst>
                                           <p:attrName>style.visibility</p:attrName>
@@ -17655,486 +17035,9 @@
                                     </p:set>
                                     <p:animEffect transition="in" filter="barn(inVertical)">
                                       <p:cBhvr>
-                                        <p:cTn id="67" dur="500"/>
-                                        <p:tgtEl>
-                                          <p:spTgt spid="7"/>
-                                        </p:tgtEl>
-                                      </p:cBhvr>
-                                    </p:animEffect>
-                                  </p:childTnLst>
-                                </p:cTn>
-                              </p:par>
-                            </p:childTnLst>
-                          </p:cTn>
-                        </p:par>
-                      </p:childTnLst>
-                    </p:cTn>
-                  </p:par>
-                  <p:par>
-                    <p:cTn id="68" fill="hold">
-                      <p:stCondLst>
-                        <p:cond delay="indefinite"/>
-                      </p:stCondLst>
-                      <p:childTnLst>
-                        <p:par>
-                          <p:cTn id="69" fill="hold">
-                            <p:stCondLst>
-                              <p:cond delay="0"/>
-                            </p:stCondLst>
-                            <p:childTnLst>
-                              <p:par>
-                                <p:cTn id="70" presetID="22" presetClass="entr" presetSubtype="2" fill="hold" nodeType="clickEffect">
-                                  <p:stCondLst>
-                                    <p:cond delay="0"/>
-                                  </p:stCondLst>
-                                  <p:childTnLst>
-                                    <p:set>
-                                      <p:cBhvr>
-                                        <p:cTn id="71" dur="1" fill="hold">
-                                          <p:stCondLst>
-                                            <p:cond delay="0"/>
-                                          </p:stCondLst>
-                                        </p:cTn>
-                                        <p:tgtEl>
-                                          <p:spTgt spid="53"/>
-                                        </p:tgtEl>
-                                        <p:attrNameLst>
-                                          <p:attrName>style.visibility</p:attrName>
-                                        </p:attrNameLst>
-                                      </p:cBhvr>
-                                      <p:to>
-                                        <p:strVal val="visible"/>
-                                      </p:to>
-                                    </p:set>
-                                    <p:animEffect transition="in" filter="wipe(right)">
-                                      <p:cBhvr>
-                                        <p:cTn id="72" dur="500"/>
-                                        <p:tgtEl>
-                                          <p:spTgt spid="53"/>
-                                        </p:tgtEl>
-                                      </p:cBhvr>
-                                    </p:animEffect>
-                                  </p:childTnLst>
-                                </p:cTn>
-                              </p:par>
-                            </p:childTnLst>
-                          </p:cTn>
-                        </p:par>
-                      </p:childTnLst>
-                    </p:cTn>
-                  </p:par>
-                  <p:par>
-                    <p:cTn id="73" fill="hold">
-                      <p:stCondLst>
-                        <p:cond delay="indefinite"/>
-                      </p:stCondLst>
-                      <p:childTnLst>
-                        <p:par>
-                          <p:cTn id="74" fill="hold">
-                            <p:stCondLst>
-                              <p:cond delay="0"/>
-                            </p:stCondLst>
-                            <p:childTnLst>
-                              <p:par>
-                                <p:cTn id="75" presetID="16" presetClass="entr" presetSubtype="21" fill="hold" grpId="0" nodeType="clickEffect">
-                                  <p:stCondLst>
-                                    <p:cond delay="0"/>
-                                  </p:stCondLst>
-                                  <p:childTnLst>
-                                    <p:set>
-                                      <p:cBhvr>
-                                        <p:cTn id="76" dur="1" fill="hold">
-                                          <p:stCondLst>
-                                            <p:cond delay="0"/>
-                                          </p:stCondLst>
-                                        </p:cTn>
-                                        <p:tgtEl>
-                                          <p:spTgt spid="11"/>
-                                        </p:tgtEl>
-                                        <p:attrNameLst>
-                                          <p:attrName>style.visibility</p:attrName>
-                                        </p:attrNameLst>
-                                      </p:cBhvr>
-                                      <p:to>
-                                        <p:strVal val="visible"/>
-                                      </p:to>
-                                    </p:set>
-                                    <p:animEffect transition="in" filter="barn(inVertical)">
-                                      <p:cBhvr>
-                                        <p:cTn id="77" dur="500"/>
-                                        <p:tgtEl>
-                                          <p:spTgt spid="11"/>
-                                        </p:tgtEl>
-                                      </p:cBhvr>
-                                    </p:animEffect>
-                                  </p:childTnLst>
-                                </p:cTn>
-                              </p:par>
-                            </p:childTnLst>
-                          </p:cTn>
-                        </p:par>
-                      </p:childTnLst>
-                    </p:cTn>
-                  </p:par>
-                  <p:par>
-                    <p:cTn id="78" fill="hold">
-                      <p:stCondLst>
-                        <p:cond delay="indefinite"/>
-                      </p:stCondLst>
-                      <p:childTnLst>
-                        <p:par>
-                          <p:cTn id="79" fill="hold">
-                            <p:stCondLst>
-                              <p:cond delay="0"/>
-                            </p:stCondLst>
-                            <p:childTnLst>
-                              <p:par>
-                                <p:cTn id="80" presetID="22" presetClass="entr" presetSubtype="2" fill="hold" nodeType="clickEffect">
-                                  <p:stCondLst>
-                                    <p:cond delay="0"/>
-                                  </p:stCondLst>
-                                  <p:childTnLst>
-                                    <p:set>
-                                      <p:cBhvr>
-                                        <p:cTn id="81" dur="1" fill="hold">
-                                          <p:stCondLst>
-                                            <p:cond delay="0"/>
-                                          </p:stCondLst>
-                                        </p:cTn>
-                                        <p:tgtEl>
-                                          <p:spTgt spid="55"/>
-                                        </p:tgtEl>
-                                        <p:attrNameLst>
-                                          <p:attrName>style.visibility</p:attrName>
-                                        </p:attrNameLst>
-                                      </p:cBhvr>
-                                      <p:to>
-                                        <p:strVal val="visible"/>
-                                      </p:to>
-                                    </p:set>
-                                    <p:animEffect transition="in" filter="wipe(right)">
-                                      <p:cBhvr>
-                                        <p:cTn id="82" dur="500"/>
-                                        <p:tgtEl>
-                                          <p:spTgt spid="55"/>
-                                        </p:tgtEl>
-                                      </p:cBhvr>
-                                    </p:animEffect>
-                                  </p:childTnLst>
-                                </p:cTn>
-                              </p:par>
-                            </p:childTnLst>
-                          </p:cTn>
-                        </p:par>
-                      </p:childTnLst>
-                    </p:cTn>
-                  </p:par>
-                  <p:par>
-                    <p:cTn id="83" fill="hold">
-                      <p:stCondLst>
-                        <p:cond delay="indefinite"/>
-                      </p:stCondLst>
-                      <p:childTnLst>
-                        <p:par>
-                          <p:cTn id="84" fill="hold">
-                            <p:stCondLst>
-                              <p:cond delay="0"/>
-                            </p:stCondLst>
-                            <p:childTnLst>
-                              <p:par>
-                                <p:cTn id="85" presetID="16" presetClass="entr" presetSubtype="21" fill="hold" grpId="0" nodeType="clickEffect">
-                                  <p:stCondLst>
-                                    <p:cond delay="0"/>
-                                  </p:stCondLst>
-                                  <p:childTnLst>
-                                    <p:set>
-                                      <p:cBhvr>
-                                        <p:cTn id="86" dur="1" fill="hold">
-                                          <p:stCondLst>
-                                            <p:cond delay="0"/>
-                                          </p:stCondLst>
-                                        </p:cTn>
-                                        <p:tgtEl>
-                                          <p:spTgt spid="13"/>
-                                        </p:tgtEl>
-                                        <p:attrNameLst>
-                                          <p:attrName>style.visibility</p:attrName>
-                                        </p:attrNameLst>
-                                      </p:cBhvr>
-                                      <p:to>
-                                        <p:strVal val="visible"/>
-                                      </p:to>
-                                    </p:set>
-                                    <p:animEffect transition="in" filter="barn(inVertical)">
-                                      <p:cBhvr>
-                                        <p:cTn id="87" dur="500"/>
-                                        <p:tgtEl>
-                                          <p:spTgt spid="13"/>
-                                        </p:tgtEl>
-                                      </p:cBhvr>
-                                    </p:animEffect>
-                                  </p:childTnLst>
-                                </p:cTn>
-                              </p:par>
-                            </p:childTnLst>
-                          </p:cTn>
-                        </p:par>
-                      </p:childTnLst>
-                    </p:cTn>
-                  </p:par>
-                  <p:par>
-                    <p:cTn id="88" fill="hold">
-                      <p:stCondLst>
-                        <p:cond delay="indefinite"/>
-                      </p:stCondLst>
-                      <p:childTnLst>
-                        <p:par>
-                          <p:cTn id="89" fill="hold">
-                            <p:stCondLst>
-                              <p:cond delay="0"/>
-                            </p:stCondLst>
-                            <p:childTnLst>
-                              <p:par>
-                                <p:cTn id="90" presetID="22" presetClass="entr" presetSubtype="2" fill="hold" nodeType="clickEffect">
-                                  <p:stCondLst>
-                                    <p:cond delay="0"/>
-                                  </p:stCondLst>
-                                  <p:childTnLst>
-                                    <p:set>
-                                      <p:cBhvr>
-                                        <p:cTn id="91" dur="1" fill="hold">
-                                          <p:stCondLst>
-                                            <p:cond delay="0"/>
-                                          </p:stCondLst>
-                                        </p:cTn>
-                                        <p:tgtEl>
-                                          <p:spTgt spid="57"/>
-                                        </p:tgtEl>
-                                        <p:attrNameLst>
-                                          <p:attrName>style.visibility</p:attrName>
-                                        </p:attrNameLst>
-                                      </p:cBhvr>
-                                      <p:to>
-                                        <p:strVal val="visible"/>
-                                      </p:to>
-                                    </p:set>
-                                    <p:animEffect transition="in" filter="wipe(right)">
-                                      <p:cBhvr>
-                                        <p:cTn id="92" dur="500"/>
-                                        <p:tgtEl>
-                                          <p:spTgt spid="57"/>
-                                        </p:tgtEl>
-                                      </p:cBhvr>
-                                    </p:animEffect>
-                                  </p:childTnLst>
-                                </p:cTn>
-                              </p:par>
-                            </p:childTnLst>
-                          </p:cTn>
-                        </p:par>
-                      </p:childTnLst>
-                    </p:cTn>
-                  </p:par>
-                  <p:par>
-                    <p:cTn id="93" fill="hold">
-                      <p:stCondLst>
-                        <p:cond delay="indefinite"/>
-                      </p:stCondLst>
-                      <p:childTnLst>
-                        <p:par>
-                          <p:cTn id="94" fill="hold">
-                            <p:stCondLst>
-                              <p:cond delay="0"/>
-                            </p:stCondLst>
-                            <p:childTnLst>
-                              <p:par>
-                                <p:cTn id="95" presetID="16" presetClass="entr" presetSubtype="21" fill="hold" grpId="0" nodeType="clickEffect">
-                                  <p:stCondLst>
-                                    <p:cond delay="0"/>
-                                  </p:stCondLst>
-                                  <p:childTnLst>
-                                    <p:set>
-                                      <p:cBhvr>
-                                        <p:cTn id="96" dur="1" fill="hold">
-                                          <p:stCondLst>
-                                            <p:cond delay="0"/>
-                                          </p:stCondLst>
-                                        </p:cTn>
-                                        <p:tgtEl>
-                                          <p:spTgt spid="15"/>
-                                        </p:tgtEl>
-                                        <p:attrNameLst>
-                                          <p:attrName>style.visibility</p:attrName>
-                                        </p:attrNameLst>
-                                      </p:cBhvr>
-                                      <p:to>
-                                        <p:strVal val="visible"/>
-                                      </p:to>
-                                    </p:set>
-                                    <p:animEffect transition="in" filter="barn(inVertical)">
-                                      <p:cBhvr>
-                                        <p:cTn id="97" dur="500"/>
-                                        <p:tgtEl>
-                                          <p:spTgt spid="15"/>
-                                        </p:tgtEl>
-                                      </p:cBhvr>
-                                    </p:animEffect>
-                                  </p:childTnLst>
-                                </p:cTn>
-                              </p:par>
-                            </p:childTnLst>
-                          </p:cTn>
-                        </p:par>
-                      </p:childTnLst>
-                    </p:cTn>
-                  </p:par>
-                  <p:par>
-                    <p:cTn id="98" fill="hold">
-                      <p:stCondLst>
-                        <p:cond delay="indefinite"/>
-                      </p:stCondLst>
-                      <p:childTnLst>
-                        <p:par>
-                          <p:cTn id="99" fill="hold">
-                            <p:stCondLst>
-                              <p:cond delay="0"/>
-                            </p:stCondLst>
-                            <p:childTnLst>
-                              <p:par>
-                                <p:cTn id="100" presetID="22" presetClass="entr" presetSubtype="1" fill="hold" nodeType="clickEffect">
-                                  <p:stCondLst>
-                                    <p:cond delay="0"/>
-                                  </p:stCondLst>
-                                  <p:childTnLst>
-                                    <p:set>
-                                      <p:cBhvr>
-                                        <p:cTn id="101" dur="1" fill="hold">
-                                          <p:stCondLst>
-                                            <p:cond delay="0"/>
-                                          </p:stCondLst>
-                                        </p:cTn>
-                                        <p:tgtEl>
-                                          <p:spTgt spid="64"/>
-                                        </p:tgtEl>
-                                        <p:attrNameLst>
-                                          <p:attrName>style.visibility</p:attrName>
-                                        </p:attrNameLst>
-                                      </p:cBhvr>
-                                      <p:to>
-                                        <p:strVal val="visible"/>
-                                      </p:to>
-                                    </p:set>
-                                    <p:animEffect transition="in" filter="wipe(up)">
-                                      <p:cBhvr>
-                                        <p:cTn id="102" dur="500"/>
-                                        <p:tgtEl>
-                                          <p:spTgt spid="64"/>
-                                        </p:tgtEl>
-                                      </p:cBhvr>
-                                    </p:animEffect>
-                                  </p:childTnLst>
-                                </p:cTn>
-                              </p:par>
-                            </p:childTnLst>
-                          </p:cTn>
-                        </p:par>
-                      </p:childTnLst>
-                    </p:cTn>
-                  </p:par>
-                  <p:par>
-                    <p:cTn id="103" fill="hold">
-                      <p:stCondLst>
-                        <p:cond delay="indefinite"/>
-                      </p:stCondLst>
-                      <p:childTnLst>
-                        <p:par>
-                          <p:cTn id="104" fill="hold">
-                            <p:stCondLst>
-                              <p:cond delay="0"/>
-                            </p:stCondLst>
-                            <p:childTnLst>
-                              <p:par>
-                                <p:cTn id="105" presetID="16" presetClass="entr" presetSubtype="21" fill="hold" grpId="0" nodeType="clickEffect">
-                                  <p:stCondLst>
-                                    <p:cond delay="0"/>
-                                  </p:stCondLst>
-                                  <p:childTnLst>
-                                    <p:set>
-                                      <p:cBhvr>
-                                        <p:cTn id="106" dur="1" fill="hold">
-                                          <p:stCondLst>
-                                            <p:cond delay="0"/>
-                                          </p:stCondLst>
-                                        </p:cTn>
+                                        <p:cTn id="62" dur="500"/>
                                         <p:tgtEl>
                                           <p:spTgt spid="14"/>
-                                        </p:tgtEl>
-                                        <p:attrNameLst>
-                                          <p:attrName>style.visibility</p:attrName>
-                                        </p:attrNameLst>
-                                      </p:cBhvr>
-                                      <p:to>
-                                        <p:strVal val="visible"/>
-                                      </p:to>
-                                    </p:set>
-                                    <p:animEffect transition="in" filter="barn(inVertical)">
-                                      <p:cBhvr>
-                                        <p:cTn id="107" dur="500"/>
-                                        <p:tgtEl>
-                                          <p:spTgt spid="14"/>
-                                        </p:tgtEl>
-                                      </p:cBhvr>
-                                    </p:animEffect>
-                                  </p:childTnLst>
-                                </p:cTn>
-                              </p:par>
-                            </p:childTnLst>
-                          </p:cTn>
-                        </p:par>
-                      </p:childTnLst>
-                    </p:cTn>
-                  </p:par>
-                  <p:par>
-                    <p:cTn id="108" fill="hold">
-                      <p:stCondLst>
-                        <p:cond delay="indefinite"/>
-                      </p:stCondLst>
-                      <p:childTnLst>
-                        <p:par>
-                          <p:cTn id="109" fill="hold">
-                            <p:stCondLst>
-                              <p:cond delay="0"/>
-                            </p:stCondLst>
-                            <p:childTnLst>
-                              <p:par>
-                                <p:cTn id="110" presetID="22" presetClass="entr" presetSubtype="8" fill="hold" nodeType="clickEffect">
-                                  <p:stCondLst>
-                                    <p:cond delay="0"/>
-                                  </p:stCondLst>
-                                  <p:childTnLst>
-                                    <p:set>
-                                      <p:cBhvr>
-                                        <p:cTn id="111" dur="1" fill="hold">
-                                          <p:stCondLst>
-                                            <p:cond delay="0"/>
-                                          </p:stCondLst>
-                                        </p:cTn>
-                                        <p:tgtEl>
-                                          <p:spTgt spid="59"/>
-                                        </p:tgtEl>
-                                        <p:attrNameLst>
-                                          <p:attrName>style.visibility</p:attrName>
-                                        </p:attrNameLst>
-                                      </p:cBhvr>
-                                      <p:to>
-                                        <p:strVal val="visible"/>
-                                      </p:to>
-                                    </p:set>
-                                    <p:animEffect transition="in" filter="wipe(left)">
-                                      <p:cBhvr>
-                                        <p:cTn id="112" dur="500"/>
-                                        <p:tgtEl>
-                                          <p:spTgt spid="59"/>
                                         </p:tgtEl>
                                       </p:cBhvr>
                                     </p:animEffect>
@@ -18173,12 +17076,8 @@
       <p:bldP spid="7" grpId="0" animBg="1"/>
       <p:bldP spid="8" grpId="0" animBg="1"/>
       <p:bldP spid="9" grpId="0" animBg="1"/>
-      <p:bldP spid="10" grpId="0" animBg="1"/>
-      <p:bldP spid="11" grpId="0" animBg="1"/>
       <p:bldP spid="12" grpId="0" animBg="1"/>
-      <p:bldP spid="13" grpId="0" animBg="1"/>
       <p:bldP spid="14" grpId="0" animBg="1"/>
-      <p:bldP spid="15" grpId="0" animBg="1"/>
       <p:bldP spid="16" grpId="0" animBg="1"/>
     </p:bldLst>
   </p:timing>
@@ -18272,7 +17171,7 @@
                 <a:latin typeface="Times New Roman" panose="02020603050405020304" pitchFamily="18" charset="0"/>
                 <a:cs typeface="Times New Roman" panose="02020603050405020304" pitchFamily="18" charset="0"/>
               </a:rPr>
-              <a:t>📅 Week 1 &amp; 2: HTML</a:t>
+              <a:t>📅 Week 1 &amp; 2 : HTML</a:t>
             </a:r>
           </a:p>
           <a:p>
@@ -19541,7 +18440,7 @@
             </a:pPr>
             <a:r>
               <a:rPr lang="en-US" b="1" dirty="0"/>
-              <a:t>📅 Week 3: CSS</a:t>
+              <a:t>📅 Week 3 &amp; 4 : CSS</a:t>
             </a:r>
           </a:p>
           <a:p>
@@ -20608,1129 +19507,6 @@
         <p:cNvPr id="1" name="">
           <a:extLst>
             <a:ext uri="{FF2B5EF4-FFF2-40B4-BE49-F238E27FC236}">
-              <a16:creationId xmlns:a16="http://schemas.microsoft.com/office/drawing/2014/main" id="{E1BFED2D-B229-FF36-818E-A00B58257F80}"/>
-            </a:ext>
-          </a:extLst>
-        </p:cNvPr>
-        <p:cNvGrpSpPr/>
-        <p:nvPr/>
-      </p:nvGrpSpPr>
-      <p:grpSpPr>
-        <a:xfrm>
-          <a:off x="0" y="0"/>
-          <a:ext cx="0" cy="0"/>
-          <a:chOff x="0" y="0"/>
-          <a:chExt cx="0" cy="0"/>
-        </a:xfrm>
-      </p:grpSpPr>
-      <p:sp>
-        <p:nvSpPr>
-          <p:cNvPr id="2" name="Title 1">
-            <a:extLst>
-              <a:ext uri="{FF2B5EF4-FFF2-40B4-BE49-F238E27FC236}">
-                <a16:creationId xmlns:a16="http://schemas.microsoft.com/office/drawing/2014/main" id="{CFDE6888-6F9E-8DB2-F954-7D4194BCE7A4}"/>
-              </a:ext>
-            </a:extLst>
-          </p:cNvPr>
-          <p:cNvSpPr>
-            <a:spLocks noGrp="1"/>
-          </p:cNvSpPr>
-          <p:nvPr>
-            <p:ph type="title"/>
-          </p:nvPr>
-        </p:nvSpPr>
-        <p:spPr/>
-        <p:txBody>
-          <a:bodyPr/>
-          <a:lstStyle/>
-          <a:p>
-            <a:r>
-              <a:rPr lang="en-US" dirty="0"/>
-              <a:t>Our Road map for Web Development</a:t>
-            </a:r>
-          </a:p>
-        </p:txBody>
-      </p:sp>
-      <p:sp>
-        <p:nvSpPr>
-          <p:cNvPr id="3" name="Content Placeholder 2">
-            <a:extLst>
-              <a:ext uri="{FF2B5EF4-FFF2-40B4-BE49-F238E27FC236}">
-                <a16:creationId xmlns:a16="http://schemas.microsoft.com/office/drawing/2014/main" id="{612AE172-319D-BA8F-7AD9-A09C9BADA874}"/>
-              </a:ext>
-            </a:extLst>
-          </p:cNvPr>
-          <p:cNvSpPr>
-            <a:spLocks noGrp="1"/>
-          </p:cNvSpPr>
-          <p:nvPr>
-            <p:ph idx="1"/>
-          </p:nvPr>
-        </p:nvSpPr>
-        <p:spPr>
-          <a:xfrm>
-            <a:off x="926691" y="1962868"/>
-            <a:ext cx="10515600" cy="4351338"/>
-          </a:xfrm>
-        </p:spPr>
-        <p:txBody>
-          <a:bodyPr anchor="t">
-            <a:normAutofit/>
-          </a:bodyPr>
-          <a:lstStyle/>
-          <a:p>
-            <a:pPr marL="0" indent="0">
-              <a:buNone/>
-            </a:pPr>
-            <a:r>
-              <a:rPr lang="en-US" b="1" dirty="0"/>
-              <a:t>📅 Week 4: JavaScript</a:t>
-            </a:r>
-          </a:p>
-          <a:p>
-            <a:r>
-              <a:rPr lang="en-US" dirty="0"/>
-              <a:t>JS Basics (Variables, Data types, Operators)</a:t>
-            </a:r>
-          </a:p>
-          <a:p>
-            <a:r>
-              <a:rPr lang="en-US" dirty="0"/>
-              <a:t>Functions and Control Flow</a:t>
-            </a:r>
-          </a:p>
-          <a:p>
-            <a:r>
-              <a:rPr lang="en-US" dirty="0"/>
-              <a:t>DOM Manipulation</a:t>
-            </a:r>
-          </a:p>
-          <a:p>
-            <a:r>
-              <a:rPr lang="en-US" dirty="0"/>
-              <a:t>Events and Event Listeners</a:t>
-            </a:r>
-          </a:p>
-          <a:p>
-            <a:r>
-              <a:rPr lang="en-US" dirty="0"/>
-              <a:t>Basic Form Validation</a:t>
-            </a:r>
-          </a:p>
-          <a:p>
-            <a:pPr marL="0" indent="0">
-              <a:buNone/>
-            </a:pPr>
-            <a:r>
-              <a:rPr lang="en-US" dirty="0">
-                <a:highlight>
-                  <a:srgbClr val="FFFF00"/>
-                </a:highlight>
-              </a:rPr>
-              <a:t>Project: Interactive to-do list or calculator</a:t>
-            </a:r>
-          </a:p>
-        </p:txBody>
-      </p:sp>
-      <p:cxnSp>
-        <p:nvCxnSpPr>
-          <p:cNvPr id="5" name="Straight Connector 4">
-            <a:extLst>
-              <a:ext uri="{FF2B5EF4-FFF2-40B4-BE49-F238E27FC236}">
-                <a16:creationId xmlns:a16="http://schemas.microsoft.com/office/drawing/2014/main" id="{9E6F384B-F1B6-C591-49D0-8DF4DA91E55D}"/>
-              </a:ext>
-            </a:extLst>
-          </p:cNvPr>
-          <p:cNvCxnSpPr/>
-          <p:nvPr/>
-        </p:nvCxnSpPr>
-        <p:spPr>
-          <a:xfrm>
-            <a:off x="838200" y="1676400"/>
-            <a:ext cx="10515600" cy="0"/>
-          </a:xfrm>
-          <a:prstGeom prst="line">
-            <a:avLst/>
-          </a:prstGeom>
-          <a:ln w="38100">
-            <a:solidFill>
-              <a:schemeClr val="tx1"/>
-            </a:solidFill>
-          </a:ln>
-        </p:spPr>
-        <p:style>
-          <a:lnRef idx="3">
-            <a:schemeClr val="dk1"/>
-          </a:lnRef>
-          <a:fillRef idx="0">
-            <a:schemeClr val="dk1"/>
-          </a:fillRef>
-          <a:effectRef idx="2">
-            <a:schemeClr val="dk1"/>
-          </a:effectRef>
-          <a:fontRef idx="minor">
-            <a:schemeClr val="tx1"/>
-          </a:fontRef>
-        </p:style>
-      </p:cxnSp>
-    </p:spTree>
-    <p:extLst>
-      <p:ext uri="{BB962C8B-B14F-4D97-AF65-F5344CB8AC3E}">
-        <p14:creationId xmlns:p14="http://schemas.microsoft.com/office/powerpoint/2010/main" val="1911218496"/>
-      </p:ext>
-    </p:extLst>
-  </p:cSld>
-  <p:clrMapOvr>
-    <a:masterClrMapping/>
-  </p:clrMapOvr>
-  <p:timing>
-    <p:tnLst>
-      <p:par>
-        <p:cTn id="1" dur="indefinite" restart="never" nodeType="tmRoot">
-          <p:childTnLst>
-            <p:seq concurrent="1" nextAc="seek">
-              <p:cTn id="2" dur="indefinite" nodeType="mainSeq">
-                <p:childTnLst>
-                  <p:par>
-                    <p:cTn id="3" fill="hold">
-                      <p:stCondLst>
-                        <p:cond delay="indefinite"/>
-                      </p:stCondLst>
-                      <p:childTnLst>
-                        <p:par>
-                          <p:cTn id="4" fill="hold">
-                            <p:stCondLst>
-                              <p:cond delay="0"/>
-                            </p:stCondLst>
-                            <p:childTnLst>
-                              <p:par>
-                                <p:cTn id="5" presetID="2" presetClass="entr" presetSubtype="4" fill="hold" grpId="0" nodeType="clickEffect">
-                                  <p:stCondLst>
-                                    <p:cond delay="0"/>
-                                  </p:stCondLst>
-                                  <p:childTnLst>
-                                    <p:set>
-                                      <p:cBhvr>
-                                        <p:cTn id="6" dur="1" fill="hold">
-                                          <p:stCondLst>
-                                            <p:cond delay="0"/>
-                                          </p:stCondLst>
-                                        </p:cTn>
-                                        <p:tgtEl>
-                                          <p:spTgt spid="2"/>
-                                        </p:tgtEl>
-                                        <p:attrNameLst>
-                                          <p:attrName>style.visibility</p:attrName>
-                                        </p:attrNameLst>
-                                      </p:cBhvr>
-                                      <p:to>
-                                        <p:strVal val="visible"/>
-                                      </p:to>
-                                    </p:set>
-                                    <p:anim calcmode="lin" valueType="num">
-                                      <p:cBhvr additive="base">
-                                        <p:cTn id="7" dur="500" fill="hold"/>
-                                        <p:tgtEl>
-                                          <p:spTgt spid="2"/>
-                                        </p:tgtEl>
-                                        <p:attrNameLst>
-                                          <p:attrName>ppt_x</p:attrName>
-                                        </p:attrNameLst>
-                                      </p:cBhvr>
-                                      <p:tavLst>
-                                        <p:tav tm="0">
-                                          <p:val>
-                                            <p:strVal val="#ppt_x"/>
-                                          </p:val>
-                                        </p:tav>
-                                        <p:tav tm="100000">
-                                          <p:val>
-                                            <p:strVal val="#ppt_x"/>
-                                          </p:val>
-                                        </p:tav>
-                                      </p:tavLst>
-                                    </p:anim>
-                                    <p:anim calcmode="lin" valueType="num">
-                                      <p:cBhvr additive="base">
-                                        <p:cTn id="8" dur="500" fill="hold"/>
-                                        <p:tgtEl>
-                                          <p:spTgt spid="2"/>
-                                        </p:tgtEl>
-                                        <p:attrNameLst>
-                                          <p:attrName>ppt_y</p:attrName>
-                                        </p:attrNameLst>
-                                      </p:cBhvr>
-                                      <p:tavLst>
-                                        <p:tav tm="0">
-                                          <p:val>
-                                            <p:strVal val="1+#ppt_h/2"/>
-                                          </p:val>
-                                        </p:tav>
-                                        <p:tav tm="100000">
-                                          <p:val>
-                                            <p:strVal val="#ppt_y"/>
-                                          </p:val>
-                                        </p:tav>
-                                      </p:tavLst>
-                                    </p:anim>
-                                  </p:childTnLst>
-                                </p:cTn>
-                              </p:par>
-                            </p:childTnLst>
-                          </p:cTn>
-                        </p:par>
-                      </p:childTnLst>
-                    </p:cTn>
-                  </p:par>
-                  <p:par>
-                    <p:cTn id="9" fill="hold">
-                      <p:stCondLst>
-                        <p:cond delay="indefinite"/>
-                      </p:stCondLst>
-                      <p:childTnLst>
-                        <p:par>
-                          <p:cTn id="10" fill="hold">
-                            <p:stCondLst>
-                              <p:cond delay="0"/>
-                            </p:stCondLst>
-                            <p:childTnLst>
-                              <p:par>
-                                <p:cTn id="11" presetID="2" presetClass="entr" presetSubtype="4" fill="hold" nodeType="clickEffect">
-                                  <p:stCondLst>
-                                    <p:cond delay="0"/>
-                                  </p:stCondLst>
-                                  <p:childTnLst>
-                                    <p:set>
-                                      <p:cBhvr>
-                                        <p:cTn id="12" dur="1" fill="hold">
-                                          <p:stCondLst>
-                                            <p:cond delay="0"/>
-                                          </p:stCondLst>
-                                        </p:cTn>
-                                        <p:tgtEl>
-                                          <p:spTgt spid="5"/>
-                                        </p:tgtEl>
-                                        <p:attrNameLst>
-                                          <p:attrName>style.visibility</p:attrName>
-                                        </p:attrNameLst>
-                                      </p:cBhvr>
-                                      <p:to>
-                                        <p:strVal val="visible"/>
-                                      </p:to>
-                                    </p:set>
-                                    <p:anim calcmode="lin" valueType="num">
-                                      <p:cBhvr additive="base">
-                                        <p:cTn id="13" dur="500" fill="hold"/>
-                                        <p:tgtEl>
-                                          <p:spTgt spid="5"/>
-                                        </p:tgtEl>
-                                        <p:attrNameLst>
-                                          <p:attrName>ppt_x</p:attrName>
-                                        </p:attrNameLst>
-                                      </p:cBhvr>
-                                      <p:tavLst>
-                                        <p:tav tm="0">
-                                          <p:val>
-                                            <p:strVal val="#ppt_x"/>
-                                          </p:val>
-                                        </p:tav>
-                                        <p:tav tm="100000">
-                                          <p:val>
-                                            <p:strVal val="#ppt_x"/>
-                                          </p:val>
-                                        </p:tav>
-                                      </p:tavLst>
-                                    </p:anim>
-                                    <p:anim calcmode="lin" valueType="num">
-                                      <p:cBhvr additive="base">
-                                        <p:cTn id="14" dur="500" fill="hold"/>
-                                        <p:tgtEl>
-                                          <p:spTgt spid="5"/>
-                                        </p:tgtEl>
-                                        <p:attrNameLst>
-                                          <p:attrName>ppt_y</p:attrName>
-                                        </p:attrNameLst>
-                                      </p:cBhvr>
-                                      <p:tavLst>
-                                        <p:tav tm="0">
-                                          <p:val>
-                                            <p:strVal val="1+#ppt_h/2"/>
-                                          </p:val>
-                                        </p:tav>
-                                        <p:tav tm="100000">
-                                          <p:val>
-                                            <p:strVal val="#ppt_y"/>
-                                          </p:val>
-                                        </p:tav>
-                                      </p:tavLst>
-                                    </p:anim>
-                                  </p:childTnLst>
-                                </p:cTn>
-                              </p:par>
-                            </p:childTnLst>
-                          </p:cTn>
-                        </p:par>
-                      </p:childTnLst>
-                    </p:cTn>
-                  </p:par>
-                  <p:par>
-                    <p:cTn id="15" fill="hold">
-                      <p:stCondLst>
-                        <p:cond delay="indefinite"/>
-                      </p:stCondLst>
-                      <p:childTnLst>
-                        <p:par>
-                          <p:cTn id="16" fill="hold">
-                            <p:stCondLst>
-                              <p:cond delay="0"/>
-                            </p:stCondLst>
-                            <p:childTnLst>
-                              <p:par>
-                                <p:cTn id="17" presetID="2" presetClass="entr" presetSubtype="4" fill="hold" grpId="0" nodeType="clickEffect">
-                                  <p:stCondLst>
-                                    <p:cond delay="0"/>
-                                  </p:stCondLst>
-                                  <p:childTnLst>
-                                    <p:set>
-                                      <p:cBhvr>
-                                        <p:cTn id="18" dur="1" fill="hold">
-                                          <p:stCondLst>
-                                            <p:cond delay="0"/>
-                                          </p:stCondLst>
-                                        </p:cTn>
-                                        <p:tgtEl>
-                                          <p:spTgt spid="3">
-                                            <p:txEl>
-                                              <p:pRg st="0" end="0"/>
-                                            </p:txEl>
-                                          </p:spTgt>
-                                        </p:tgtEl>
-                                        <p:attrNameLst>
-                                          <p:attrName>style.visibility</p:attrName>
-                                        </p:attrNameLst>
-                                      </p:cBhvr>
-                                      <p:to>
-                                        <p:strVal val="visible"/>
-                                      </p:to>
-                                    </p:set>
-                                    <p:anim calcmode="lin" valueType="num">
-                                      <p:cBhvr additive="base">
-                                        <p:cTn id="19" dur="500" fill="hold"/>
-                                        <p:tgtEl>
-                                          <p:spTgt spid="3">
-                                            <p:txEl>
-                                              <p:pRg st="0" end="0"/>
-                                            </p:txEl>
-                                          </p:spTgt>
-                                        </p:tgtEl>
-                                        <p:attrNameLst>
-                                          <p:attrName>ppt_x</p:attrName>
-                                        </p:attrNameLst>
-                                      </p:cBhvr>
-                                      <p:tavLst>
-                                        <p:tav tm="0">
-                                          <p:val>
-                                            <p:strVal val="#ppt_x"/>
-                                          </p:val>
-                                        </p:tav>
-                                        <p:tav tm="100000">
-                                          <p:val>
-                                            <p:strVal val="#ppt_x"/>
-                                          </p:val>
-                                        </p:tav>
-                                      </p:tavLst>
-                                    </p:anim>
-                                    <p:anim calcmode="lin" valueType="num">
-                                      <p:cBhvr additive="base">
-                                        <p:cTn id="20" dur="500" fill="hold"/>
-                                        <p:tgtEl>
-                                          <p:spTgt spid="3">
-                                            <p:txEl>
-                                              <p:pRg st="0" end="0"/>
-                                            </p:txEl>
-                                          </p:spTgt>
-                                        </p:tgtEl>
-                                        <p:attrNameLst>
-                                          <p:attrName>ppt_y</p:attrName>
-                                        </p:attrNameLst>
-                                      </p:cBhvr>
-                                      <p:tavLst>
-                                        <p:tav tm="0">
-                                          <p:val>
-                                            <p:strVal val="1+#ppt_h/2"/>
-                                          </p:val>
-                                        </p:tav>
-                                        <p:tav tm="100000">
-                                          <p:val>
-                                            <p:strVal val="#ppt_y"/>
-                                          </p:val>
-                                        </p:tav>
-                                      </p:tavLst>
-                                    </p:anim>
-                                  </p:childTnLst>
-                                </p:cTn>
-                              </p:par>
-                            </p:childTnLst>
-                          </p:cTn>
-                        </p:par>
-                      </p:childTnLst>
-                    </p:cTn>
-                  </p:par>
-                  <p:par>
-                    <p:cTn id="21" fill="hold">
-                      <p:stCondLst>
-                        <p:cond delay="indefinite"/>
-                      </p:stCondLst>
-                      <p:childTnLst>
-                        <p:par>
-                          <p:cTn id="22" fill="hold">
-                            <p:stCondLst>
-                              <p:cond delay="0"/>
-                            </p:stCondLst>
-                            <p:childTnLst>
-                              <p:par>
-                                <p:cTn id="23" presetID="2" presetClass="entr" presetSubtype="4" fill="hold" grpId="0" nodeType="clickEffect">
-                                  <p:stCondLst>
-                                    <p:cond delay="0"/>
-                                  </p:stCondLst>
-                                  <p:childTnLst>
-                                    <p:set>
-                                      <p:cBhvr>
-                                        <p:cTn id="24" dur="1" fill="hold">
-                                          <p:stCondLst>
-                                            <p:cond delay="0"/>
-                                          </p:stCondLst>
-                                        </p:cTn>
-                                        <p:tgtEl>
-                                          <p:spTgt spid="3">
-                                            <p:txEl>
-                                              <p:pRg st="1" end="1"/>
-                                            </p:txEl>
-                                          </p:spTgt>
-                                        </p:tgtEl>
-                                        <p:attrNameLst>
-                                          <p:attrName>style.visibility</p:attrName>
-                                        </p:attrNameLst>
-                                      </p:cBhvr>
-                                      <p:to>
-                                        <p:strVal val="visible"/>
-                                      </p:to>
-                                    </p:set>
-                                    <p:anim calcmode="lin" valueType="num">
-                                      <p:cBhvr additive="base">
-                                        <p:cTn id="25" dur="500" fill="hold"/>
-                                        <p:tgtEl>
-                                          <p:spTgt spid="3">
-                                            <p:txEl>
-                                              <p:pRg st="1" end="1"/>
-                                            </p:txEl>
-                                          </p:spTgt>
-                                        </p:tgtEl>
-                                        <p:attrNameLst>
-                                          <p:attrName>ppt_x</p:attrName>
-                                        </p:attrNameLst>
-                                      </p:cBhvr>
-                                      <p:tavLst>
-                                        <p:tav tm="0">
-                                          <p:val>
-                                            <p:strVal val="#ppt_x"/>
-                                          </p:val>
-                                        </p:tav>
-                                        <p:tav tm="100000">
-                                          <p:val>
-                                            <p:strVal val="#ppt_x"/>
-                                          </p:val>
-                                        </p:tav>
-                                      </p:tavLst>
-                                    </p:anim>
-                                    <p:anim calcmode="lin" valueType="num">
-                                      <p:cBhvr additive="base">
-                                        <p:cTn id="26" dur="500" fill="hold"/>
-                                        <p:tgtEl>
-                                          <p:spTgt spid="3">
-                                            <p:txEl>
-                                              <p:pRg st="1" end="1"/>
-                                            </p:txEl>
-                                          </p:spTgt>
-                                        </p:tgtEl>
-                                        <p:attrNameLst>
-                                          <p:attrName>ppt_y</p:attrName>
-                                        </p:attrNameLst>
-                                      </p:cBhvr>
-                                      <p:tavLst>
-                                        <p:tav tm="0">
-                                          <p:val>
-                                            <p:strVal val="1+#ppt_h/2"/>
-                                          </p:val>
-                                        </p:tav>
-                                        <p:tav tm="100000">
-                                          <p:val>
-                                            <p:strVal val="#ppt_y"/>
-                                          </p:val>
-                                        </p:tav>
-                                      </p:tavLst>
-                                    </p:anim>
-                                  </p:childTnLst>
-                                </p:cTn>
-                              </p:par>
-                            </p:childTnLst>
-                          </p:cTn>
-                        </p:par>
-                      </p:childTnLst>
-                    </p:cTn>
-                  </p:par>
-                  <p:par>
-                    <p:cTn id="27" fill="hold">
-                      <p:stCondLst>
-                        <p:cond delay="indefinite"/>
-                      </p:stCondLst>
-                      <p:childTnLst>
-                        <p:par>
-                          <p:cTn id="28" fill="hold">
-                            <p:stCondLst>
-                              <p:cond delay="0"/>
-                            </p:stCondLst>
-                            <p:childTnLst>
-                              <p:par>
-                                <p:cTn id="29" presetID="2" presetClass="entr" presetSubtype="4" fill="hold" grpId="0" nodeType="clickEffect">
-                                  <p:stCondLst>
-                                    <p:cond delay="0"/>
-                                  </p:stCondLst>
-                                  <p:childTnLst>
-                                    <p:set>
-                                      <p:cBhvr>
-                                        <p:cTn id="30" dur="1" fill="hold">
-                                          <p:stCondLst>
-                                            <p:cond delay="0"/>
-                                          </p:stCondLst>
-                                        </p:cTn>
-                                        <p:tgtEl>
-                                          <p:spTgt spid="3">
-                                            <p:txEl>
-                                              <p:pRg st="2" end="2"/>
-                                            </p:txEl>
-                                          </p:spTgt>
-                                        </p:tgtEl>
-                                        <p:attrNameLst>
-                                          <p:attrName>style.visibility</p:attrName>
-                                        </p:attrNameLst>
-                                      </p:cBhvr>
-                                      <p:to>
-                                        <p:strVal val="visible"/>
-                                      </p:to>
-                                    </p:set>
-                                    <p:anim calcmode="lin" valueType="num">
-                                      <p:cBhvr additive="base">
-                                        <p:cTn id="31" dur="500" fill="hold"/>
-                                        <p:tgtEl>
-                                          <p:spTgt spid="3">
-                                            <p:txEl>
-                                              <p:pRg st="2" end="2"/>
-                                            </p:txEl>
-                                          </p:spTgt>
-                                        </p:tgtEl>
-                                        <p:attrNameLst>
-                                          <p:attrName>ppt_x</p:attrName>
-                                        </p:attrNameLst>
-                                      </p:cBhvr>
-                                      <p:tavLst>
-                                        <p:tav tm="0">
-                                          <p:val>
-                                            <p:strVal val="#ppt_x"/>
-                                          </p:val>
-                                        </p:tav>
-                                        <p:tav tm="100000">
-                                          <p:val>
-                                            <p:strVal val="#ppt_x"/>
-                                          </p:val>
-                                        </p:tav>
-                                      </p:tavLst>
-                                    </p:anim>
-                                    <p:anim calcmode="lin" valueType="num">
-                                      <p:cBhvr additive="base">
-                                        <p:cTn id="32" dur="500" fill="hold"/>
-                                        <p:tgtEl>
-                                          <p:spTgt spid="3">
-                                            <p:txEl>
-                                              <p:pRg st="2" end="2"/>
-                                            </p:txEl>
-                                          </p:spTgt>
-                                        </p:tgtEl>
-                                        <p:attrNameLst>
-                                          <p:attrName>ppt_y</p:attrName>
-                                        </p:attrNameLst>
-                                      </p:cBhvr>
-                                      <p:tavLst>
-                                        <p:tav tm="0">
-                                          <p:val>
-                                            <p:strVal val="1+#ppt_h/2"/>
-                                          </p:val>
-                                        </p:tav>
-                                        <p:tav tm="100000">
-                                          <p:val>
-                                            <p:strVal val="#ppt_y"/>
-                                          </p:val>
-                                        </p:tav>
-                                      </p:tavLst>
-                                    </p:anim>
-                                  </p:childTnLst>
-                                </p:cTn>
-                              </p:par>
-                            </p:childTnLst>
-                          </p:cTn>
-                        </p:par>
-                      </p:childTnLst>
-                    </p:cTn>
-                  </p:par>
-                  <p:par>
-                    <p:cTn id="33" fill="hold">
-                      <p:stCondLst>
-                        <p:cond delay="indefinite"/>
-                      </p:stCondLst>
-                      <p:childTnLst>
-                        <p:par>
-                          <p:cTn id="34" fill="hold">
-                            <p:stCondLst>
-                              <p:cond delay="0"/>
-                            </p:stCondLst>
-                            <p:childTnLst>
-                              <p:par>
-                                <p:cTn id="35" presetID="2" presetClass="entr" presetSubtype="4" fill="hold" grpId="0" nodeType="clickEffect">
-                                  <p:stCondLst>
-                                    <p:cond delay="0"/>
-                                  </p:stCondLst>
-                                  <p:childTnLst>
-                                    <p:set>
-                                      <p:cBhvr>
-                                        <p:cTn id="36" dur="1" fill="hold">
-                                          <p:stCondLst>
-                                            <p:cond delay="0"/>
-                                          </p:stCondLst>
-                                        </p:cTn>
-                                        <p:tgtEl>
-                                          <p:spTgt spid="3">
-                                            <p:txEl>
-                                              <p:pRg st="3" end="3"/>
-                                            </p:txEl>
-                                          </p:spTgt>
-                                        </p:tgtEl>
-                                        <p:attrNameLst>
-                                          <p:attrName>style.visibility</p:attrName>
-                                        </p:attrNameLst>
-                                      </p:cBhvr>
-                                      <p:to>
-                                        <p:strVal val="visible"/>
-                                      </p:to>
-                                    </p:set>
-                                    <p:anim calcmode="lin" valueType="num">
-                                      <p:cBhvr additive="base">
-                                        <p:cTn id="37" dur="500" fill="hold"/>
-                                        <p:tgtEl>
-                                          <p:spTgt spid="3">
-                                            <p:txEl>
-                                              <p:pRg st="3" end="3"/>
-                                            </p:txEl>
-                                          </p:spTgt>
-                                        </p:tgtEl>
-                                        <p:attrNameLst>
-                                          <p:attrName>ppt_x</p:attrName>
-                                        </p:attrNameLst>
-                                      </p:cBhvr>
-                                      <p:tavLst>
-                                        <p:tav tm="0">
-                                          <p:val>
-                                            <p:strVal val="#ppt_x"/>
-                                          </p:val>
-                                        </p:tav>
-                                        <p:tav tm="100000">
-                                          <p:val>
-                                            <p:strVal val="#ppt_x"/>
-                                          </p:val>
-                                        </p:tav>
-                                      </p:tavLst>
-                                    </p:anim>
-                                    <p:anim calcmode="lin" valueType="num">
-                                      <p:cBhvr additive="base">
-                                        <p:cTn id="38" dur="500" fill="hold"/>
-                                        <p:tgtEl>
-                                          <p:spTgt spid="3">
-                                            <p:txEl>
-                                              <p:pRg st="3" end="3"/>
-                                            </p:txEl>
-                                          </p:spTgt>
-                                        </p:tgtEl>
-                                        <p:attrNameLst>
-                                          <p:attrName>ppt_y</p:attrName>
-                                        </p:attrNameLst>
-                                      </p:cBhvr>
-                                      <p:tavLst>
-                                        <p:tav tm="0">
-                                          <p:val>
-                                            <p:strVal val="1+#ppt_h/2"/>
-                                          </p:val>
-                                        </p:tav>
-                                        <p:tav tm="100000">
-                                          <p:val>
-                                            <p:strVal val="#ppt_y"/>
-                                          </p:val>
-                                        </p:tav>
-                                      </p:tavLst>
-                                    </p:anim>
-                                  </p:childTnLst>
-                                </p:cTn>
-                              </p:par>
-                            </p:childTnLst>
-                          </p:cTn>
-                        </p:par>
-                      </p:childTnLst>
-                    </p:cTn>
-                  </p:par>
-                  <p:par>
-                    <p:cTn id="39" fill="hold">
-                      <p:stCondLst>
-                        <p:cond delay="indefinite"/>
-                      </p:stCondLst>
-                      <p:childTnLst>
-                        <p:par>
-                          <p:cTn id="40" fill="hold">
-                            <p:stCondLst>
-                              <p:cond delay="0"/>
-                            </p:stCondLst>
-                            <p:childTnLst>
-                              <p:par>
-                                <p:cTn id="41" presetID="2" presetClass="entr" presetSubtype="4" fill="hold" grpId="0" nodeType="clickEffect">
-                                  <p:stCondLst>
-                                    <p:cond delay="0"/>
-                                  </p:stCondLst>
-                                  <p:childTnLst>
-                                    <p:set>
-                                      <p:cBhvr>
-                                        <p:cTn id="42" dur="1" fill="hold">
-                                          <p:stCondLst>
-                                            <p:cond delay="0"/>
-                                          </p:stCondLst>
-                                        </p:cTn>
-                                        <p:tgtEl>
-                                          <p:spTgt spid="3">
-                                            <p:txEl>
-                                              <p:pRg st="4" end="4"/>
-                                            </p:txEl>
-                                          </p:spTgt>
-                                        </p:tgtEl>
-                                        <p:attrNameLst>
-                                          <p:attrName>style.visibility</p:attrName>
-                                        </p:attrNameLst>
-                                      </p:cBhvr>
-                                      <p:to>
-                                        <p:strVal val="visible"/>
-                                      </p:to>
-                                    </p:set>
-                                    <p:anim calcmode="lin" valueType="num">
-                                      <p:cBhvr additive="base">
-                                        <p:cTn id="43" dur="500" fill="hold"/>
-                                        <p:tgtEl>
-                                          <p:spTgt spid="3">
-                                            <p:txEl>
-                                              <p:pRg st="4" end="4"/>
-                                            </p:txEl>
-                                          </p:spTgt>
-                                        </p:tgtEl>
-                                        <p:attrNameLst>
-                                          <p:attrName>ppt_x</p:attrName>
-                                        </p:attrNameLst>
-                                      </p:cBhvr>
-                                      <p:tavLst>
-                                        <p:tav tm="0">
-                                          <p:val>
-                                            <p:strVal val="#ppt_x"/>
-                                          </p:val>
-                                        </p:tav>
-                                        <p:tav tm="100000">
-                                          <p:val>
-                                            <p:strVal val="#ppt_x"/>
-                                          </p:val>
-                                        </p:tav>
-                                      </p:tavLst>
-                                    </p:anim>
-                                    <p:anim calcmode="lin" valueType="num">
-                                      <p:cBhvr additive="base">
-                                        <p:cTn id="44" dur="500" fill="hold"/>
-                                        <p:tgtEl>
-                                          <p:spTgt spid="3">
-                                            <p:txEl>
-                                              <p:pRg st="4" end="4"/>
-                                            </p:txEl>
-                                          </p:spTgt>
-                                        </p:tgtEl>
-                                        <p:attrNameLst>
-                                          <p:attrName>ppt_y</p:attrName>
-                                        </p:attrNameLst>
-                                      </p:cBhvr>
-                                      <p:tavLst>
-                                        <p:tav tm="0">
-                                          <p:val>
-                                            <p:strVal val="1+#ppt_h/2"/>
-                                          </p:val>
-                                        </p:tav>
-                                        <p:tav tm="100000">
-                                          <p:val>
-                                            <p:strVal val="#ppt_y"/>
-                                          </p:val>
-                                        </p:tav>
-                                      </p:tavLst>
-                                    </p:anim>
-                                  </p:childTnLst>
-                                </p:cTn>
-                              </p:par>
-                            </p:childTnLst>
-                          </p:cTn>
-                        </p:par>
-                      </p:childTnLst>
-                    </p:cTn>
-                  </p:par>
-                  <p:par>
-                    <p:cTn id="45" fill="hold">
-                      <p:stCondLst>
-                        <p:cond delay="indefinite"/>
-                      </p:stCondLst>
-                      <p:childTnLst>
-                        <p:par>
-                          <p:cTn id="46" fill="hold">
-                            <p:stCondLst>
-                              <p:cond delay="0"/>
-                            </p:stCondLst>
-                            <p:childTnLst>
-                              <p:par>
-                                <p:cTn id="47" presetID="2" presetClass="entr" presetSubtype="4" fill="hold" grpId="0" nodeType="clickEffect">
-                                  <p:stCondLst>
-                                    <p:cond delay="0"/>
-                                  </p:stCondLst>
-                                  <p:childTnLst>
-                                    <p:set>
-                                      <p:cBhvr>
-                                        <p:cTn id="48" dur="1" fill="hold">
-                                          <p:stCondLst>
-                                            <p:cond delay="0"/>
-                                          </p:stCondLst>
-                                        </p:cTn>
-                                        <p:tgtEl>
-                                          <p:spTgt spid="3">
-                                            <p:txEl>
-                                              <p:pRg st="5" end="5"/>
-                                            </p:txEl>
-                                          </p:spTgt>
-                                        </p:tgtEl>
-                                        <p:attrNameLst>
-                                          <p:attrName>style.visibility</p:attrName>
-                                        </p:attrNameLst>
-                                      </p:cBhvr>
-                                      <p:to>
-                                        <p:strVal val="visible"/>
-                                      </p:to>
-                                    </p:set>
-                                    <p:anim calcmode="lin" valueType="num">
-                                      <p:cBhvr additive="base">
-                                        <p:cTn id="49" dur="500" fill="hold"/>
-                                        <p:tgtEl>
-                                          <p:spTgt spid="3">
-                                            <p:txEl>
-                                              <p:pRg st="5" end="5"/>
-                                            </p:txEl>
-                                          </p:spTgt>
-                                        </p:tgtEl>
-                                        <p:attrNameLst>
-                                          <p:attrName>ppt_x</p:attrName>
-                                        </p:attrNameLst>
-                                      </p:cBhvr>
-                                      <p:tavLst>
-                                        <p:tav tm="0">
-                                          <p:val>
-                                            <p:strVal val="#ppt_x"/>
-                                          </p:val>
-                                        </p:tav>
-                                        <p:tav tm="100000">
-                                          <p:val>
-                                            <p:strVal val="#ppt_x"/>
-                                          </p:val>
-                                        </p:tav>
-                                      </p:tavLst>
-                                    </p:anim>
-                                    <p:anim calcmode="lin" valueType="num">
-                                      <p:cBhvr additive="base">
-                                        <p:cTn id="50" dur="500" fill="hold"/>
-                                        <p:tgtEl>
-                                          <p:spTgt spid="3">
-                                            <p:txEl>
-                                              <p:pRg st="5" end="5"/>
-                                            </p:txEl>
-                                          </p:spTgt>
-                                        </p:tgtEl>
-                                        <p:attrNameLst>
-                                          <p:attrName>ppt_y</p:attrName>
-                                        </p:attrNameLst>
-                                      </p:cBhvr>
-                                      <p:tavLst>
-                                        <p:tav tm="0">
-                                          <p:val>
-                                            <p:strVal val="1+#ppt_h/2"/>
-                                          </p:val>
-                                        </p:tav>
-                                        <p:tav tm="100000">
-                                          <p:val>
-                                            <p:strVal val="#ppt_y"/>
-                                          </p:val>
-                                        </p:tav>
-                                      </p:tavLst>
-                                    </p:anim>
-                                  </p:childTnLst>
-                                </p:cTn>
-                              </p:par>
-                            </p:childTnLst>
-                          </p:cTn>
-                        </p:par>
-                      </p:childTnLst>
-                    </p:cTn>
-                  </p:par>
-                  <p:par>
-                    <p:cTn id="51" fill="hold">
-                      <p:stCondLst>
-                        <p:cond delay="indefinite"/>
-                      </p:stCondLst>
-                      <p:childTnLst>
-                        <p:par>
-                          <p:cTn id="52" fill="hold">
-                            <p:stCondLst>
-                              <p:cond delay="0"/>
-                            </p:stCondLst>
-                            <p:childTnLst>
-                              <p:par>
-                                <p:cTn id="53" presetID="2" presetClass="entr" presetSubtype="4" fill="hold" grpId="0" nodeType="clickEffect">
-                                  <p:stCondLst>
-                                    <p:cond delay="0"/>
-                                  </p:stCondLst>
-                                  <p:childTnLst>
-                                    <p:set>
-                                      <p:cBhvr>
-                                        <p:cTn id="54" dur="1" fill="hold">
-                                          <p:stCondLst>
-                                            <p:cond delay="0"/>
-                                          </p:stCondLst>
-                                        </p:cTn>
-                                        <p:tgtEl>
-                                          <p:spTgt spid="3">
-                                            <p:txEl>
-                                              <p:pRg st="6" end="6"/>
-                                            </p:txEl>
-                                          </p:spTgt>
-                                        </p:tgtEl>
-                                        <p:attrNameLst>
-                                          <p:attrName>style.visibility</p:attrName>
-                                        </p:attrNameLst>
-                                      </p:cBhvr>
-                                      <p:to>
-                                        <p:strVal val="visible"/>
-                                      </p:to>
-                                    </p:set>
-                                    <p:anim calcmode="lin" valueType="num">
-                                      <p:cBhvr additive="base">
-                                        <p:cTn id="55" dur="500" fill="hold"/>
-                                        <p:tgtEl>
-                                          <p:spTgt spid="3">
-                                            <p:txEl>
-                                              <p:pRg st="6" end="6"/>
-                                            </p:txEl>
-                                          </p:spTgt>
-                                        </p:tgtEl>
-                                        <p:attrNameLst>
-                                          <p:attrName>ppt_x</p:attrName>
-                                        </p:attrNameLst>
-                                      </p:cBhvr>
-                                      <p:tavLst>
-                                        <p:tav tm="0">
-                                          <p:val>
-                                            <p:strVal val="#ppt_x"/>
-                                          </p:val>
-                                        </p:tav>
-                                        <p:tav tm="100000">
-                                          <p:val>
-                                            <p:strVal val="#ppt_x"/>
-                                          </p:val>
-                                        </p:tav>
-                                      </p:tavLst>
-                                    </p:anim>
-                                    <p:anim calcmode="lin" valueType="num">
-                                      <p:cBhvr additive="base">
-                                        <p:cTn id="56" dur="500" fill="hold"/>
-                                        <p:tgtEl>
-                                          <p:spTgt spid="3">
-                                            <p:txEl>
-                                              <p:pRg st="6" end="6"/>
-                                            </p:txEl>
-                                          </p:spTgt>
-                                        </p:tgtEl>
-                                        <p:attrNameLst>
-                                          <p:attrName>ppt_y</p:attrName>
-                                        </p:attrNameLst>
-                                      </p:cBhvr>
-                                      <p:tavLst>
-                                        <p:tav tm="0">
-                                          <p:val>
-                                            <p:strVal val="1+#ppt_h/2"/>
-                                          </p:val>
-                                        </p:tav>
-                                        <p:tav tm="100000">
-                                          <p:val>
-                                            <p:strVal val="#ppt_y"/>
-                                          </p:val>
-                                        </p:tav>
-                                      </p:tavLst>
-                                    </p:anim>
-                                  </p:childTnLst>
-                                </p:cTn>
-                              </p:par>
-                            </p:childTnLst>
-                          </p:cTn>
-                        </p:par>
-                      </p:childTnLst>
-                    </p:cTn>
-                  </p:par>
-                </p:childTnLst>
-              </p:cTn>
-              <p:prevCondLst>
-                <p:cond evt="onPrev" delay="0">
-                  <p:tgtEl>
-                    <p:sldTgt/>
-                  </p:tgtEl>
-                </p:cond>
-              </p:prevCondLst>
-              <p:nextCondLst>
-                <p:cond evt="onNext" delay="0">
-                  <p:tgtEl>
-                    <p:sldTgt/>
-                  </p:tgtEl>
-                </p:cond>
-              </p:nextCondLst>
-            </p:seq>
-          </p:childTnLst>
-        </p:cTn>
-      </p:par>
-    </p:tnLst>
-    <p:bldLst>
-      <p:bldP spid="2" grpId="0"/>
-      <p:bldP spid="3" grpId="0" build="p"/>
-    </p:bldLst>
-  </p:timing>
-</p:sld>
-</file>
-
-<file path=ppt/slides/slide18.xml><?xml version="1.0" encoding="utf-8"?>
-<p:sld xmlns:a="http://schemas.openxmlformats.org/drawingml/2006/main" xmlns:r="http://schemas.openxmlformats.org/officeDocument/2006/relationships" xmlns:p="http://schemas.openxmlformats.org/presentationml/2006/main">
-  <p:cSld>
-    <p:spTree>
-      <p:nvGrpSpPr>
-        <p:cNvPr id="1" name="">
-          <a:extLst>
-            <a:ext uri="{FF2B5EF4-FFF2-40B4-BE49-F238E27FC236}">
               <a16:creationId xmlns:a16="http://schemas.microsoft.com/office/drawing/2014/main" id="{C0921438-34EC-1AA7-5139-D3DD87CCB360}"/>
             </a:ext>
           </a:extLst>
@@ -21841,6 +19617,17 @@
             </a:r>
           </a:p>
           <a:p>
+            <a:r>
+              <a:rPr lang="en-US" dirty="0"/>
+              <a:t>$_SESSION,$_COOKIES </a:t>
+            </a:r>
+            <a:r>
+              <a:rPr lang="en-US" dirty="0" err="1"/>
+              <a:t>etc</a:t>
+            </a:r>
+            <a:endParaRPr lang="en-US" dirty="0"/>
+          </a:p>
+          <a:p>
             <a:pPr marL="0" indent="0">
               <a:buNone/>
             </a:pPr>
@@ -22817,6 +20604,109 @@
                       </p:childTnLst>
                     </p:cTn>
                   </p:par>
+                  <p:par>
+                    <p:cTn id="57" fill="hold">
+                      <p:stCondLst>
+                        <p:cond delay="indefinite"/>
+                      </p:stCondLst>
+                      <p:childTnLst>
+                        <p:par>
+                          <p:cTn id="58" fill="hold">
+                            <p:stCondLst>
+                              <p:cond delay="0"/>
+                            </p:stCondLst>
+                            <p:childTnLst>
+                              <p:par>
+                                <p:cTn id="59" presetID="2" presetClass="entr" presetSubtype="4" fill="hold" grpId="0" nodeType="clickEffect">
+                                  <p:stCondLst>
+                                    <p:cond delay="0"/>
+                                  </p:stCondLst>
+                                  <p:childTnLst>
+                                    <p:set>
+                                      <p:cBhvr>
+                                        <p:cTn id="60" dur="1" fill="hold">
+                                          <p:stCondLst>
+                                            <p:cond delay="0"/>
+                                          </p:stCondLst>
+                                        </p:cTn>
+                                        <p:tgtEl>
+                                          <p:spTgt spid="3">
+                                            <p:txEl>
+                                              <p:pRg st="7" end="7"/>
+                                            </p:txEl>
+                                          </p:spTgt>
+                                        </p:tgtEl>
+                                        <p:attrNameLst>
+                                          <p:attrName>style.visibility</p:attrName>
+                                        </p:attrNameLst>
+                                      </p:cBhvr>
+                                      <p:to>
+                                        <p:strVal val="visible"/>
+                                      </p:to>
+                                    </p:set>
+                                    <p:anim calcmode="lin" valueType="num">
+                                      <p:cBhvr additive="base">
+                                        <p:cTn id="61" dur="500" fill="hold"/>
+                                        <p:tgtEl>
+                                          <p:spTgt spid="3">
+                                            <p:txEl>
+                                              <p:pRg st="7" end="7"/>
+                                            </p:txEl>
+                                          </p:spTgt>
+                                        </p:tgtEl>
+                                        <p:attrNameLst>
+                                          <p:attrName>ppt_x</p:attrName>
+                                        </p:attrNameLst>
+                                      </p:cBhvr>
+                                      <p:tavLst>
+                                        <p:tav tm="0">
+                                          <p:val>
+                                            <p:strVal val="#ppt_x"/>
+                                          </p:val>
+                                        </p:tav>
+                                        <p:tav tm="100000">
+                                          <p:val>
+                                            <p:strVal val="#ppt_x"/>
+                                          </p:val>
+                                        </p:tav>
+                                      </p:tavLst>
+                                    </p:anim>
+                                    <p:anim calcmode="lin" valueType="num">
+                                      <p:cBhvr additive="base">
+                                        <p:cTn id="62" dur="500" fill="hold"/>
+                                        <p:tgtEl>
+                                          <p:spTgt spid="3">
+                                            <p:txEl>
+                                              <p:pRg st="7" end="7"/>
+                                            </p:txEl>
+                                          </p:spTgt>
+                                        </p:tgtEl>
+                                        <p:attrNameLst>
+                                          <p:attrName>ppt_y</p:attrName>
+                                        </p:attrNameLst>
+                                      </p:cBhvr>
+                                      <p:tavLst>
+                                        <p:tav tm="0">
+                                          <p:val>
+                                            <p:strVal val="1+#ppt_h/2"/>
+                                          </p:val>
+                                        </p:tav>
+                                        <p:tav tm="100000">
+                                          <p:val>
+                                            <p:strVal val="#ppt_y"/>
+                                          </p:val>
+                                        </p:tav>
+                                      </p:tavLst>
+                                    </p:anim>
+                                  </p:childTnLst>
+                                </p:cTn>
+                              </p:par>
+                            </p:childTnLst>
+                          </p:cTn>
+                        </p:par>
+                      </p:childTnLst>
+                    </p:cTn>
+                  </p:par>
                 </p:childTnLst>
               </p:cTn>
               <p:prevCondLst>
@@ -22846,7 +20736,7 @@
 </p:sld>
 </file>
 
-<file path=ppt/slides/slide19.xml><?xml version="1.0" encoding="utf-8"?>
+<file path=ppt/slides/slide18.xml><?xml version="1.0" encoding="utf-8"?>
 <p:sld xmlns:a="http://schemas.openxmlformats.org/drawingml/2006/main" xmlns:r="http://schemas.openxmlformats.org/officeDocument/2006/relationships" xmlns:p="http://schemas.openxmlformats.org/presentationml/2006/main">
   <p:cSld>
     <p:spTree>
@@ -23017,6 +20907,1013 @@
     <p:extLst>
       <p:ext uri="{BB962C8B-B14F-4D97-AF65-F5344CB8AC3E}">
         <p14:creationId xmlns:p14="http://schemas.microsoft.com/office/powerpoint/2010/main" val="3431461721"/>
+      </p:ext>
+    </p:extLst>
+  </p:cSld>
+  <p:clrMapOvr>
+    <a:masterClrMapping/>
+  </p:clrMapOvr>
+  <p:timing>
+    <p:tnLst>
+      <p:par>
+        <p:cTn id="1" dur="indefinite" restart="never" nodeType="tmRoot">
+          <p:childTnLst>
+            <p:seq concurrent="1" nextAc="seek">
+              <p:cTn id="2" dur="indefinite" nodeType="mainSeq">
+                <p:childTnLst>
+                  <p:par>
+                    <p:cTn id="3" fill="hold">
+                      <p:stCondLst>
+                        <p:cond delay="indefinite"/>
+                      </p:stCondLst>
+                      <p:childTnLst>
+                        <p:par>
+                          <p:cTn id="4" fill="hold">
+                            <p:stCondLst>
+                              <p:cond delay="0"/>
+                            </p:stCondLst>
+                            <p:childTnLst>
+                              <p:par>
+                                <p:cTn id="5" presetID="2" presetClass="entr" presetSubtype="4" fill="hold" grpId="0" nodeType="clickEffect">
+                                  <p:stCondLst>
+                                    <p:cond delay="0"/>
+                                  </p:stCondLst>
+                                  <p:childTnLst>
+                                    <p:set>
+                                      <p:cBhvr>
+                                        <p:cTn id="6" dur="1" fill="hold">
+                                          <p:stCondLst>
+                                            <p:cond delay="0"/>
+                                          </p:stCondLst>
+                                        </p:cTn>
+                                        <p:tgtEl>
+                                          <p:spTgt spid="2"/>
+                                        </p:tgtEl>
+                                        <p:attrNameLst>
+                                          <p:attrName>style.visibility</p:attrName>
+                                        </p:attrNameLst>
+                                      </p:cBhvr>
+                                      <p:to>
+                                        <p:strVal val="visible"/>
+                                      </p:to>
+                                    </p:set>
+                                    <p:anim calcmode="lin" valueType="num">
+                                      <p:cBhvr additive="base">
+                                        <p:cTn id="7" dur="500" fill="hold"/>
+                                        <p:tgtEl>
+                                          <p:spTgt spid="2"/>
+                                        </p:tgtEl>
+                                        <p:attrNameLst>
+                                          <p:attrName>ppt_x</p:attrName>
+                                        </p:attrNameLst>
+                                      </p:cBhvr>
+                                      <p:tavLst>
+                                        <p:tav tm="0">
+                                          <p:val>
+                                            <p:strVal val="#ppt_x"/>
+                                          </p:val>
+                                        </p:tav>
+                                        <p:tav tm="100000">
+                                          <p:val>
+                                            <p:strVal val="#ppt_x"/>
+                                          </p:val>
+                                        </p:tav>
+                                      </p:tavLst>
+                                    </p:anim>
+                                    <p:anim calcmode="lin" valueType="num">
+                                      <p:cBhvr additive="base">
+                                        <p:cTn id="8" dur="500" fill="hold"/>
+                                        <p:tgtEl>
+                                          <p:spTgt spid="2"/>
+                                        </p:tgtEl>
+                                        <p:attrNameLst>
+                                          <p:attrName>ppt_y</p:attrName>
+                                        </p:attrNameLst>
+                                      </p:cBhvr>
+                                      <p:tavLst>
+                                        <p:tav tm="0">
+                                          <p:val>
+                                            <p:strVal val="1+#ppt_h/2"/>
+                                          </p:val>
+                                        </p:tav>
+                                        <p:tav tm="100000">
+                                          <p:val>
+                                            <p:strVal val="#ppt_y"/>
+                                          </p:val>
+                                        </p:tav>
+                                      </p:tavLst>
+                                    </p:anim>
+                                  </p:childTnLst>
+                                </p:cTn>
+                              </p:par>
+                            </p:childTnLst>
+                          </p:cTn>
+                        </p:par>
+                      </p:childTnLst>
+                    </p:cTn>
+                  </p:par>
+                  <p:par>
+                    <p:cTn id="9" fill="hold">
+                      <p:stCondLst>
+                        <p:cond delay="indefinite"/>
+                      </p:stCondLst>
+                      <p:childTnLst>
+                        <p:par>
+                          <p:cTn id="10" fill="hold">
+                            <p:stCondLst>
+                              <p:cond delay="0"/>
+                            </p:stCondLst>
+                            <p:childTnLst>
+                              <p:par>
+                                <p:cTn id="11" presetID="2" presetClass="entr" presetSubtype="4" fill="hold" nodeType="clickEffect">
+                                  <p:stCondLst>
+                                    <p:cond delay="0"/>
+                                  </p:stCondLst>
+                                  <p:childTnLst>
+                                    <p:set>
+                                      <p:cBhvr>
+                                        <p:cTn id="12" dur="1" fill="hold">
+                                          <p:stCondLst>
+                                            <p:cond delay="0"/>
+                                          </p:stCondLst>
+                                        </p:cTn>
+                                        <p:tgtEl>
+                                          <p:spTgt spid="5"/>
+                                        </p:tgtEl>
+                                        <p:attrNameLst>
+                                          <p:attrName>style.visibility</p:attrName>
+                                        </p:attrNameLst>
+                                      </p:cBhvr>
+                                      <p:to>
+                                        <p:strVal val="visible"/>
+                                      </p:to>
+                                    </p:set>
+                                    <p:anim calcmode="lin" valueType="num">
+                                      <p:cBhvr additive="base">
+                                        <p:cTn id="13" dur="500" fill="hold"/>
+                                        <p:tgtEl>
+                                          <p:spTgt spid="5"/>
+                                        </p:tgtEl>
+                                        <p:attrNameLst>
+                                          <p:attrName>ppt_x</p:attrName>
+                                        </p:attrNameLst>
+                                      </p:cBhvr>
+                                      <p:tavLst>
+                                        <p:tav tm="0">
+                                          <p:val>
+                                            <p:strVal val="#ppt_x"/>
+                                          </p:val>
+                                        </p:tav>
+                                        <p:tav tm="100000">
+                                          <p:val>
+                                            <p:strVal val="#ppt_x"/>
+                                          </p:val>
+                                        </p:tav>
+                                      </p:tavLst>
+                                    </p:anim>
+                                    <p:anim calcmode="lin" valueType="num">
+                                      <p:cBhvr additive="base">
+                                        <p:cTn id="14" dur="500" fill="hold"/>
+                                        <p:tgtEl>
+                                          <p:spTgt spid="5"/>
+                                        </p:tgtEl>
+                                        <p:attrNameLst>
+                                          <p:attrName>ppt_y</p:attrName>
+                                        </p:attrNameLst>
+                                      </p:cBhvr>
+                                      <p:tavLst>
+                                        <p:tav tm="0">
+                                          <p:val>
+                                            <p:strVal val="1+#ppt_h/2"/>
+                                          </p:val>
+                                        </p:tav>
+                                        <p:tav tm="100000">
+                                          <p:val>
+                                            <p:strVal val="#ppt_y"/>
+                                          </p:val>
+                                        </p:tav>
+                                      </p:tavLst>
+                                    </p:anim>
+                                  </p:childTnLst>
+                                </p:cTn>
+                              </p:par>
+                            </p:childTnLst>
+                          </p:cTn>
+                        </p:par>
+                      </p:childTnLst>
+                    </p:cTn>
+                  </p:par>
+                  <p:par>
+                    <p:cTn id="15" fill="hold">
+                      <p:stCondLst>
+                        <p:cond delay="indefinite"/>
+                      </p:stCondLst>
+                      <p:childTnLst>
+                        <p:par>
+                          <p:cTn id="16" fill="hold">
+                            <p:stCondLst>
+                              <p:cond delay="0"/>
+                            </p:stCondLst>
+                            <p:childTnLst>
+                              <p:par>
+                                <p:cTn id="17" presetID="2" presetClass="entr" presetSubtype="4" fill="hold" grpId="0" nodeType="clickEffect">
+                                  <p:stCondLst>
+                                    <p:cond delay="0"/>
+                                  </p:stCondLst>
+                                  <p:childTnLst>
+                                    <p:set>
+                                      <p:cBhvr>
+                                        <p:cTn id="18" dur="1" fill="hold">
+                                          <p:stCondLst>
+                                            <p:cond delay="0"/>
+                                          </p:stCondLst>
+                                        </p:cTn>
+                                        <p:tgtEl>
+                                          <p:spTgt spid="3">
+                                            <p:txEl>
+                                              <p:pRg st="0" end="0"/>
+                                            </p:txEl>
+                                          </p:spTgt>
+                                        </p:tgtEl>
+                                        <p:attrNameLst>
+                                          <p:attrName>style.visibility</p:attrName>
+                                        </p:attrNameLst>
+                                      </p:cBhvr>
+                                      <p:to>
+                                        <p:strVal val="visible"/>
+                                      </p:to>
+                                    </p:set>
+                                    <p:anim calcmode="lin" valueType="num">
+                                      <p:cBhvr additive="base">
+                                        <p:cTn id="19" dur="500" fill="hold"/>
+                                        <p:tgtEl>
+                                          <p:spTgt spid="3">
+                                            <p:txEl>
+                                              <p:pRg st="0" end="0"/>
+                                            </p:txEl>
+                                          </p:spTgt>
+                                        </p:tgtEl>
+                                        <p:attrNameLst>
+                                          <p:attrName>ppt_x</p:attrName>
+                                        </p:attrNameLst>
+                                      </p:cBhvr>
+                                      <p:tavLst>
+                                        <p:tav tm="0">
+                                          <p:val>
+                                            <p:strVal val="#ppt_x"/>
+                                          </p:val>
+                                        </p:tav>
+                                        <p:tav tm="100000">
+                                          <p:val>
+                                            <p:strVal val="#ppt_x"/>
+                                          </p:val>
+                                        </p:tav>
+                                      </p:tavLst>
+                                    </p:anim>
+                                    <p:anim calcmode="lin" valueType="num">
+                                      <p:cBhvr additive="base">
+                                        <p:cTn id="20" dur="500" fill="hold"/>
+                                        <p:tgtEl>
+                                          <p:spTgt spid="3">
+                                            <p:txEl>
+                                              <p:pRg st="0" end="0"/>
+                                            </p:txEl>
+                                          </p:spTgt>
+                                        </p:tgtEl>
+                                        <p:attrNameLst>
+                                          <p:attrName>ppt_y</p:attrName>
+                                        </p:attrNameLst>
+                                      </p:cBhvr>
+                                      <p:tavLst>
+                                        <p:tav tm="0">
+                                          <p:val>
+                                            <p:strVal val="1+#ppt_h/2"/>
+                                          </p:val>
+                                        </p:tav>
+                                        <p:tav tm="100000">
+                                          <p:val>
+                                            <p:strVal val="#ppt_y"/>
+                                          </p:val>
+                                        </p:tav>
+                                      </p:tavLst>
+                                    </p:anim>
+                                  </p:childTnLst>
+                                </p:cTn>
+                              </p:par>
+                            </p:childTnLst>
+                          </p:cTn>
+                        </p:par>
+                      </p:childTnLst>
+                    </p:cTn>
+                  </p:par>
+                  <p:par>
+                    <p:cTn id="21" fill="hold">
+                      <p:stCondLst>
+                        <p:cond delay="indefinite"/>
+                      </p:stCondLst>
+                      <p:childTnLst>
+                        <p:par>
+                          <p:cTn id="22" fill="hold">
+                            <p:stCondLst>
+                              <p:cond delay="0"/>
+                            </p:stCondLst>
+                            <p:childTnLst>
+                              <p:par>
+                                <p:cTn id="23" presetID="2" presetClass="entr" presetSubtype="4" fill="hold" grpId="0" nodeType="clickEffect">
+                                  <p:stCondLst>
+                                    <p:cond delay="0"/>
+                                  </p:stCondLst>
+                                  <p:childTnLst>
+                                    <p:set>
+                                      <p:cBhvr>
+                                        <p:cTn id="24" dur="1" fill="hold">
+                                          <p:stCondLst>
+                                            <p:cond delay="0"/>
+                                          </p:stCondLst>
+                                        </p:cTn>
+                                        <p:tgtEl>
+                                          <p:spTgt spid="3">
+                                            <p:txEl>
+                                              <p:pRg st="1" end="1"/>
+                                            </p:txEl>
+                                          </p:spTgt>
+                                        </p:tgtEl>
+                                        <p:attrNameLst>
+                                          <p:attrName>style.visibility</p:attrName>
+                                        </p:attrNameLst>
+                                      </p:cBhvr>
+                                      <p:to>
+                                        <p:strVal val="visible"/>
+                                      </p:to>
+                                    </p:set>
+                                    <p:anim calcmode="lin" valueType="num">
+                                      <p:cBhvr additive="base">
+                                        <p:cTn id="25" dur="500" fill="hold"/>
+                                        <p:tgtEl>
+                                          <p:spTgt spid="3">
+                                            <p:txEl>
+                                              <p:pRg st="1" end="1"/>
+                                            </p:txEl>
+                                          </p:spTgt>
+                                        </p:tgtEl>
+                                        <p:attrNameLst>
+                                          <p:attrName>ppt_x</p:attrName>
+                                        </p:attrNameLst>
+                                      </p:cBhvr>
+                                      <p:tavLst>
+                                        <p:tav tm="0">
+                                          <p:val>
+                                            <p:strVal val="#ppt_x"/>
+                                          </p:val>
+                                        </p:tav>
+                                        <p:tav tm="100000">
+                                          <p:val>
+                                            <p:strVal val="#ppt_x"/>
+                                          </p:val>
+                                        </p:tav>
+                                      </p:tavLst>
+                                    </p:anim>
+                                    <p:anim calcmode="lin" valueType="num">
+                                      <p:cBhvr additive="base">
+                                        <p:cTn id="26" dur="500" fill="hold"/>
+                                        <p:tgtEl>
+                                          <p:spTgt spid="3">
+                                            <p:txEl>
+                                              <p:pRg st="1" end="1"/>
+                                            </p:txEl>
+                                          </p:spTgt>
+                                        </p:tgtEl>
+                                        <p:attrNameLst>
+                                          <p:attrName>ppt_y</p:attrName>
+                                        </p:attrNameLst>
+                                      </p:cBhvr>
+                                      <p:tavLst>
+                                        <p:tav tm="0">
+                                          <p:val>
+                                            <p:strVal val="1+#ppt_h/2"/>
+                                          </p:val>
+                                        </p:tav>
+                                        <p:tav tm="100000">
+                                          <p:val>
+                                            <p:strVal val="#ppt_y"/>
+                                          </p:val>
+                                        </p:tav>
+                                      </p:tavLst>
+                                    </p:anim>
+                                  </p:childTnLst>
+                                </p:cTn>
+                              </p:par>
+                            </p:childTnLst>
+                          </p:cTn>
+                        </p:par>
+                      </p:childTnLst>
+                    </p:cTn>
+                  </p:par>
+                  <p:par>
+                    <p:cTn id="27" fill="hold">
+                      <p:stCondLst>
+                        <p:cond delay="indefinite"/>
+                      </p:stCondLst>
+                      <p:childTnLst>
+                        <p:par>
+                          <p:cTn id="28" fill="hold">
+                            <p:stCondLst>
+                              <p:cond delay="0"/>
+                            </p:stCondLst>
+                            <p:childTnLst>
+                              <p:par>
+                                <p:cTn id="29" presetID="2" presetClass="entr" presetSubtype="4" fill="hold" grpId="0" nodeType="clickEffect">
+                                  <p:stCondLst>
+                                    <p:cond delay="0"/>
+                                  </p:stCondLst>
+                                  <p:childTnLst>
+                                    <p:set>
+                                      <p:cBhvr>
+                                        <p:cTn id="30" dur="1" fill="hold">
+                                          <p:stCondLst>
+                                            <p:cond delay="0"/>
+                                          </p:stCondLst>
+                                        </p:cTn>
+                                        <p:tgtEl>
+                                          <p:spTgt spid="3">
+                                            <p:txEl>
+                                              <p:pRg st="2" end="2"/>
+                                            </p:txEl>
+                                          </p:spTgt>
+                                        </p:tgtEl>
+                                        <p:attrNameLst>
+                                          <p:attrName>style.visibility</p:attrName>
+                                        </p:attrNameLst>
+                                      </p:cBhvr>
+                                      <p:to>
+                                        <p:strVal val="visible"/>
+                                      </p:to>
+                                    </p:set>
+                                    <p:anim calcmode="lin" valueType="num">
+                                      <p:cBhvr additive="base">
+                                        <p:cTn id="31" dur="500" fill="hold"/>
+                                        <p:tgtEl>
+                                          <p:spTgt spid="3">
+                                            <p:txEl>
+                                              <p:pRg st="2" end="2"/>
+                                            </p:txEl>
+                                          </p:spTgt>
+                                        </p:tgtEl>
+                                        <p:attrNameLst>
+                                          <p:attrName>ppt_x</p:attrName>
+                                        </p:attrNameLst>
+                                      </p:cBhvr>
+                                      <p:tavLst>
+                                        <p:tav tm="0">
+                                          <p:val>
+                                            <p:strVal val="#ppt_x"/>
+                                          </p:val>
+                                        </p:tav>
+                                        <p:tav tm="100000">
+                                          <p:val>
+                                            <p:strVal val="#ppt_x"/>
+                                          </p:val>
+                                        </p:tav>
+                                      </p:tavLst>
+                                    </p:anim>
+                                    <p:anim calcmode="lin" valueType="num">
+                                      <p:cBhvr additive="base">
+                                        <p:cTn id="32" dur="500" fill="hold"/>
+                                        <p:tgtEl>
+                                          <p:spTgt spid="3">
+                                            <p:txEl>
+                                              <p:pRg st="2" end="2"/>
+                                            </p:txEl>
+                                          </p:spTgt>
+                                        </p:tgtEl>
+                                        <p:attrNameLst>
+                                          <p:attrName>ppt_y</p:attrName>
+                                        </p:attrNameLst>
+                                      </p:cBhvr>
+                                      <p:tavLst>
+                                        <p:tav tm="0">
+                                          <p:val>
+                                            <p:strVal val="1+#ppt_h/2"/>
+                                          </p:val>
+                                        </p:tav>
+                                        <p:tav tm="100000">
+                                          <p:val>
+                                            <p:strVal val="#ppt_y"/>
+                                          </p:val>
+                                        </p:tav>
+                                      </p:tavLst>
+                                    </p:anim>
+                                  </p:childTnLst>
+                                </p:cTn>
+                              </p:par>
+                            </p:childTnLst>
+                          </p:cTn>
+                        </p:par>
+                      </p:childTnLst>
+                    </p:cTn>
+                  </p:par>
+                  <p:par>
+                    <p:cTn id="33" fill="hold">
+                      <p:stCondLst>
+                        <p:cond delay="indefinite"/>
+                      </p:stCondLst>
+                      <p:childTnLst>
+                        <p:par>
+                          <p:cTn id="34" fill="hold">
+                            <p:stCondLst>
+                              <p:cond delay="0"/>
+                            </p:stCondLst>
+                            <p:childTnLst>
+                              <p:par>
+                                <p:cTn id="35" presetID="2" presetClass="entr" presetSubtype="4" fill="hold" grpId="0" nodeType="clickEffect">
+                                  <p:stCondLst>
+                                    <p:cond delay="0"/>
+                                  </p:stCondLst>
+                                  <p:childTnLst>
+                                    <p:set>
+                                      <p:cBhvr>
+                                        <p:cTn id="36" dur="1" fill="hold">
+                                          <p:stCondLst>
+                                            <p:cond delay="0"/>
+                                          </p:stCondLst>
+                                        </p:cTn>
+                                        <p:tgtEl>
+                                          <p:spTgt spid="3">
+                                            <p:txEl>
+                                              <p:pRg st="3" end="3"/>
+                                            </p:txEl>
+                                          </p:spTgt>
+                                        </p:tgtEl>
+                                        <p:attrNameLst>
+                                          <p:attrName>style.visibility</p:attrName>
+                                        </p:attrNameLst>
+                                      </p:cBhvr>
+                                      <p:to>
+                                        <p:strVal val="visible"/>
+                                      </p:to>
+                                    </p:set>
+                                    <p:anim calcmode="lin" valueType="num">
+                                      <p:cBhvr additive="base">
+                                        <p:cTn id="37" dur="500" fill="hold"/>
+                                        <p:tgtEl>
+                                          <p:spTgt spid="3">
+                                            <p:txEl>
+                                              <p:pRg st="3" end="3"/>
+                                            </p:txEl>
+                                          </p:spTgt>
+                                        </p:tgtEl>
+                                        <p:attrNameLst>
+                                          <p:attrName>ppt_x</p:attrName>
+                                        </p:attrNameLst>
+                                      </p:cBhvr>
+                                      <p:tavLst>
+                                        <p:tav tm="0">
+                                          <p:val>
+                                            <p:strVal val="#ppt_x"/>
+                                          </p:val>
+                                        </p:tav>
+                                        <p:tav tm="100000">
+                                          <p:val>
+                                            <p:strVal val="#ppt_x"/>
+                                          </p:val>
+                                        </p:tav>
+                                      </p:tavLst>
+                                    </p:anim>
+                                    <p:anim calcmode="lin" valueType="num">
+                                      <p:cBhvr additive="base">
+                                        <p:cTn id="38" dur="500" fill="hold"/>
+                                        <p:tgtEl>
+                                          <p:spTgt spid="3">
+                                            <p:txEl>
+                                              <p:pRg st="3" end="3"/>
+                                            </p:txEl>
+                                          </p:spTgt>
+                                        </p:tgtEl>
+                                        <p:attrNameLst>
+                                          <p:attrName>ppt_y</p:attrName>
+                                        </p:attrNameLst>
+                                      </p:cBhvr>
+                                      <p:tavLst>
+                                        <p:tav tm="0">
+                                          <p:val>
+                                            <p:strVal val="1+#ppt_h/2"/>
+                                          </p:val>
+                                        </p:tav>
+                                        <p:tav tm="100000">
+                                          <p:val>
+                                            <p:strVal val="#ppt_y"/>
+                                          </p:val>
+                                        </p:tav>
+                                      </p:tavLst>
+                                    </p:anim>
+                                  </p:childTnLst>
+                                </p:cTn>
+                              </p:par>
+                            </p:childTnLst>
+                          </p:cTn>
+                        </p:par>
+                      </p:childTnLst>
+                    </p:cTn>
+                  </p:par>
+                  <p:par>
+                    <p:cTn id="39" fill="hold">
+                      <p:stCondLst>
+                        <p:cond delay="indefinite"/>
+                      </p:stCondLst>
+                      <p:childTnLst>
+                        <p:par>
+                          <p:cTn id="40" fill="hold">
+                            <p:stCondLst>
+                              <p:cond delay="0"/>
+                            </p:stCondLst>
+                            <p:childTnLst>
+                              <p:par>
+                                <p:cTn id="41" presetID="2" presetClass="entr" presetSubtype="4" fill="hold" grpId="0" nodeType="clickEffect">
+                                  <p:stCondLst>
+                                    <p:cond delay="0"/>
+                                  </p:stCondLst>
+                                  <p:childTnLst>
+                                    <p:set>
+                                      <p:cBhvr>
+                                        <p:cTn id="42" dur="1" fill="hold">
+                                          <p:stCondLst>
+                                            <p:cond delay="0"/>
+                                          </p:stCondLst>
+                                        </p:cTn>
+                                        <p:tgtEl>
+                                          <p:spTgt spid="3">
+                                            <p:txEl>
+                                              <p:pRg st="4" end="4"/>
+                                            </p:txEl>
+                                          </p:spTgt>
+                                        </p:tgtEl>
+                                        <p:attrNameLst>
+                                          <p:attrName>style.visibility</p:attrName>
+                                        </p:attrNameLst>
+                                      </p:cBhvr>
+                                      <p:to>
+                                        <p:strVal val="visible"/>
+                                      </p:to>
+                                    </p:set>
+                                    <p:anim calcmode="lin" valueType="num">
+                                      <p:cBhvr additive="base">
+                                        <p:cTn id="43" dur="500" fill="hold"/>
+                                        <p:tgtEl>
+                                          <p:spTgt spid="3">
+                                            <p:txEl>
+                                              <p:pRg st="4" end="4"/>
+                                            </p:txEl>
+                                          </p:spTgt>
+                                        </p:tgtEl>
+                                        <p:attrNameLst>
+                                          <p:attrName>ppt_x</p:attrName>
+                                        </p:attrNameLst>
+                                      </p:cBhvr>
+                                      <p:tavLst>
+                                        <p:tav tm="0">
+                                          <p:val>
+                                            <p:strVal val="#ppt_x"/>
+                                          </p:val>
+                                        </p:tav>
+                                        <p:tav tm="100000">
+                                          <p:val>
+                                            <p:strVal val="#ppt_x"/>
+                                          </p:val>
+                                        </p:tav>
+                                      </p:tavLst>
+                                    </p:anim>
+                                    <p:anim calcmode="lin" valueType="num">
+                                      <p:cBhvr additive="base">
+                                        <p:cTn id="44" dur="500" fill="hold"/>
+                                        <p:tgtEl>
+                                          <p:spTgt spid="3">
+                                            <p:txEl>
+                                              <p:pRg st="4" end="4"/>
+                                            </p:txEl>
+                                          </p:spTgt>
+                                        </p:tgtEl>
+                                        <p:attrNameLst>
+                                          <p:attrName>ppt_y</p:attrName>
+                                        </p:attrNameLst>
+                                      </p:cBhvr>
+                                      <p:tavLst>
+                                        <p:tav tm="0">
+                                          <p:val>
+                                            <p:strVal val="1+#ppt_h/2"/>
+                                          </p:val>
+                                        </p:tav>
+                                        <p:tav tm="100000">
+                                          <p:val>
+                                            <p:strVal val="#ppt_y"/>
+                                          </p:val>
+                                        </p:tav>
+                                      </p:tavLst>
+                                    </p:anim>
+                                  </p:childTnLst>
+                                </p:cTn>
+                              </p:par>
+                            </p:childTnLst>
+                          </p:cTn>
+                        </p:par>
+                      </p:childTnLst>
+                    </p:cTn>
+                  </p:par>
+                  <p:par>
+                    <p:cTn id="45" fill="hold">
+                      <p:stCondLst>
+                        <p:cond delay="indefinite"/>
+                      </p:stCondLst>
+                      <p:childTnLst>
+                        <p:par>
+                          <p:cTn id="46" fill="hold">
+                            <p:stCondLst>
+                              <p:cond delay="0"/>
+                            </p:stCondLst>
+                            <p:childTnLst>
+                              <p:par>
+                                <p:cTn id="47" presetID="2" presetClass="entr" presetSubtype="4" fill="hold" grpId="0" nodeType="clickEffect">
+                                  <p:stCondLst>
+                                    <p:cond delay="0"/>
+                                  </p:stCondLst>
+                                  <p:childTnLst>
+                                    <p:set>
+                                      <p:cBhvr>
+                                        <p:cTn id="48" dur="1" fill="hold">
+                                          <p:stCondLst>
+                                            <p:cond delay="0"/>
+                                          </p:stCondLst>
+                                        </p:cTn>
+                                        <p:tgtEl>
+                                          <p:spTgt spid="3">
+                                            <p:txEl>
+                                              <p:pRg st="5" end="5"/>
+                                            </p:txEl>
+                                          </p:spTgt>
+                                        </p:tgtEl>
+                                        <p:attrNameLst>
+                                          <p:attrName>style.visibility</p:attrName>
+                                        </p:attrNameLst>
+                                      </p:cBhvr>
+                                      <p:to>
+                                        <p:strVal val="visible"/>
+                                      </p:to>
+                                    </p:set>
+                                    <p:anim calcmode="lin" valueType="num">
+                                      <p:cBhvr additive="base">
+                                        <p:cTn id="49" dur="500" fill="hold"/>
+                                        <p:tgtEl>
+                                          <p:spTgt spid="3">
+                                            <p:txEl>
+                                              <p:pRg st="5" end="5"/>
+                                            </p:txEl>
+                                          </p:spTgt>
+                                        </p:tgtEl>
+                                        <p:attrNameLst>
+                                          <p:attrName>ppt_x</p:attrName>
+                                        </p:attrNameLst>
+                                      </p:cBhvr>
+                                      <p:tavLst>
+                                        <p:tav tm="0">
+                                          <p:val>
+                                            <p:strVal val="#ppt_x"/>
+                                          </p:val>
+                                        </p:tav>
+                                        <p:tav tm="100000">
+                                          <p:val>
+                                            <p:strVal val="#ppt_x"/>
+                                          </p:val>
+                                        </p:tav>
+                                      </p:tavLst>
+                                    </p:anim>
+                                    <p:anim calcmode="lin" valueType="num">
+                                      <p:cBhvr additive="base">
+                                        <p:cTn id="50" dur="500" fill="hold"/>
+                                        <p:tgtEl>
+                                          <p:spTgt spid="3">
+                                            <p:txEl>
+                                              <p:pRg st="5" end="5"/>
+                                            </p:txEl>
+                                          </p:spTgt>
+                                        </p:tgtEl>
+                                        <p:attrNameLst>
+                                          <p:attrName>ppt_y</p:attrName>
+                                        </p:attrNameLst>
+                                      </p:cBhvr>
+                                      <p:tavLst>
+                                        <p:tav tm="0">
+                                          <p:val>
+                                            <p:strVal val="1+#ppt_h/2"/>
+                                          </p:val>
+                                        </p:tav>
+                                        <p:tav tm="100000">
+                                          <p:val>
+                                            <p:strVal val="#ppt_y"/>
+                                          </p:val>
+                                        </p:tav>
+                                      </p:tavLst>
+                                    </p:anim>
+                                  </p:childTnLst>
+                                </p:cTn>
+                              </p:par>
+                            </p:childTnLst>
+                          </p:cTn>
+                        </p:par>
+                      </p:childTnLst>
+                    </p:cTn>
+                  </p:par>
+                </p:childTnLst>
+              </p:cTn>
+              <p:prevCondLst>
+                <p:cond evt="onPrev" delay="0">
+                  <p:tgtEl>
+                    <p:sldTgt/>
+                  </p:tgtEl>
+                </p:cond>
+              </p:prevCondLst>
+              <p:nextCondLst>
+                <p:cond evt="onNext" delay="0">
+                  <p:tgtEl>
+                    <p:sldTgt/>
+                  </p:tgtEl>
+                </p:cond>
+              </p:nextCondLst>
+            </p:seq>
+          </p:childTnLst>
+        </p:cTn>
+      </p:par>
+    </p:tnLst>
+    <p:bldLst>
+      <p:bldP spid="2" grpId="0"/>
+      <p:bldP spid="3" grpId="0" build="p"/>
+    </p:bldLst>
+  </p:timing>
+</p:sld>
+</file>
+
+<file path=ppt/slides/slide19.xml><?xml version="1.0" encoding="utf-8"?>
+<p:sld xmlns:a="http://schemas.openxmlformats.org/drawingml/2006/main" xmlns:r="http://schemas.openxmlformats.org/officeDocument/2006/relationships" xmlns:p="http://schemas.openxmlformats.org/presentationml/2006/main">
+  <p:cSld>
+    <p:spTree>
+      <p:nvGrpSpPr>
+        <p:cNvPr id="1" name="">
+          <a:extLst>
+            <a:ext uri="{FF2B5EF4-FFF2-40B4-BE49-F238E27FC236}">
+              <a16:creationId xmlns:a16="http://schemas.microsoft.com/office/drawing/2014/main" id="{3821971E-7414-D856-5FE4-5A90C1FA9690}"/>
+            </a:ext>
+          </a:extLst>
+        </p:cNvPr>
+        <p:cNvGrpSpPr/>
+        <p:nvPr/>
+      </p:nvGrpSpPr>
+      <p:grpSpPr>
+        <a:xfrm>
+          <a:off x="0" y="0"/>
+          <a:ext cx="0" cy="0"/>
+          <a:chOff x="0" y="0"/>
+          <a:chExt cx="0" cy="0"/>
+        </a:xfrm>
+      </p:grpSpPr>
+      <p:sp>
+        <p:nvSpPr>
+          <p:cNvPr id="2" name="Title 1">
+            <a:extLst>
+              <a:ext uri="{FF2B5EF4-FFF2-40B4-BE49-F238E27FC236}">
+                <a16:creationId xmlns:a16="http://schemas.microsoft.com/office/drawing/2014/main" id="{68BF77E3-1F1E-F16B-02E4-ADD1ABF4DD52}"/>
+              </a:ext>
+            </a:extLst>
+          </p:cNvPr>
+          <p:cNvSpPr>
+            <a:spLocks noGrp="1"/>
+          </p:cNvSpPr>
+          <p:nvPr>
+            <p:ph type="title"/>
+          </p:nvPr>
+        </p:nvSpPr>
+        <p:spPr/>
+        <p:txBody>
+          <a:bodyPr/>
+          <a:lstStyle/>
+          <a:p>
+            <a:r>
+              <a:rPr lang="en-US" dirty="0"/>
+              <a:t>Our Road map for Web Development</a:t>
+            </a:r>
+          </a:p>
+        </p:txBody>
+      </p:sp>
+      <p:sp>
+        <p:nvSpPr>
+          <p:cNvPr id="3" name="Content Placeholder 2">
+            <a:extLst>
+              <a:ext uri="{FF2B5EF4-FFF2-40B4-BE49-F238E27FC236}">
+                <a16:creationId xmlns:a16="http://schemas.microsoft.com/office/drawing/2014/main" id="{0EC3D1FA-A272-9EC0-02BB-05199E6450AB}"/>
+              </a:ext>
+            </a:extLst>
+          </p:cNvPr>
+          <p:cNvSpPr>
+            <a:spLocks noGrp="1"/>
+          </p:cNvSpPr>
+          <p:nvPr>
+            <p:ph idx="1"/>
+          </p:nvPr>
+        </p:nvSpPr>
+        <p:spPr>
+          <a:xfrm>
+            <a:off x="926691" y="1962868"/>
+            <a:ext cx="10515600" cy="4351338"/>
+          </a:xfrm>
+        </p:spPr>
+        <p:txBody>
+          <a:bodyPr anchor="t">
+            <a:normAutofit/>
+          </a:bodyPr>
+          <a:lstStyle/>
+          <a:p>
+            <a:pPr marL="0" indent="0">
+              <a:buNone/>
+            </a:pPr>
+            <a:r>
+              <a:rPr lang="en-US" b="1" dirty="0"/>
+              <a:t>📅 Week 7: PHP Framework (Laravel / etc.)</a:t>
+            </a:r>
+          </a:p>
+          <a:p>
+            <a:r>
+              <a:rPr lang="en-US" dirty="0"/>
+              <a:t>Environment setup (Laravel/Other)</a:t>
+            </a:r>
+          </a:p>
+          <a:p>
+            <a:r>
+              <a:rPr lang="en-US" dirty="0"/>
+              <a:t>MVC Architecture</a:t>
+            </a:r>
+          </a:p>
+          <a:p>
+            <a:r>
+              <a:rPr lang="en-US" dirty="0"/>
+              <a:t>Routing</a:t>
+            </a:r>
+          </a:p>
+          <a:p>
+            <a:r>
+              <a:rPr lang="en-US" dirty="0"/>
+              <a:t>Views (Blade templates if Laravel)</a:t>
+            </a:r>
+          </a:p>
+          <a:p>
+            <a:r>
+              <a:rPr lang="en-US" dirty="0"/>
+              <a:t>Database Migrations</a:t>
+            </a:r>
+          </a:p>
+        </p:txBody>
+      </p:sp>
+      <p:cxnSp>
+        <p:nvCxnSpPr>
+          <p:cNvPr id="5" name="Straight Connector 4">
+            <a:extLst>
+              <a:ext uri="{FF2B5EF4-FFF2-40B4-BE49-F238E27FC236}">
+                <a16:creationId xmlns:a16="http://schemas.microsoft.com/office/drawing/2014/main" id="{BEA3442D-7B3A-E830-1AE5-A8813910C427}"/>
+              </a:ext>
+            </a:extLst>
+          </p:cNvPr>
+          <p:cNvCxnSpPr/>
+          <p:nvPr/>
+        </p:nvCxnSpPr>
+        <p:spPr>
+          <a:xfrm>
+            <a:off x="838200" y="1676400"/>
+            <a:ext cx="10515600" cy="0"/>
+          </a:xfrm>
+          <a:prstGeom prst="line">
+            <a:avLst/>
+          </a:prstGeom>
+          <a:ln w="38100">
+            <a:solidFill>
+              <a:schemeClr val="tx1"/>
+            </a:solidFill>
+          </a:ln>
+        </p:spPr>
+        <p:style>
+          <a:lnRef idx="3">
+            <a:schemeClr val="dk1"/>
+          </a:lnRef>
+          <a:fillRef idx="0">
+            <a:schemeClr val="dk1"/>
+          </a:fillRef>
+          <a:effectRef idx="2">
+            <a:schemeClr val="dk1"/>
+          </a:effectRef>
+          <a:fontRef idx="minor">
+            <a:schemeClr val="tx1"/>
+          </a:fontRef>
+        </p:style>
+      </p:cxnSp>
+    </p:spTree>
+    <p:extLst>
+      <p:ext uri="{BB962C8B-B14F-4D97-AF65-F5344CB8AC3E}">
+        <p14:creationId xmlns:p14="http://schemas.microsoft.com/office/powerpoint/2010/main" val="1828890150"/>
       </p:ext>
     </p:extLst>
   </p:cSld>
@@ -24550,1013 +23447,6 @@
         <p:cNvPr id="1" name="">
           <a:extLst>
             <a:ext uri="{FF2B5EF4-FFF2-40B4-BE49-F238E27FC236}">
-              <a16:creationId xmlns:a16="http://schemas.microsoft.com/office/drawing/2014/main" id="{3821971E-7414-D856-5FE4-5A90C1FA9690}"/>
-            </a:ext>
-          </a:extLst>
-        </p:cNvPr>
-        <p:cNvGrpSpPr/>
-        <p:nvPr/>
-      </p:nvGrpSpPr>
-      <p:grpSpPr>
-        <a:xfrm>
-          <a:off x="0" y="0"/>
-          <a:ext cx="0" cy="0"/>
-          <a:chOff x="0" y="0"/>
-          <a:chExt cx="0" cy="0"/>
-        </a:xfrm>
-      </p:grpSpPr>
-      <p:sp>
-        <p:nvSpPr>
-          <p:cNvPr id="2" name="Title 1">
-            <a:extLst>
-              <a:ext uri="{FF2B5EF4-FFF2-40B4-BE49-F238E27FC236}">
-                <a16:creationId xmlns:a16="http://schemas.microsoft.com/office/drawing/2014/main" id="{68BF77E3-1F1E-F16B-02E4-ADD1ABF4DD52}"/>
-              </a:ext>
-            </a:extLst>
-          </p:cNvPr>
-          <p:cNvSpPr>
-            <a:spLocks noGrp="1"/>
-          </p:cNvSpPr>
-          <p:nvPr>
-            <p:ph type="title"/>
-          </p:nvPr>
-        </p:nvSpPr>
-        <p:spPr/>
-        <p:txBody>
-          <a:bodyPr/>
-          <a:lstStyle/>
-          <a:p>
-            <a:r>
-              <a:rPr lang="en-US" dirty="0"/>
-              <a:t>Our Road map for Web Development</a:t>
-            </a:r>
-          </a:p>
-        </p:txBody>
-      </p:sp>
-      <p:sp>
-        <p:nvSpPr>
-          <p:cNvPr id="3" name="Content Placeholder 2">
-            <a:extLst>
-              <a:ext uri="{FF2B5EF4-FFF2-40B4-BE49-F238E27FC236}">
-                <a16:creationId xmlns:a16="http://schemas.microsoft.com/office/drawing/2014/main" id="{0EC3D1FA-A272-9EC0-02BB-05199E6450AB}"/>
-              </a:ext>
-            </a:extLst>
-          </p:cNvPr>
-          <p:cNvSpPr>
-            <a:spLocks noGrp="1"/>
-          </p:cNvSpPr>
-          <p:nvPr>
-            <p:ph idx="1"/>
-          </p:nvPr>
-        </p:nvSpPr>
-        <p:spPr>
-          <a:xfrm>
-            <a:off x="926691" y="1962868"/>
-            <a:ext cx="10515600" cy="4351338"/>
-          </a:xfrm>
-        </p:spPr>
-        <p:txBody>
-          <a:bodyPr anchor="t">
-            <a:normAutofit/>
-          </a:bodyPr>
-          <a:lstStyle/>
-          <a:p>
-            <a:pPr marL="0" indent="0">
-              <a:buNone/>
-            </a:pPr>
-            <a:r>
-              <a:rPr lang="en-US" b="1" dirty="0"/>
-              <a:t>📅 Week 7: PHP Framework (Laravel / etc.)</a:t>
-            </a:r>
-          </a:p>
-          <a:p>
-            <a:r>
-              <a:rPr lang="en-US" dirty="0"/>
-              <a:t>Environment setup (Laravel/Other)</a:t>
-            </a:r>
-          </a:p>
-          <a:p>
-            <a:r>
-              <a:rPr lang="en-US" dirty="0"/>
-              <a:t>MVC Architecture</a:t>
-            </a:r>
-          </a:p>
-          <a:p>
-            <a:r>
-              <a:rPr lang="en-US" dirty="0"/>
-              <a:t>Routing</a:t>
-            </a:r>
-          </a:p>
-          <a:p>
-            <a:r>
-              <a:rPr lang="en-US" dirty="0"/>
-              <a:t>Views (Blade templates if Laravel)</a:t>
-            </a:r>
-          </a:p>
-          <a:p>
-            <a:r>
-              <a:rPr lang="en-US" dirty="0"/>
-              <a:t>Database Migrations</a:t>
-            </a:r>
-          </a:p>
-        </p:txBody>
-      </p:sp>
-      <p:cxnSp>
-        <p:nvCxnSpPr>
-          <p:cNvPr id="5" name="Straight Connector 4">
-            <a:extLst>
-              <a:ext uri="{FF2B5EF4-FFF2-40B4-BE49-F238E27FC236}">
-                <a16:creationId xmlns:a16="http://schemas.microsoft.com/office/drawing/2014/main" id="{BEA3442D-7B3A-E830-1AE5-A8813910C427}"/>
-              </a:ext>
-            </a:extLst>
-          </p:cNvPr>
-          <p:cNvCxnSpPr/>
-          <p:nvPr/>
-        </p:nvCxnSpPr>
-        <p:spPr>
-          <a:xfrm>
-            <a:off x="838200" y="1676400"/>
-            <a:ext cx="10515600" cy="0"/>
-          </a:xfrm>
-          <a:prstGeom prst="line">
-            <a:avLst/>
-          </a:prstGeom>
-          <a:ln w="38100">
-            <a:solidFill>
-              <a:schemeClr val="tx1"/>
-            </a:solidFill>
-          </a:ln>
-        </p:spPr>
-        <p:style>
-          <a:lnRef idx="3">
-            <a:schemeClr val="dk1"/>
-          </a:lnRef>
-          <a:fillRef idx="0">
-            <a:schemeClr val="dk1"/>
-          </a:fillRef>
-          <a:effectRef idx="2">
-            <a:schemeClr val="dk1"/>
-          </a:effectRef>
-          <a:fontRef idx="minor">
-            <a:schemeClr val="tx1"/>
-          </a:fontRef>
-        </p:style>
-      </p:cxnSp>
-    </p:spTree>
-    <p:extLst>
-      <p:ext uri="{BB962C8B-B14F-4D97-AF65-F5344CB8AC3E}">
-        <p14:creationId xmlns:p14="http://schemas.microsoft.com/office/powerpoint/2010/main" val="1828890150"/>
-      </p:ext>
-    </p:extLst>
-  </p:cSld>
-  <p:clrMapOvr>
-    <a:masterClrMapping/>
-  </p:clrMapOvr>
-  <p:timing>
-    <p:tnLst>
-      <p:par>
-        <p:cTn id="1" dur="indefinite" restart="never" nodeType="tmRoot">
-          <p:childTnLst>
-            <p:seq concurrent="1" nextAc="seek">
-              <p:cTn id="2" dur="indefinite" nodeType="mainSeq">
-                <p:childTnLst>
-                  <p:par>
-                    <p:cTn id="3" fill="hold">
-                      <p:stCondLst>
-                        <p:cond delay="indefinite"/>
-                      </p:stCondLst>
-                      <p:childTnLst>
-                        <p:par>
-                          <p:cTn id="4" fill="hold">
-                            <p:stCondLst>
-                              <p:cond delay="0"/>
-                            </p:stCondLst>
-                            <p:childTnLst>
-                              <p:par>
-                                <p:cTn id="5" presetID="2" presetClass="entr" presetSubtype="4" fill="hold" grpId="0" nodeType="clickEffect">
-                                  <p:stCondLst>
-                                    <p:cond delay="0"/>
-                                  </p:stCondLst>
-                                  <p:childTnLst>
-                                    <p:set>
-                                      <p:cBhvr>
-                                        <p:cTn id="6" dur="1" fill="hold">
-                                          <p:stCondLst>
-                                            <p:cond delay="0"/>
-                                          </p:stCondLst>
-                                        </p:cTn>
-                                        <p:tgtEl>
-                                          <p:spTgt spid="2"/>
-                                        </p:tgtEl>
-                                        <p:attrNameLst>
-                                          <p:attrName>style.visibility</p:attrName>
-                                        </p:attrNameLst>
-                                      </p:cBhvr>
-                                      <p:to>
-                                        <p:strVal val="visible"/>
-                                      </p:to>
-                                    </p:set>
-                                    <p:anim calcmode="lin" valueType="num">
-                                      <p:cBhvr additive="base">
-                                        <p:cTn id="7" dur="500" fill="hold"/>
-                                        <p:tgtEl>
-                                          <p:spTgt spid="2"/>
-                                        </p:tgtEl>
-                                        <p:attrNameLst>
-                                          <p:attrName>ppt_x</p:attrName>
-                                        </p:attrNameLst>
-                                      </p:cBhvr>
-                                      <p:tavLst>
-                                        <p:tav tm="0">
-                                          <p:val>
-                                            <p:strVal val="#ppt_x"/>
-                                          </p:val>
-                                        </p:tav>
-                                        <p:tav tm="100000">
-                                          <p:val>
-                                            <p:strVal val="#ppt_x"/>
-                                          </p:val>
-                                        </p:tav>
-                                      </p:tavLst>
-                                    </p:anim>
-                                    <p:anim calcmode="lin" valueType="num">
-                                      <p:cBhvr additive="base">
-                                        <p:cTn id="8" dur="500" fill="hold"/>
-                                        <p:tgtEl>
-                                          <p:spTgt spid="2"/>
-                                        </p:tgtEl>
-                                        <p:attrNameLst>
-                                          <p:attrName>ppt_y</p:attrName>
-                                        </p:attrNameLst>
-                                      </p:cBhvr>
-                                      <p:tavLst>
-                                        <p:tav tm="0">
-                                          <p:val>
-                                            <p:strVal val="1+#ppt_h/2"/>
-                                          </p:val>
-                                        </p:tav>
-                                        <p:tav tm="100000">
-                                          <p:val>
-                                            <p:strVal val="#ppt_y"/>
-                                          </p:val>
-                                        </p:tav>
-                                      </p:tavLst>
-                                    </p:anim>
-                                  </p:childTnLst>
-                                </p:cTn>
-                              </p:par>
-                            </p:childTnLst>
-                          </p:cTn>
-                        </p:par>
-                      </p:childTnLst>
-                    </p:cTn>
-                  </p:par>
-                  <p:par>
-                    <p:cTn id="9" fill="hold">
-                      <p:stCondLst>
-                        <p:cond delay="indefinite"/>
-                      </p:stCondLst>
-                      <p:childTnLst>
-                        <p:par>
-                          <p:cTn id="10" fill="hold">
-                            <p:stCondLst>
-                              <p:cond delay="0"/>
-                            </p:stCondLst>
-                            <p:childTnLst>
-                              <p:par>
-                                <p:cTn id="11" presetID="2" presetClass="entr" presetSubtype="4" fill="hold" nodeType="clickEffect">
-                                  <p:stCondLst>
-                                    <p:cond delay="0"/>
-                                  </p:stCondLst>
-                                  <p:childTnLst>
-                                    <p:set>
-                                      <p:cBhvr>
-                                        <p:cTn id="12" dur="1" fill="hold">
-                                          <p:stCondLst>
-                                            <p:cond delay="0"/>
-                                          </p:stCondLst>
-                                        </p:cTn>
-                                        <p:tgtEl>
-                                          <p:spTgt spid="5"/>
-                                        </p:tgtEl>
-                                        <p:attrNameLst>
-                                          <p:attrName>style.visibility</p:attrName>
-                                        </p:attrNameLst>
-                                      </p:cBhvr>
-                                      <p:to>
-                                        <p:strVal val="visible"/>
-                                      </p:to>
-                                    </p:set>
-                                    <p:anim calcmode="lin" valueType="num">
-                                      <p:cBhvr additive="base">
-                                        <p:cTn id="13" dur="500" fill="hold"/>
-                                        <p:tgtEl>
-                                          <p:spTgt spid="5"/>
-                                        </p:tgtEl>
-                                        <p:attrNameLst>
-                                          <p:attrName>ppt_x</p:attrName>
-                                        </p:attrNameLst>
-                                      </p:cBhvr>
-                                      <p:tavLst>
-                                        <p:tav tm="0">
-                                          <p:val>
-                                            <p:strVal val="#ppt_x"/>
-                                          </p:val>
-                                        </p:tav>
-                                        <p:tav tm="100000">
-                                          <p:val>
-                                            <p:strVal val="#ppt_x"/>
-                                          </p:val>
-                                        </p:tav>
-                                      </p:tavLst>
-                                    </p:anim>
-                                    <p:anim calcmode="lin" valueType="num">
-                                      <p:cBhvr additive="base">
-                                        <p:cTn id="14" dur="500" fill="hold"/>
-                                        <p:tgtEl>
-                                          <p:spTgt spid="5"/>
-                                        </p:tgtEl>
-                                        <p:attrNameLst>
-                                          <p:attrName>ppt_y</p:attrName>
-                                        </p:attrNameLst>
-                                      </p:cBhvr>
-                                      <p:tavLst>
-                                        <p:tav tm="0">
-                                          <p:val>
-                                            <p:strVal val="1+#ppt_h/2"/>
-                                          </p:val>
-                                        </p:tav>
-                                        <p:tav tm="100000">
-                                          <p:val>
-                                            <p:strVal val="#ppt_y"/>
-                                          </p:val>
-                                        </p:tav>
-                                      </p:tavLst>
-                                    </p:anim>
-                                  </p:childTnLst>
-                                </p:cTn>
-                              </p:par>
-                            </p:childTnLst>
-                          </p:cTn>
-                        </p:par>
-                      </p:childTnLst>
-                    </p:cTn>
-                  </p:par>
-                  <p:par>
-                    <p:cTn id="15" fill="hold">
-                      <p:stCondLst>
-                        <p:cond delay="indefinite"/>
-                      </p:stCondLst>
-                      <p:childTnLst>
-                        <p:par>
-                          <p:cTn id="16" fill="hold">
-                            <p:stCondLst>
-                              <p:cond delay="0"/>
-                            </p:stCondLst>
-                            <p:childTnLst>
-                              <p:par>
-                                <p:cTn id="17" presetID="2" presetClass="entr" presetSubtype="4" fill="hold" grpId="0" nodeType="clickEffect">
-                                  <p:stCondLst>
-                                    <p:cond delay="0"/>
-                                  </p:stCondLst>
-                                  <p:childTnLst>
-                                    <p:set>
-                                      <p:cBhvr>
-                                        <p:cTn id="18" dur="1" fill="hold">
-                                          <p:stCondLst>
-                                            <p:cond delay="0"/>
-                                          </p:stCondLst>
-                                        </p:cTn>
-                                        <p:tgtEl>
-                                          <p:spTgt spid="3">
-                                            <p:txEl>
-                                              <p:pRg st="0" end="0"/>
-                                            </p:txEl>
-                                          </p:spTgt>
-                                        </p:tgtEl>
-                                        <p:attrNameLst>
-                                          <p:attrName>style.visibility</p:attrName>
-                                        </p:attrNameLst>
-                                      </p:cBhvr>
-                                      <p:to>
-                                        <p:strVal val="visible"/>
-                                      </p:to>
-                                    </p:set>
-                                    <p:anim calcmode="lin" valueType="num">
-                                      <p:cBhvr additive="base">
-                                        <p:cTn id="19" dur="500" fill="hold"/>
-                                        <p:tgtEl>
-                                          <p:spTgt spid="3">
-                                            <p:txEl>
-                                              <p:pRg st="0" end="0"/>
-                                            </p:txEl>
-                                          </p:spTgt>
-                                        </p:tgtEl>
-                                        <p:attrNameLst>
-                                          <p:attrName>ppt_x</p:attrName>
-                                        </p:attrNameLst>
-                                      </p:cBhvr>
-                                      <p:tavLst>
-                                        <p:tav tm="0">
-                                          <p:val>
-                                            <p:strVal val="#ppt_x"/>
-                                          </p:val>
-                                        </p:tav>
-                                        <p:tav tm="100000">
-                                          <p:val>
-                                            <p:strVal val="#ppt_x"/>
-                                          </p:val>
-                                        </p:tav>
-                                      </p:tavLst>
-                                    </p:anim>
-                                    <p:anim calcmode="lin" valueType="num">
-                                      <p:cBhvr additive="base">
-                                        <p:cTn id="20" dur="500" fill="hold"/>
-                                        <p:tgtEl>
-                                          <p:spTgt spid="3">
-                                            <p:txEl>
-                                              <p:pRg st="0" end="0"/>
-                                            </p:txEl>
-                                          </p:spTgt>
-                                        </p:tgtEl>
-                                        <p:attrNameLst>
-                                          <p:attrName>ppt_y</p:attrName>
-                                        </p:attrNameLst>
-                                      </p:cBhvr>
-                                      <p:tavLst>
-                                        <p:tav tm="0">
-                                          <p:val>
-                                            <p:strVal val="1+#ppt_h/2"/>
-                                          </p:val>
-                                        </p:tav>
-                                        <p:tav tm="100000">
-                                          <p:val>
-                                            <p:strVal val="#ppt_y"/>
-                                          </p:val>
-                                        </p:tav>
-                                      </p:tavLst>
-                                    </p:anim>
-                                  </p:childTnLst>
-                                </p:cTn>
-                              </p:par>
-                            </p:childTnLst>
-                          </p:cTn>
-                        </p:par>
-                      </p:childTnLst>
-                    </p:cTn>
-                  </p:par>
-                  <p:par>
-                    <p:cTn id="21" fill="hold">
-                      <p:stCondLst>
-                        <p:cond delay="indefinite"/>
-                      </p:stCondLst>
-                      <p:childTnLst>
-                        <p:par>
-                          <p:cTn id="22" fill="hold">
-                            <p:stCondLst>
-                              <p:cond delay="0"/>
-                            </p:stCondLst>
-                            <p:childTnLst>
-                              <p:par>
-                                <p:cTn id="23" presetID="2" presetClass="entr" presetSubtype="4" fill="hold" grpId="0" nodeType="clickEffect">
-                                  <p:stCondLst>
-                                    <p:cond delay="0"/>
-                                  </p:stCondLst>
-                                  <p:childTnLst>
-                                    <p:set>
-                                      <p:cBhvr>
-                                        <p:cTn id="24" dur="1" fill="hold">
-                                          <p:stCondLst>
-                                            <p:cond delay="0"/>
-                                          </p:stCondLst>
-                                        </p:cTn>
-                                        <p:tgtEl>
-                                          <p:spTgt spid="3">
-                                            <p:txEl>
-                                              <p:pRg st="1" end="1"/>
-                                            </p:txEl>
-                                          </p:spTgt>
-                                        </p:tgtEl>
-                                        <p:attrNameLst>
-                                          <p:attrName>style.visibility</p:attrName>
-                                        </p:attrNameLst>
-                                      </p:cBhvr>
-                                      <p:to>
-                                        <p:strVal val="visible"/>
-                                      </p:to>
-                                    </p:set>
-                                    <p:anim calcmode="lin" valueType="num">
-                                      <p:cBhvr additive="base">
-                                        <p:cTn id="25" dur="500" fill="hold"/>
-                                        <p:tgtEl>
-                                          <p:spTgt spid="3">
-                                            <p:txEl>
-                                              <p:pRg st="1" end="1"/>
-                                            </p:txEl>
-                                          </p:spTgt>
-                                        </p:tgtEl>
-                                        <p:attrNameLst>
-                                          <p:attrName>ppt_x</p:attrName>
-                                        </p:attrNameLst>
-                                      </p:cBhvr>
-                                      <p:tavLst>
-                                        <p:tav tm="0">
-                                          <p:val>
-                                            <p:strVal val="#ppt_x"/>
-                                          </p:val>
-                                        </p:tav>
-                                        <p:tav tm="100000">
-                                          <p:val>
-                                            <p:strVal val="#ppt_x"/>
-                                          </p:val>
-                                        </p:tav>
-                                      </p:tavLst>
-                                    </p:anim>
-                                    <p:anim calcmode="lin" valueType="num">
-                                      <p:cBhvr additive="base">
-                                        <p:cTn id="26" dur="500" fill="hold"/>
-                                        <p:tgtEl>
-                                          <p:spTgt spid="3">
-                                            <p:txEl>
-                                              <p:pRg st="1" end="1"/>
-                                            </p:txEl>
-                                          </p:spTgt>
-                                        </p:tgtEl>
-                                        <p:attrNameLst>
-                                          <p:attrName>ppt_y</p:attrName>
-                                        </p:attrNameLst>
-                                      </p:cBhvr>
-                                      <p:tavLst>
-                                        <p:tav tm="0">
-                                          <p:val>
-                                            <p:strVal val="1+#ppt_h/2"/>
-                                          </p:val>
-                                        </p:tav>
-                                        <p:tav tm="100000">
-                                          <p:val>
-                                            <p:strVal val="#ppt_y"/>
-                                          </p:val>
-                                        </p:tav>
-                                      </p:tavLst>
-                                    </p:anim>
-                                  </p:childTnLst>
-                                </p:cTn>
-                              </p:par>
-                            </p:childTnLst>
-                          </p:cTn>
-                        </p:par>
-                      </p:childTnLst>
-                    </p:cTn>
-                  </p:par>
-                  <p:par>
-                    <p:cTn id="27" fill="hold">
-                      <p:stCondLst>
-                        <p:cond delay="indefinite"/>
-                      </p:stCondLst>
-                      <p:childTnLst>
-                        <p:par>
-                          <p:cTn id="28" fill="hold">
-                            <p:stCondLst>
-                              <p:cond delay="0"/>
-                            </p:stCondLst>
-                            <p:childTnLst>
-                              <p:par>
-                                <p:cTn id="29" presetID="2" presetClass="entr" presetSubtype="4" fill="hold" grpId="0" nodeType="clickEffect">
-                                  <p:stCondLst>
-                                    <p:cond delay="0"/>
-                                  </p:stCondLst>
-                                  <p:childTnLst>
-                                    <p:set>
-                                      <p:cBhvr>
-                                        <p:cTn id="30" dur="1" fill="hold">
-                                          <p:stCondLst>
-                                            <p:cond delay="0"/>
-                                          </p:stCondLst>
-                                        </p:cTn>
-                                        <p:tgtEl>
-                                          <p:spTgt spid="3">
-                                            <p:txEl>
-                                              <p:pRg st="2" end="2"/>
-                                            </p:txEl>
-                                          </p:spTgt>
-                                        </p:tgtEl>
-                                        <p:attrNameLst>
-                                          <p:attrName>style.visibility</p:attrName>
-                                        </p:attrNameLst>
-                                      </p:cBhvr>
-                                      <p:to>
-                                        <p:strVal val="visible"/>
-                                      </p:to>
-                                    </p:set>
-                                    <p:anim calcmode="lin" valueType="num">
-                                      <p:cBhvr additive="base">
-                                        <p:cTn id="31" dur="500" fill="hold"/>
-                                        <p:tgtEl>
-                                          <p:spTgt spid="3">
-                                            <p:txEl>
-                                              <p:pRg st="2" end="2"/>
-                                            </p:txEl>
-                                          </p:spTgt>
-                                        </p:tgtEl>
-                                        <p:attrNameLst>
-                                          <p:attrName>ppt_x</p:attrName>
-                                        </p:attrNameLst>
-                                      </p:cBhvr>
-                                      <p:tavLst>
-                                        <p:tav tm="0">
-                                          <p:val>
-                                            <p:strVal val="#ppt_x"/>
-                                          </p:val>
-                                        </p:tav>
-                                        <p:tav tm="100000">
-                                          <p:val>
-                                            <p:strVal val="#ppt_x"/>
-                                          </p:val>
-                                        </p:tav>
-                                      </p:tavLst>
-                                    </p:anim>
-                                    <p:anim calcmode="lin" valueType="num">
-                                      <p:cBhvr additive="base">
-                                        <p:cTn id="32" dur="500" fill="hold"/>
-                                        <p:tgtEl>
-                                          <p:spTgt spid="3">
-                                            <p:txEl>
-                                              <p:pRg st="2" end="2"/>
-                                            </p:txEl>
-                                          </p:spTgt>
-                                        </p:tgtEl>
-                                        <p:attrNameLst>
-                                          <p:attrName>ppt_y</p:attrName>
-                                        </p:attrNameLst>
-                                      </p:cBhvr>
-                                      <p:tavLst>
-                                        <p:tav tm="0">
-                                          <p:val>
-                                            <p:strVal val="1+#ppt_h/2"/>
-                                          </p:val>
-                                        </p:tav>
-                                        <p:tav tm="100000">
-                                          <p:val>
-                                            <p:strVal val="#ppt_y"/>
-                                          </p:val>
-                                        </p:tav>
-                                      </p:tavLst>
-                                    </p:anim>
-                                  </p:childTnLst>
-                                </p:cTn>
-                              </p:par>
-                            </p:childTnLst>
-                          </p:cTn>
-                        </p:par>
-                      </p:childTnLst>
-                    </p:cTn>
-                  </p:par>
-                  <p:par>
-                    <p:cTn id="33" fill="hold">
-                      <p:stCondLst>
-                        <p:cond delay="indefinite"/>
-                      </p:stCondLst>
-                      <p:childTnLst>
-                        <p:par>
-                          <p:cTn id="34" fill="hold">
-                            <p:stCondLst>
-                              <p:cond delay="0"/>
-                            </p:stCondLst>
-                            <p:childTnLst>
-                              <p:par>
-                                <p:cTn id="35" presetID="2" presetClass="entr" presetSubtype="4" fill="hold" grpId="0" nodeType="clickEffect">
-                                  <p:stCondLst>
-                                    <p:cond delay="0"/>
-                                  </p:stCondLst>
-                                  <p:childTnLst>
-                                    <p:set>
-                                      <p:cBhvr>
-                                        <p:cTn id="36" dur="1" fill="hold">
-                                          <p:stCondLst>
-                                            <p:cond delay="0"/>
-                                          </p:stCondLst>
-                                        </p:cTn>
-                                        <p:tgtEl>
-                                          <p:spTgt spid="3">
-                                            <p:txEl>
-                                              <p:pRg st="3" end="3"/>
-                                            </p:txEl>
-                                          </p:spTgt>
-                                        </p:tgtEl>
-                                        <p:attrNameLst>
-                                          <p:attrName>style.visibility</p:attrName>
-                                        </p:attrNameLst>
-                                      </p:cBhvr>
-                                      <p:to>
-                                        <p:strVal val="visible"/>
-                                      </p:to>
-                                    </p:set>
-                                    <p:anim calcmode="lin" valueType="num">
-                                      <p:cBhvr additive="base">
-                                        <p:cTn id="37" dur="500" fill="hold"/>
-                                        <p:tgtEl>
-                                          <p:spTgt spid="3">
-                                            <p:txEl>
-                                              <p:pRg st="3" end="3"/>
-                                            </p:txEl>
-                                          </p:spTgt>
-                                        </p:tgtEl>
-                                        <p:attrNameLst>
-                                          <p:attrName>ppt_x</p:attrName>
-                                        </p:attrNameLst>
-                                      </p:cBhvr>
-                                      <p:tavLst>
-                                        <p:tav tm="0">
-                                          <p:val>
-                                            <p:strVal val="#ppt_x"/>
-                                          </p:val>
-                                        </p:tav>
-                                        <p:tav tm="100000">
-                                          <p:val>
-                                            <p:strVal val="#ppt_x"/>
-                                          </p:val>
-                                        </p:tav>
-                                      </p:tavLst>
-                                    </p:anim>
-                                    <p:anim calcmode="lin" valueType="num">
-                                      <p:cBhvr additive="base">
-                                        <p:cTn id="38" dur="500" fill="hold"/>
-                                        <p:tgtEl>
-                                          <p:spTgt spid="3">
-                                            <p:txEl>
-                                              <p:pRg st="3" end="3"/>
-                                            </p:txEl>
-                                          </p:spTgt>
-                                        </p:tgtEl>
-                                        <p:attrNameLst>
-                                          <p:attrName>ppt_y</p:attrName>
-                                        </p:attrNameLst>
-                                      </p:cBhvr>
-                                      <p:tavLst>
-                                        <p:tav tm="0">
-                                          <p:val>
-                                            <p:strVal val="1+#ppt_h/2"/>
-                                          </p:val>
-                                        </p:tav>
-                                        <p:tav tm="100000">
-                                          <p:val>
-                                            <p:strVal val="#ppt_y"/>
-                                          </p:val>
-                                        </p:tav>
-                                      </p:tavLst>
-                                    </p:anim>
-                                  </p:childTnLst>
-                                </p:cTn>
-                              </p:par>
-                            </p:childTnLst>
-                          </p:cTn>
-                        </p:par>
-                      </p:childTnLst>
-                    </p:cTn>
-                  </p:par>
-                  <p:par>
-                    <p:cTn id="39" fill="hold">
-                      <p:stCondLst>
-                        <p:cond delay="indefinite"/>
-                      </p:stCondLst>
-                      <p:childTnLst>
-                        <p:par>
-                          <p:cTn id="40" fill="hold">
-                            <p:stCondLst>
-                              <p:cond delay="0"/>
-                            </p:stCondLst>
-                            <p:childTnLst>
-                              <p:par>
-                                <p:cTn id="41" presetID="2" presetClass="entr" presetSubtype="4" fill="hold" grpId="0" nodeType="clickEffect">
-                                  <p:stCondLst>
-                                    <p:cond delay="0"/>
-                                  </p:stCondLst>
-                                  <p:childTnLst>
-                                    <p:set>
-                                      <p:cBhvr>
-                                        <p:cTn id="42" dur="1" fill="hold">
-                                          <p:stCondLst>
-                                            <p:cond delay="0"/>
-                                          </p:stCondLst>
-                                        </p:cTn>
-                                        <p:tgtEl>
-                                          <p:spTgt spid="3">
-                                            <p:txEl>
-                                              <p:pRg st="4" end="4"/>
-                                            </p:txEl>
-                                          </p:spTgt>
-                                        </p:tgtEl>
-                                        <p:attrNameLst>
-                                          <p:attrName>style.visibility</p:attrName>
-                                        </p:attrNameLst>
-                                      </p:cBhvr>
-                                      <p:to>
-                                        <p:strVal val="visible"/>
-                                      </p:to>
-                                    </p:set>
-                                    <p:anim calcmode="lin" valueType="num">
-                                      <p:cBhvr additive="base">
-                                        <p:cTn id="43" dur="500" fill="hold"/>
-                                        <p:tgtEl>
-                                          <p:spTgt spid="3">
-                                            <p:txEl>
-                                              <p:pRg st="4" end="4"/>
-                                            </p:txEl>
-                                          </p:spTgt>
-                                        </p:tgtEl>
-                                        <p:attrNameLst>
-                                          <p:attrName>ppt_x</p:attrName>
-                                        </p:attrNameLst>
-                                      </p:cBhvr>
-                                      <p:tavLst>
-                                        <p:tav tm="0">
-                                          <p:val>
-                                            <p:strVal val="#ppt_x"/>
-                                          </p:val>
-                                        </p:tav>
-                                        <p:tav tm="100000">
-                                          <p:val>
-                                            <p:strVal val="#ppt_x"/>
-                                          </p:val>
-                                        </p:tav>
-                                      </p:tavLst>
-                                    </p:anim>
-                                    <p:anim calcmode="lin" valueType="num">
-                                      <p:cBhvr additive="base">
-                                        <p:cTn id="44" dur="500" fill="hold"/>
-                                        <p:tgtEl>
-                                          <p:spTgt spid="3">
-                                            <p:txEl>
-                                              <p:pRg st="4" end="4"/>
-                                            </p:txEl>
-                                          </p:spTgt>
-                                        </p:tgtEl>
-                                        <p:attrNameLst>
-                                          <p:attrName>ppt_y</p:attrName>
-                                        </p:attrNameLst>
-                                      </p:cBhvr>
-                                      <p:tavLst>
-                                        <p:tav tm="0">
-                                          <p:val>
-                                            <p:strVal val="1+#ppt_h/2"/>
-                                          </p:val>
-                                        </p:tav>
-                                        <p:tav tm="100000">
-                                          <p:val>
-                                            <p:strVal val="#ppt_y"/>
-                                          </p:val>
-                                        </p:tav>
-                                      </p:tavLst>
-                                    </p:anim>
-                                  </p:childTnLst>
-                                </p:cTn>
-                              </p:par>
-                            </p:childTnLst>
-                          </p:cTn>
-                        </p:par>
-                      </p:childTnLst>
-                    </p:cTn>
-                  </p:par>
-                  <p:par>
-                    <p:cTn id="45" fill="hold">
-                      <p:stCondLst>
-                        <p:cond delay="indefinite"/>
-                      </p:stCondLst>
-                      <p:childTnLst>
-                        <p:par>
-                          <p:cTn id="46" fill="hold">
-                            <p:stCondLst>
-                              <p:cond delay="0"/>
-                            </p:stCondLst>
-                            <p:childTnLst>
-                              <p:par>
-                                <p:cTn id="47" presetID="2" presetClass="entr" presetSubtype="4" fill="hold" grpId="0" nodeType="clickEffect">
-                                  <p:stCondLst>
-                                    <p:cond delay="0"/>
-                                  </p:stCondLst>
-                                  <p:childTnLst>
-                                    <p:set>
-                                      <p:cBhvr>
-                                        <p:cTn id="48" dur="1" fill="hold">
-                                          <p:stCondLst>
-                                            <p:cond delay="0"/>
-                                          </p:stCondLst>
-                                        </p:cTn>
-                                        <p:tgtEl>
-                                          <p:spTgt spid="3">
-                                            <p:txEl>
-                                              <p:pRg st="5" end="5"/>
-                                            </p:txEl>
-                                          </p:spTgt>
-                                        </p:tgtEl>
-                                        <p:attrNameLst>
-                                          <p:attrName>style.visibility</p:attrName>
-                                        </p:attrNameLst>
-                                      </p:cBhvr>
-                                      <p:to>
-                                        <p:strVal val="visible"/>
-                                      </p:to>
-                                    </p:set>
-                                    <p:anim calcmode="lin" valueType="num">
-                                      <p:cBhvr additive="base">
-                                        <p:cTn id="49" dur="500" fill="hold"/>
-                                        <p:tgtEl>
-                                          <p:spTgt spid="3">
-                                            <p:txEl>
-                                              <p:pRg st="5" end="5"/>
-                                            </p:txEl>
-                                          </p:spTgt>
-                                        </p:tgtEl>
-                                        <p:attrNameLst>
-                                          <p:attrName>ppt_x</p:attrName>
-                                        </p:attrNameLst>
-                                      </p:cBhvr>
-                                      <p:tavLst>
-                                        <p:tav tm="0">
-                                          <p:val>
-                                            <p:strVal val="#ppt_x"/>
-                                          </p:val>
-                                        </p:tav>
-                                        <p:tav tm="100000">
-                                          <p:val>
-                                            <p:strVal val="#ppt_x"/>
-                                          </p:val>
-                                        </p:tav>
-                                      </p:tavLst>
-                                    </p:anim>
-                                    <p:anim calcmode="lin" valueType="num">
-                                      <p:cBhvr additive="base">
-                                        <p:cTn id="50" dur="500" fill="hold"/>
-                                        <p:tgtEl>
-                                          <p:spTgt spid="3">
-                                            <p:txEl>
-                                              <p:pRg st="5" end="5"/>
-                                            </p:txEl>
-                                          </p:spTgt>
-                                        </p:tgtEl>
-                                        <p:attrNameLst>
-                                          <p:attrName>ppt_y</p:attrName>
-                                        </p:attrNameLst>
-                                      </p:cBhvr>
-                                      <p:tavLst>
-                                        <p:tav tm="0">
-                                          <p:val>
-                                            <p:strVal val="1+#ppt_h/2"/>
-                                          </p:val>
-                                        </p:tav>
-                                        <p:tav tm="100000">
-                                          <p:val>
-                                            <p:strVal val="#ppt_y"/>
-                                          </p:val>
-                                        </p:tav>
-                                      </p:tavLst>
-                                    </p:anim>
-                                  </p:childTnLst>
-                                </p:cTn>
-                              </p:par>
-                            </p:childTnLst>
-                          </p:cTn>
-                        </p:par>
-                      </p:childTnLst>
-                    </p:cTn>
-                  </p:par>
-                </p:childTnLst>
-              </p:cTn>
-              <p:prevCondLst>
-                <p:cond evt="onPrev" delay="0">
-                  <p:tgtEl>
-                    <p:sldTgt/>
-                  </p:tgtEl>
-                </p:cond>
-              </p:prevCondLst>
-              <p:nextCondLst>
-                <p:cond evt="onNext" delay="0">
-                  <p:tgtEl>
-                    <p:sldTgt/>
-                  </p:tgtEl>
-                </p:cond>
-              </p:nextCondLst>
-            </p:seq>
-          </p:childTnLst>
-        </p:cTn>
-      </p:par>
-    </p:tnLst>
-    <p:bldLst>
-      <p:bldP spid="2" grpId="0"/>
-      <p:bldP spid="3" grpId="0" build="p"/>
-    </p:bldLst>
-  </p:timing>
-</p:sld>
-</file>
-
-<file path=ppt/slides/slide21.xml><?xml version="1.0" encoding="utf-8"?>
-<p:sld xmlns:a="http://schemas.openxmlformats.org/drawingml/2006/main" xmlns:r="http://schemas.openxmlformats.org/officeDocument/2006/relationships" xmlns:p="http://schemas.openxmlformats.org/presentationml/2006/main">
-  <p:cSld>
-    <p:spTree>
-      <p:nvGrpSpPr>
-        <p:cNvPr id="1" name="">
-          <a:extLst>
-            <a:ext uri="{FF2B5EF4-FFF2-40B4-BE49-F238E27FC236}">
               <a16:creationId xmlns:a16="http://schemas.microsoft.com/office/drawing/2014/main" id="{03A8B541-F369-6C6C-113F-660B3FDE45C3}"/>
             </a:ext>
           </a:extLst>
@@ -26446,7 +24336,7 @@
 </p:sld>
 </file>
 
-<file path=ppt/slides/slide22.xml><?xml version="1.0" encoding="utf-8"?>
+<file path=ppt/slides/slide21.xml><?xml version="1.0" encoding="utf-8"?>
 <p:sld xmlns:a="http://schemas.openxmlformats.org/drawingml/2006/main" xmlns:r="http://schemas.openxmlformats.org/officeDocument/2006/relationships" xmlns:p="http://schemas.openxmlformats.org/presentationml/2006/main">
   <p:cSld>
     <p:spTree>
@@ -27453,7 +25343,7 @@
 </p:sld>
 </file>
 
-<file path=ppt/slides/slide23.xml><?xml version="1.0" encoding="utf-8"?>
+<file path=ppt/slides/slide22.xml><?xml version="1.0" encoding="utf-8"?>
 <p:sld xmlns:a="http://schemas.openxmlformats.org/drawingml/2006/main" xmlns:r="http://schemas.openxmlformats.org/officeDocument/2006/relationships" xmlns:p="http://schemas.openxmlformats.org/presentationml/2006/main">
   <p:cSld>
     <p:spTree>
